--- a/Presentation.pptx
+++ b/Presentation.pptx
@@ -5,10 +5,10 @@
     <p:sldMasterId id="2147483673" r:id="rId1"/>
   </p:sldMasterIdLst>
   <p:notesMasterIdLst>
-    <p:notesMasterId r:id="rId17"/>
+    <p:notesMasterId r:id="rId16"/>
   </p:notesMasterIdLst>
   <p:handoutMasterIdLst>
-    <p:handoutMasterId r:id="rId18"/>
+    <p:handoutMasterId r:id="rId17"/>
   </p:handoutMasterIdLst>
   <p:sldIdLst>
     <p:sldId id="257" r:id="rId2"/>
@@ -25,7 +25,6 @@
     <p:sldId id="274" r:id="rId13"/>
     <p:sldId id="275" r:id="rId14"/>
     <p:sldId id="265" r:id="rId15"/>
-    <p:sldId id="261" r:id="rId16"/>
   </p:sldIdLst>
   <p:sldSz cx="12192000" cy="6858000"/>
   <p:notesSz cx="6858000" cy="9144000"/>
@@ -3947,927 +3946,6 @@
   <dgm:styleLbl name="trBgShp">
     <dgm:fillClrLst meth="repeat">
       <a:schemeClr val="accent2">
-        <a:tint val="50000"/>
-        <a:alpha val="40000"/>
-      </a:schemeClr>
-    </dgm:fillClrLst>
-    <dgm:linClrLst meth="repeat">
-      <a:schemeClr val="accent2"/>
-    </dgm:linClrLst>
-    <dgm:effectClrLst/>
-    <dgm:txLinClrLst/>
-    <dgm:txFillClrLst meth="repeat">
-      <a:schemeClr val="lt1"/>
-    </dgm:txFillClrLst>
-    <dgm:txEffectClrLst/>
-  </dgm:styleLbl>
-  <dgm:styleLbl name="fgShp">
-    <dgm:fillClrLst meth="repeat">
-      <a:schemeClr val="accent2">
-        <a:tint val="40000"/>
-      </a:schemeClr>
-    </dgm:fillClrLst>
-    <dgm:linClrLst meth="repeat">
-      <a:schemeClr val="lt1"/>
-    </dgm:linClrLst>
-    <dgm:effectClrLst/>
-    <dgm:txLinClrLst/>
-    <dgm:txFillClrLst meth="repeat">
-      <a:schemeClr val="dk1"/>
-    </dgm:txFillClrLst>
-    <dgm:txEffectClrLst/>
-  </dgm:styleLbl>
-  <dgm:styleLbl name="revTx">
-    <dgm:fillClrLst meth="repeat">
-      <a:schemeClr val="lt1">
-        <a:alpha val="0"/>
-      </a:schemeClr>
-    </dgm:fillClrLst>
-    <dgm:linClrLst meth="repeat">
-      <a:schemeClr val="dk1">
-        <a:alpha val="0"/>
-      </a:schemeClr>
-    </dgm:linClrLst>
-    <dgm:effectClrLst/>
-    <dgm:txLinClrLst/>
-    <dgm:txFillClrLst meth="repeat">
-      <a:schemeClr val="tx1"/>
-    </dgm:txFillClrLst>
-    <dgm:txEffectClrLst/>
-  </dgm:styleLbl>
-</dgm:colorsDef>
-</file>
-
-<file path=ppt/diagrams/colors6.xml><?xml version="1.0" encoding="utf-8"?>
-<dgm:colorsDef xmlns:dgm="http://schemas.openxmlformats.org/drawingml/2006/diagram" xmlns:a="http://schemas.openxmlformats.org/drawingml/2006/main" uniqueId="urn:microsoft.com/office/officeart/2018/5/colors/Iconchunking_neutralicon_colorful1">
-  <dgm:title val=""/>
-  <dgm:desc val=""/>
-  <dgm:catLst>
-    <dgm:cat type="colorful" pri="10100"/>
-  </dgm:catLst>
-  <dgm:styleLbl name="node0">
-    <dgm:fillClrLst meth="repeat">
-      <a:schemeClr val="accent1"/>
-    </dgm:fillClrLst>
-    <dgm:linClrLst meth="repeat">
-      <a:schemeClr val="lt1"/>
-    </dgm:linClrLst>
-    <dgm:effectClrLst/>
-    <dgm:txLinClrLst/>
-    <dgm:txFillClrLst/>
-    <dgm:txEffectClrLst/>
-  </dgm:styleLbl>
-  <dgm:styleLbl name="node1">
-    <dgm:fillClrLst meth="repeat">
-      <a:schemeClr val="bg1"/>
-    </dgm:fillClrLst>
-    <dgm:linClrLst meth="repeat">
-      <a:schemeClr val="lt1">
-        <a:alpha val="0"/>
-      </a:schemeClr>
-    </dgm:linClrLst>
-    <dgm:effectClrLst/>
-    <dgm:txLinClrLst/>
-    <dgm:txFillClrLst meth="repeat">
-      <a:schemeClr val="dk1"/>
-    </dgm:txFillClrLst>
-    <dgm:txEffectClrLst/>
-  </dgm:styleLbl>
-  <dgm:styleLbl name="alignNode1">
-    <dgm:fillClrLst meth="repeat">
-      <a:schemeClr val="accent2"/>
-      <a:schemeClr val="accent3"/>
-      <a:schemeClr val="accent4"/>
-      <a:schemeClr val="accent5"/>
-      <a:schemeClr val="accent6"/>
-    </dgm:fillClrLst>
-    <dgm:linClrLst meth="repeat">
-      <a:schemeClr val="accent2"/>
-      <a:schemeClr val="accent3"/>
-      <a:schemeClr val="accent4"/>
-      <a:schemeClr val="accent5"/>
-      <a:schemeClr val="accent6"/>
-    </dgm:linClrLst>
-    <dgm:effectClrLst/>
-    <dgm:txLinClrLst/>
-    <dgm:txFillClrLst/>
-    <dgm:txEffectClrLst/>
-  </dgm:styleLbl>
-  <dgm:styleLbl name="lnNode1">
-    <dgm:fillClrLst meth="repeat">
-      <a:schemeClr val="accent2"/>
-      <a:schemeClr val="accent3"/>
-      <a:schemeClr val="accent4"/>
-      <a:schemeClr val="accent5"/>
-      <a:schemeClr val="accent6"/>
-    </dgm:fillClrLst>
-    <dgm:linClrLst meth="repeat">
-      <a:schemeClr val="lt1"/>
-    </dgm:linClrLst>
-    <dgm:effectClrLst/>
-    <dgm:txLinClrLst/>
-    <dgm:txFillClrLst/>
-    <dgm:txEffectClrLst/>
-  </dgm:styleLbl>
-  <dgm:styleLbl name="vennNode1">
-    <dgm:fillClrLst meth="repeat">
-      <a:schemeClr val="accent2">
-        <a:alpha val="50000"/>
-      </a:schemeClr>
-      <a:schemeClr val="accent3">
-        <a:alpha val="50000"/>
-      </a:schemeClr>
-      <a:schemeClr val="accent4">
-        <a:alpha val="50000"/>
-      </a:schemeClr>
-      <a:schemeClr val="accent5">
-        <a:alpha val="50000"/>
-      </a:schemeClr>
-      <a:schemeClr val="accent6">
-        <a:alpha val="50000"/>
-      </a:schemeClr>
-    </dgm:fillClrLst>
-    <dgm:linClrLst meth="repeat">
-      <a:schemeClr val="lt1"/>
-    </dgm:linClrLst>
-    <dgm:effectClrLst/>
-    <dgm:txLinClrLst/>
-    <dgm:txFillClrLst/>
-    <dgm:txEffectClrLst/>
-  </dgm:styleLbl>
-  <dgm:styleLbl name="node2">
-    <dgm:fillClrLst>
-      <a:schemeClr val="accent2"/>
-    </dgm:fillClrLst>
-    <dgm:linClrLst meth="repeat">
-      <a:schemeClr val="lt1"/>
-    </dgm:linClrLst>
-    <dgm:effectClrLst/>
-    <dgm:txLinClrLst/>
-    <dgm:txFillClrLst/>
-    <dgm:txEffectClrLst/>
-  </dgm:styleLbl>
-  <dgm:styleLbl name="node3">
-    <dgm:fillClrLst>
-      <a:schemeClr val="accent3"/>
-    </dgm:fillClrLst>
-    <dgm:linClrLst meth="repeat">
-      <a:schemeClr val="lt1"/>
-    </dgm:linClrLst>
-    <dgm:effectClrLst/>
-    <dgm:txLinClrLst/>
-    <dgm:txFillClrLst/>
-    <dgm:txEffectClrLst/>
-  </dgm:styleLbl>
-  <dgm:styleLbl name="node4">
-    <dgm:fillClrLst>
-      <a:schemeClr val="accent4"/>
-    </dgm:fillClrLst>
-    <dgm:linClrLst meth="repeat">
-      <a:schemeClr val="lt1"/>
-    </dgm:linClrLst>
-    <dgm:effectClrLst/>
-    <dgm:txLinClrLst/>
-    <dgm:txFillClrLst/>
-    <dgm:txEffectClrLst/>
-  </dgm:styleLbl>
-  <dgm:styleLbl name="fgImgPlace1">
-    <dgm:fillClrLst meth="repeat">
-      <a:schemeClr val="accent2">
-        <a:tint val="50000"/>
-      </a:schemeClr>
-      <a:schemeClr val="accent3">
-        <a:tint val="50000"/>
-      </a:schemeClr>
-      <a:schemeClr val="accent4">
-        <a:tint val="50000"/>
-      </a:schemeClr>
-      <a:schemeClr val="accent5">
-        <a:tint val="50000"/>
-      </a:schemeClr>
-      <a:schemeClr val="accent6">
-        <a:tint val="50000"/>
-      </a:schemeClr>
-    </dgm:fillClrLst>
-    <dgm:linClrLst meth="repeat">
-      <a:schemeClr val="lt1"/>
-    </dgm:linClrLst>
-    <dgm:effectClrLst/>
-    <dgm:txLinClrLst/>
-    <dgm:txFillClrLst meth="repeat">
-      <a:schemeClr val="lt1"/>
-    </dgm:txFillClrLst>
-    <dgm:txEffectClrLst/>
-  </dgm:styleLbl>
-  <dgm:styleLbl name="alignImgPlace1">
-    <dgm:fillClrLst>
-      <a:schemeClr val="accent1">
-        <a:tint val="50000"/>
-      </a:schemeClr>
-      <a:schemeClr val="accent2">
-        <a:tint val="20000"/>
-      </a:schemeClr>
-    </dgm:fillClrLst>
-    <dgm:linClrLst meth="repeat">
-      <a:schemeClr val="lt1"/>
-    </dgm:linClrLst>
-    <dgm:effectClrLst/>
-    <dgm:txLinClrLst/>
-    <dgm:txFillClrLst meth="repeat">
-      <a:schemeClr val="lt1"/>
-    </dgm:txFillClrLst>
-    <dgm:txEffectClrLst/>
-  </dgm:styleLbl>
-  <dgm:styleLbl name="bgImgPlace1">
-    <dgm:fillClrLst>
-      <a:schemeClr val="accent1">
-        <a:tint val="50000"/>
-      </a:schemeClr>
-      <a:schemeClr val="accent2">
-        <a:tint val="20000"/>
-      </a:schemeClr>
-    </dgm:fillClrLst>
-    <dgm:linClrLst meth="repeat">
-      <a:schemeClr val="lt1"/>
-    </dgm:linClrLst>
-    <dgm:effectClrLst/>
-    <dgm:txLinClrLst/>
-    <dgm:txFillClrLst meth="repeat">
-      <a:schemeClr val="lt1"/>
-    </dgm:txFillClrLst>
-    <dgm:txEffectClrLst/>
-  </dgm:styleLbl>
-  <dgm:styleLbl name="sibTrans2D1">
-    <dgm:fillClrLst meth="repeat">
-      <a:schemeClr val="accent2"/>
-      <a:schemeClr val="accent3"/>
-      <a:schemeClr val="accent4"/>
-      <a:schemeClr val="accent5"/>
-      <a:schemeClr val="accent6"/>
-    </dgm:fillClrLst>
-    <dgm:linClrLst meth="cycle">
-      <a:schemeClr val="lt1"/>
-    </dgm:linClrLst>
-    <dgm:effectClrLst/>
-    <dgm:txLinClrLst/>
-    <dgm:txFillClrLst/>
-    <dgm:txEffectClrLst/>
-  </dgm:styleLbl>
-  <dgm:styleLbl name="fgSibTrans2D1">
-    <dgm:fillClrLst meth="repeat">
-      <a:schemeClr val="accent2"/>
-      <a:schemeClr val="accent3"/>
-      <a:schemeClr val="accent4"/>
-      <a:schemeClr val="accent5"/>
-      <a:schemeClr val="accent6"/>
-    </dgm:fillClrLst>
-    <dgm:linClrLst meth="cycle">
-      <a:schemeClr val="lt1"/>
-    </dgm:linClrLst>
-    <dgm:effectClrLst/>
-    <dgm:txLinClrLst/>
-    <dgm:txFillClrLst meth="repeat">
-      <a:schemeClr val="lt1"/>
-    </dgm:txFillClrLst>
-    <dgm:txEffectClrLst/>
-  </dgm:styleLbl>
-  <dgm:styleLbl name="bgSibTrans2D1">
-    <dgm:fillClrLst meth="repeat">
-      <a:schemeClr val="accent2"/>
-      <a:schemeClr val="accent3"/>
-      <a:schemeClr val="accent4"/>
-      <a:schemeClr val="accent5"/>
-      <a:schemeClr val="accent6"/>
-    </dgm:fillClrLst>
-    <dgm:linClrLst meth="cycle">
-      <a:schemeClr val="lt1"/>
-    </dgm:linClrLst>
-    <dgm:effectClrLst/>
-    <dgm:txLinClrLst/>
-    <dgm:txFillClrLst meth="repeat">
-      <a:schemeClr val="lt1"/>
-    </dgm:txFillClrLst>
-    <dgm:txEffectClrLst/>
-  </dgm:styleLbl>
-  <dgm:styleLbl name="sibTrans1D1">
-    <dgm:fillClrLst meth="repeat">
-      <a:schemeClr val="accent2"/>
-      <a:schemeClr val="accent3"/>
-      <a:schemeClr val="accent4"/>
-      <a:schemeClr val="accent5"/>
-      <a:schemeClr val="accent6"/>
-    </dgm:fillClrLst>
-    <dgm:linClrLst meth="repeat">
-      <a:schemeClr val="accent2"/>
-      <a:schemeClr val="accent3"/>
-      <a:schemeClr val="accent4"/>
-      <a:schemeClr val="accent5"/>
-      <a:schemeClr val="accent6"/>
-    </dgm:linClrLst>
-    <dgm:effectClrLst/>
-    <dgm:txLinClrLst/>
-    <dgm:txFillClrLst meth="repeat">
-      <a:schemeClr val="tx1"/>
-    </dgm:txFillClrLst>
-    <dgm:txEffectClrLst/>
-  </dgm:styleLbl>
-  <dgm:styleLbl name="callout">
-    <dgm:fillClrLst meth="repeat">
-      <a:schemeClr val="accent2"/>
-    </dgm:fillClrLst>
-    <dgm:linClrLst meth="repeat">
-      <a:schemeClr val="accent2">
-        <a:tint val="50000"/>
-      </a:schemeClr>
-    </dgm:linClrLst>
-    <dgm:effectClrLst/>
-    <dgm:txLinClrLst/>
-    <dgm:txFillClrLst meth="repeat">
-      <a:schemeClr val="tx1"/>
-    </dgm:txFillClrLst>
-    <dgm:txEffectClrLst/>
-  </dgm:styleLbl>
-  <dgm:styleLbl name="asst0">
-    <dgm:fillClrLst meth="repeat">
-      <a:schemeClr val="accent1"/>
-    </dgm:fillClrLst>
-    <dgm:linClrLst meth="repeat">
-      <a:schemeClr val="lt1"/>
-    </dgm:linClrLst>
-    <dgm:effectClrLst/>
-    <dgm:txLinClrLst/>
-    <dgm:txFillClrLst/>
-    <dgm:txEffectClrLst/>
-  </dgm:styleLbl>
-  <dgm:styleLbl name="asst1">
-    <dgm:fillClrLst meth="repeat">
-      <a:schemeClr val="accent2"/>
-    </dgm:fillClrLst>
-    <dgm:linClrLst meth="repeat">
-      <a:schemeClr val="lt1"/>
-    </dgm:linClrLst>
-    <dgm:effectClrLst/>
-    <dgm:txLinClrLst/>
-    <dgm:txFillClrLst/>
-    <dgm:txEffectClrLst/>
-  </dgm:styleLbl>
-  <dgm:styleLbl name="asst2">
-    <dgm:fillClrLst>
-      <a:schemeClr val="accent3"/>
-    </dgm:fillClrLst>
-    <dgm:linClrLst meth="repeat">
-      <a:schemeClr val="lt1"/>
-    </dgm:linClrLst>
-    <dgm:effectClrLst/>
-    <dgm:txLinClrLst/>
-    <dgm:txFillClrLst/>
-    <dgm:txEffectClrLst/>
-  </dgm:styleLbl>
-  <dgm:styleLbl name="asst3">
-    <dgm:fillClrLst>
-      <a:schemeClr val="accent4"/>
-    </dgm:fillClrLst>
-    <dgm:linClrLst meth="repeat">
-      <a:schemeClr val="lt1"/>
-    </dgm:linClrLst>
-    <dgm:effectClrLst/>
-    <dgm:txLinClrLst/>
-    <dgm:txFillClrLst/>
-    <dgm:txEffectClrLst/>
-  </dgm:styleLbl>
-  <dgm:styleLbl name="asst4">
-    <dgm:fillClrLst>
-      <a:schemeClr val="accent5"/>
-    </dgm:fillClrLst>
-    <dgm:linClrLst meth="repeat">
-      <a:schemeClr val="lt1"/>
-    </dgm:linClrLst>
-    <dgm:effectClrLst/>
-    <dgm:txLinClrLst/>
-    <dgm:txFillClrLst/>
-    <dgm:txEffectClrLst/>
-  </dgm:styleLbl>
-  <dgm:styleLbl name="parChTrans2D1">
-    <dgm:fillClrLst meth="repeat">
-      <a:schemeClr val="accent2"/>
-    </dgm:fillClrLst>
-    <dgm:linClrLst meth="repeat">
-      <a:schemeClr val="lt1"/>
-    </dgm:linClrLst>
-    <dgm:effectClrLst/>
-    <dgm:txLinClrLst/>
-    <dgm:txFillClrLst meth="repeat">
-      <a:schemeClr val="lt1"/>
-    </dgm:txFillClrLst>
-    <dgm:txEffectClrLst/>
-  </dgm:styleLbl>
-  <dgm:styleLbl name="parChTrans2D2">
-    <dgm:fillClrLst meth="repeat">
-      <a:schemeClr val="accent3"/>
-    </dgm:fillClrLst>
-    <dgm:linClrLst meth="repeat">
-      <a:schemeClr val="lt1"/>
-    </dgm:linClrLst>
-    <dgm:effectClrLst/>
-    <dgm:txLinClrLst/>
-    <dgm:txFillClrLst/>
-    <dgm:txEffectClrLst/>
-  </dgm:styleLbl>
-  <dgm:styleLbl name="parChTrans2D3">
-    <dgm:fillClrLst meth="repeat">
-      <a:schemeClr val="accent4"/>
-    </dgm:fillClrLst>
-    <dgm:linClrLst meth="repeat">
-      <a:schemeClr val="lt1"/>
-    </dgm:linClrLst>
-    <dgm:effectClrLst/>
-    <dgm:txLinClrLst/>
-    <dgm:txFillClrLst/>
-    <dgm:txEffectClrLst/>
-  </dgm:styleLbl>
-  <dgm:styleLbl name="parChTrans2D4">
-    <dgm:fillClrLst meth="repeat">
-      <a:schemeClr val="accent5"/>
-    </dgm:fillClrLst>
-    <dgm:linClrLst meth="repeat">
-      <a:schemeClr val="lt1"/>
-    </dgm:linClrLst>
-    <dgm:effectClrLst/>
-    <dgm:txLinClrLst/>
-    <dgm:txFillClrLst meth="repeat">
-      <a:schemeClr val="lt1"/>
-    </dgm:txFillClrLst>
-    <dgm:txEffectClrLst/>
-  </dgm:styleLbl>
-  <dgm:styleLbl name="parChTrans1D1">
-    <dgm:fillClrLst meth="repeat">
-      <a:schemeClr val="accent2"/>
-    </dgm:fillClrLst>
-    <dgm:linClrLst meth="repeat">
-      <a:schemeClr val="accent1"/>
-    </dgm:linClrLst>
-    <dgm:effectClrLst/>
-    <dgm:txLinClrLst/>
-    <dgm:txFillClrLst meth="repeat">
-      <a:schemeClr val="tx1"/>
-    </dgm:txFillClrLst>
-    <dgm:txEffectClrLst/>
-  </dgm:styleLbl>
-  <dgm:styleLbl name="parChTrans1D2">
-    <dgm:fillClrLst meth="repeat">
-      <a:schemeClr val="accent3">
-        <a:tint val="90000"/>
-      </a:schemeClr>
-    </dgm:fillClrLst>
-    <dgm:linClrLst meth="repeat">
-      <a:schemeClr val="accent2"/>
-    </dgm:linClrLst>
-    <dgm:effectClrLst/>
-    <dgm:txLinClrLst/>
-    <dgm:txFillClrLst meth="repeat">
-      <a:schemeClr val="tx1"/>
-    </dgm:txFillClrLst>
-    <dgm:txEffectClrLst/>
-  </dgm:styleLbl>
-  <dgm:styleLbl name="parChTrans1D3">
-    <dgm:fillClrLst meth="repeat">
-      <a:schemeClr val="accent4">
-        <a:tint val="70000"/>
-      </a:schemeClr>
-    </dgm:fillClrLst>
-    <dgm:linClrLst meth="repeat">
-      <a:schemeClr val="accent3"/>
-    </dgm:linClrLst>
-    <dgm:effectClrLst/>
-    <dgm:txLinClrLst/>
-    <dgm:txFillClrLst meth="repeat">
-      <a:schemeClr val="tx1"/>
-    </dgm:txFillClrLst>
-    <dgm:txEffectClrLst/>
-  </dgm:styleLbl>
-  <dgm:styleLbl name="parChTrans1D4">
-    <dgm:fillClrLst meth="repeat">
-      <a:schemeClr val="accent5">
-        <a:tint val="50000"/>
-      </a:schemeClr>
-    </dgm:fillClrLst>
-    <dgm:linClrLst meth="repeat">
-      <a:schemeClr val="accent4"/>
-    </dgm:linClrLst>
-    <dgm:effectClrLst/>
-    <dgm:txLinClrLst/>
-    <dgm:txFillClrLst meth="repeat">
-      <a:schemeClr val="tx1"/>
-    </dgm:txFillClrLst>
-    <dgm:txEffectClrLst/>
-  </dgm:styleLbl>
-  <dgm:styleLbl name="fgAcc1">
-    <dgm:fillClrLst meth="repeat">
-      <a:schemeClr val="lt1">
-        <a:alpha val="90000"/>
-      </a:schemeClr>
-    </dgm:fillClrLst>
-    <dgm:linClrLst meth="repeat">
-      <a:schemeClr val="accent2"/>
-      <a:schemeClr val="accent3"/>
-      <a:schemeClr val="accent4"/>
-      <a:schemeClr val="accent5"/>
-      <a:schemeClr val="accent6"/>
-    </dgm:linClrLst>
-    <dgm:effectClrLst/>
-    <dgm:txLinClrLst/>
-    <dgm:txFillClrLst meth="repeat">
-      <a:schemeClr val="dk1"/>
-    </dgm:txFillClrLst>
-    <dgm:txEffectClrLst/>
-  </dgm:styleLbl>
-  <dgm:styleLbl name="conFgAcc1">
-    <dgm:fillClrLst meth="repeat">
-      <a:schemeClr val="lt1">
-        <a:alpha val="90000"/>
-      </a:schemeClr>
-    </dgm:fillClrLst>
-    <dgm:linClrLst meth="repeat">
-      <a:schemeClr val="accent2"/>
-      <a:schemeClr val="accent3"/>
-      <a:schemeClr val="accent4"/>
-      <a:schemeClr val="accent5"/>
-      <a:schemeClr val="accent6"/>
-    </dgm:linClrLst>
-    <dgm:effectClrLst/>
-    <dgm:txLinClrLst/>
-    <dgm:txFillClrLst meth="repeat">
-      <a:schemeClr val="dk1"/>
-    </dgm:txFillClrLst>
-    <dgm:txEffectClrLst/>
-  </dgm:styleLbl>
-  <dgm:styleLbl name="alignAcc1">
-    <dgm:fillClrLst meth="repeat">
-      <a:schemeClr val="lt1">
-        <a:alpha val="90000"/>
-      </a:schemeClr>
-    </dgm:fillClrLst>
-    <dgm:linClrLst meth="repeat">
-      <a:schemeClr val="accent2"/>
-      <a:schemeClr val="accent3"/>
-      <a:schemeClr val="accent4"/>
-      <a:schemeClr val="accent5"/>
-      <a:schemeClr val="accent6"/>
-    </dgm:linClrLst>
-    <dgm:effectClrLst/>
-    <dgm:txLinClrLst/>
-    <dgm:txFillClrLst meth="repeat">
-      <a:schemeClr val="dk1"/>
-    </dgm:txFillClrLst>
-    <dgm:txEffectClrLst/>
-  </dgm:styleLbl>
-  <dgm:styleLbl name="trAlignAcc1">
-    <dgm:fillClrLst meth="repeat">
-      <a:schemeClr val="lt1">
-        <a:alpha val="40000"/>
-      </a:schemeClr>
-    </dgm:fillClrLst>
-    <dgm:linClrLst meth="repeat">
-      <a:schemeClr val="accent1"/>
-    </dgm:linClrLst>
-    <dgm:effectClrLst/>
-    <dgm:txLinClrLst/>
-    <dgm:txFillClrLst meth="repeat">
-      <a:schemeClr val="dk1"/>
-    </dgm:txFillClrLst>
-    <dgm:txEffectClrLst/>
-  </dgm:styleLbl>
-  <dgm:styleLbl name="bgAcc1">
-    <dgm:fillClrLst meth="repeat">
-      <a:schemeClr val="lt1">
-        <a:alpha val="90000"/>
-      </a:schemeClr>
-    </dgm:fillClrLst>
-    <dgm:linClrLst meth="repeat">
-      <a:schemeClr val="accent2"/>
-      <a:schemeClr val="accent3"/>
-      <a:schemeClr val="accent4"/>
-      <a:schemeClr val="accent5"/>
-      <a:schemeClr val="accent6"/>
-    </dgm:linClrLst>
-    <dgm:effectClrLst/>
-    <dgm:txLinClrLst/>
-    <dgm:txFillClrLst meth="repeat">
-      <a:schemeClr val="dk1"/>
-    </dgm:txFillClrLst>
-    <dgm:txEffectClrLst/>
-  </dgm:styleLbl>
-  <dgm:styleLbl name="solidFgAcc1">
-    <dgm:fillClrLst meth="repeat">
-      <a:schemeClr val="lt1"/>
-    </dgm:fillClrLst>
-    <dgm:linClrLst meth="repeat">
-      <a:schemeClr val="accent2"/>
-      <a:schemeClr val="accent3"/>
-      <a:schemeClr val="accent4"/>
-      <a:schemeClr val="accent5"/>
-      <a:schemeClr val="accent6"/>
-    </dgm:linClrLst>
-    <dgm:effectClrLst/>
-    <dgm:txLinClrLst/>
-    <dgm:txFillClrLst meth="repeat">
-      <a:schemeClr val="dk1"/>
-    </dgm:txFillClrLst>
-    <dgm:txEffectClrLst/>
-  </dgm:styleLbl>
-  <dgm:styleLbl name="solidAlignAcc1">
-    <dgm:fillClrLst meth="repeat">
-      <a:schemeClr val="lt1"/>
-    </dgm:fillClrLst>
-    <dgm:linClrLst meth="repeat">
-      <a:schemeClr val="accent2"/>
-      <a:schemeClr val="accent3"/>
-      <a:schemeClr val="accent4"/>
-      <a:schemeClr val="accent5"/>
-      <a:schemeClr val="accent6"/>
-    </dgm:linClrLst>
-    <dgm:effectClrLst/>
-    <dgm:txLinClrLst/>
-    <dgm:txFillClrLst meth="repeat">
-      <a:schemeClr val="dk1"/>
-    </dgm:txFillClrLst>
-    <dgm:txEffectClrLst/>
-  </dgm:styleLbl>
-  <dgm:styleLbl name="solidBgAcc1">
-    <dgm:fillClrLst meth="repeat">
-      <a:schemeClr val="lt1"/>
-    </dgm:fillClrLst>
-    <dgm:linClrLst meth="repeat">
-      <a:schemeClr val="accent2"/>
-      <a:schemeClr val="accent3"/>
-      <a:schemeClr val="accent4"/>
-      <a:schemeClr val="accent5"/>
-      <a:schemeClr val="accent6"/>
-    </dgm:linClrLst>
-    <dgm:effectClrLst/>
-    <dgm:txLinClrLst/>
-    <dgm:txFillClrLst meth="repeat">
-      <a:schemeClr val="dk1"/>
-    </dgm:txFillClrLst>
-    <dgm:txEffectClrLst/>
-  </dgm:styleLbl>
-  <dgm:styleLbl name="fgAccFollowNode1">
-    <dgm:fillClrLst meth="repeat">
-      <a:schemeClr val="accent2">
-        <a:tint val="40000"/>
-        <a:alpha val="90000"/>
-      </a:schemeClr>
-      <a:schemeClr val="accent3">
-        <a:tint val="40000"/>
-        <a:alpha val="90000"/>
-      </a:schemeClr>
-      <a:schemeClr val="accent4">
-        <a:tint val="40000"/>
-        <a:alpha val="90000"/>
-      </a:schemeClr>
-      <a:schemeClr val="accent5">
-        <a:tint val="40000"/>
-        <a:alpha val="90000"/>
-      </a:schemeClr>
-      <a:schemeClr val="accent6">
-        <a:tint val="40000"/>
-        <a:alpha val="90000"/>
-      </a:schemeClr>
-    </dgm:fillClrLst>
-    <dgm:linClrLst meth="repeat">
-      <a:schemeClr val="accent2">
-        <a:tint val="40000"/>
-        <a:alpha val="90000"/>
-      </a:schemeClr>
-      <a:schemeClr val="accent3">
-        <a:tint val="40000"/>
-        <a:alpha val="90000"/>
-      </a:schemeClr>
-      <a:schemeClr val="accent4">
-        <a:tint val="40000"/>
-        <a:alpha val="90000"/>
-      </a:schemeClr>
-      <a:schemeClr val="accent5">
-        <a:tint val="40000"/>
-        <a:alpha val="90000"/>
-      </a:schemeClr>
-      <a:schemeClr val="accent6">
-        <a:tint val="40000"/>
-        <a:alpha val="90000"/>
-      </a:schemeClr>
-    </dgm:linClrLst>
-    <dgm:effectClrLst/>
-    <dgm:txLinClrLst/>
-    <dgm:txFillClrLst meth="repeat">
-      <a:schemeClr val="dk1"/>
-    </dgm:txFillClrLst>
-    <dgm:txEffectClrLst/>
-  </dgm:styleLbl>
-  <dgm:styleLbl name="alignAccFollowNode1">
-    <dgm:fillClrLst meth="repeat">
-      <a:schemeClr val="accent2">
-        <a:tint val="40000"/>
-        <a:alpha val="90000"/>
-      </a:schemeClr>
-      <a:schemeClr val="accent3">
-        <a:tint val="40000"/>
-        <a:alpha val="90000"/>
-      </a:schemeClr>
-      <a:schemeClr val="accent4">
-        <a:tint val="40000"/>
-        <a:alpha val="90000"/>
-      </a:schemeClr>
-      <a:schemeClr val="accent5">
-        <a:tint val="40000"/>
-        <a:alpha val="90000"/>
-      </a:schemeClr>
-      <a:schemeClr val="accent6">
-        <a:tint val="40000"/>
-        <a:alpha val="90000"/>
-      </a:schemeClr>
-    </dgm:fillClrLst>
-    <dgm:linClrLst meth="repeat">
-      <a:schemeClr val="accent2">
-        <a:tint val="40000"/>
-        <a:alpha val="90000"/>
-      </a:schemeClr>
-      <a:schemeClr val="accent3">
-        <a:tint val="40000"/>
-        <a:alpha val="90000"/>
-      </a:schemeClr>
-      <a:schemeClr val="accent4">
-        <a:tint val="40000"/>
-        <a:alpha val="90000"/>
-      </a:schemeClr>
-      <a:schemeClr val="accent5">
-        <a:tint val="40000"/>
-        <a:alpha val="90000"/>
-      </a:schemeClr>
-      <a:schemeClr val="accent6">
-        <a:tint val="40000"/>
-        <a:alpha val="90000"/>
-      </a:schemeClr>
-    </dgm:linClrLst>
-    <dgm:effectClrLst/>
-    <dgm:txLinClrLst/>
-    <dgm:txFillClrLst meth="repeat">
-      <a:schemeClr val="dk1"/>
-    </dgm:txFillClrLst>
-    <dgm:txEffectClrLst/>
-  </dgm:styleLbl>
-  <dgm:styleLbl name="bgAccFollowNode1">
-    <dgm:fillClrLst meth="repeat">
-      <a:schemeClr val="accent2">
-        <a:tint val="40000"/>
-        <a:alpha val="90000"/>
-      </a:schemeClr>
-      <a:schemeClr val="accent3">
-        <a:tint val="40000"/>
-        <a:alpha val="90000"/>
-      </a:schemeClr>
-      <a:schemeClr val="accent4">
-        <a:tint val="40000"/>
-        <a:alpha val="90000"/>
-      </a:schemeClr>
-      <a:schemeClr val="accent5">
-        <a:tint val="40000"/>
-        <a:alpha val="90000"/>
-      </a:schemeClr>
-      <a:schemeClr val="accent6">
-        <a:tint val="40000"/>
-        <a:alpha val="90000"/>
-      </a:schemeClr>
-    </dgm:fillClrLst>
-    <dgm:linClrLst meth="repeat">
-      <a:schemeClr val="accent2">
-        <a:tint val="40000"/>
-        <a:alpha val="90000"/>
-      </a:schemeClr>
-      <a:schemeClr val="accent3">
-        <a:tint val="40000"/>
-        <a:alpha val="90000"/>
-      </a:schemeClr>
-      <a:schemeClr val="accent4">
-        <a:tint val="40000"/>
-        <a:alpha val="90000"/>
-      </a:schemeClr>
-      <a:schemeClr val="accent5">
-        <a:tint val="40000"/>
-        <a:alpha val="90000"/>
-      </a:schemeClr>
-      <a:schemeClr val="accent6">
-        <a:tint val="40000"/>
-        <a:alpha val="90000"/>
-      </a:schemeClr>
-    </dgm:linClrLst>
-    <dgm:effectClrLst/>
-    <dgm:txLinClrLst/>
-    <dgm:txFillClrLst meth="repeat">
-      <a:schemeClr val="dk1"/>
-    </dgm:txFillClrLst>
-    <dgm:txEffectClrLst/>
-  </dgm:styleLbl>
-  <dgm:styleLbl name="fgAcc0">
-    <dgm:fillClrLst meth="repeat">
-      <a:schemeClr val="lt1">
-        <a:alpha val="90000"/>
-      </a:schemeClr>
-    </dgm:fillClrLst>
-    <dgm:linClrLst>
-      <a:schemeClr val="accent1"/>
-    </dgm:linClrLst>
-    <dgm:effectClrLst/>
-    <dgm:txLinClrLst/>
-    <dgm:txFillClrLst meth="repeat">
-      <a:schemeClr val="dk1"/>
-    </dgm:txFillClrLst>
-    <dgm:txEffectClrLst/>
-  </dgm:styleLbl>
-  <dgm:styleLbl name="fgAcc2">
-    <dgm:fillClrLst meth="repeat">
-      <a:schemeClr val="lt1">
-        <a:alpha val="90000"/>
-      </a:schemeClr>
-    </dgm:fillClrLst>
-    <dgm:linClrLst>
-      <a:schemeClr val="accent2"/>
-    </dgm:linClrLst>
-    <dgm:effectClrLst/>
-    <dgm:txLinClrLst/>
-    <dgm:txFillClrLst meth="repeat">
-      <a:schemeClr val="dk1"/>
-    </dgm:txFillClrLst>
-    <dgm:txEffectClrLst/>
-  </dgm:styleLbl>
-  <dgm:styleLbl name="fgAcc3">
-    <dgm:fillClrLst meth="repeat">
-      <a:schemeClr val="lt1">
-        <a:alpha val="90000"/>
-      </a:schemeClr>
-    </dgm:fillClrLst>
-    <dgm:linClrLst>
-      <a:schemeClr val="accent3"/>
-    </dgm:linClrLst>
-    <dgm:effectClrLst/>
-    <dgm:txLinClrLst/>
-    <dgm:txFillClrLst meth="repeat">
-      <a:schemeClr val="dk1"/>
-    </dgm:txFillClrLst>
-    <dgm:txEffectClrLst/>
-  </dgm:styleLbl>
-  <dgm:styleLbl name="fgAcc4">
-    <dgm:fillClrLst meth="repeat">
-      <a:schemeClr val="lt1">
-        <a:alpha val="90000"/>
-      </a:schemeClr>
-    </dgm:fillClrLst>
-    <dgm:linClrLst>
-      <a:schemeClr val="accent4"/>
-    </dgm:linClrLst>
-    <dgm:effectClrLst/>
-    <dgm:txLinClrLst/>
-    <dgm:txFillClrLst meth="repeat">
-      <a:schemeClr val="dk1"/>
-    </dgm:txFillClrLst>
-    <dgm:txEffectClrLst/>
-  </dgm:styleLbl>
-  <dgm:styleLbl name="bgShp">
-    <dgm:fillClrLst meth="repeat">
-      <a:schemeClr val="accent2"/>
-      <a:schemeClr val="accent3"/>
-      <a:schemeClr val="accent4"/>
-      <a:schemeClr val="accent5"/>
-      <a:schemeClr val="accent6"/>
-    </dgm:fillClrLst>
-    <dgm:linClrLst meth="repeat">
-      <a:schemeClr val="lt1">
-        <a:alpha val="0"/>
-      </a:schemeClr>
-    </dgm:linClrLst>
-    <dgm:effectClrLst/>
-    <dgm:txLinClrLst/>
-    <dgm:txFillClrLst/>
-    <dgm:txEffectClrLst/>
-  </dgm:styleLbl>
-  <dgm:styleLbl name="dkBgShp">
-    <dgm:fillClrLst meth="repeat">
-      <a:schemeClr val="accent2">
-        <a:shade val="90000"/>
-      </a:schemeClr>
-    </dgm:fillClrLst>
-    <dgm:linClrLst meth="repeat">
-      <a:schemeClr val="dk1"/>
-    </dgm:linClrLst>
-    <dgm:effectClrLst/>
-    <dgm:txLinClrLst/>
-    <dgm:txFillClrLst meth="repeat">
-      <a:schemeClr val="lt1"/>
-    </dgm:txFillClrLst>
-    <dgm:txEffectClrLst/>
-  </dgm:styleLbl>
-  <dgm:styleLbl name="trBgShp">
-    <dgm:fillClrLst meth="repeat">
-      <a:schemeClr val="accent1">
         <a:tint val="50000"/>
         <a:alpha val="40000"/>
       </a:schemeClr>
@@ -7519,357 +6597,6 @@
     <dgm:cxn modelId="{91C218A7-A807-42B0-B54B-49BAE9B029E9}" type="presParOf" srcId="{9C2EE211-18F0-472F-AC10-320166EB56F3}" destId="{AC8D9F83-E3B5-4880-BF5E-A661AA3D3908}" srcOrd="1" destOrd="0" presId="urn:microsoft.com/office/officeart/2005/8/layout/hierarchy2"/>
     <dgm:cxn modelId="{49A34ABA-B799-47AE-88FB-8EC03D81B41F}" type="presParOf" srcId="{AC8D9F83-E3B5-4880-BF5E-A661AA3D3908}" destId="{0D1B3BE1-EC11-422A-8081-1802C51E682B}" srcOrd="0" destOrd="0" presId="urn:microsoft.com/office/officeart/2005/8/layout/hierarchy2"/>
     <dgm:cxn modelId="{B684824E-DC6D-41A0-ACCC-DA741032E9FE}" type="presParOf" srcId="{AC8D9F83-E3B5-4880-BF5E-A661AA3D3908}" destId="{708AEE5A-7040-4164-A3B4-3064204BC1C8}" srcOrd="1" destOrd="0" presId="urn:microsoft.com/office/officeart/2005/8/layout/hierarchy2"/>
-  </dgm:cxnLst>
-  <dgm:bg/>
-  <dgm:whole/>
-  <dgm:extLst>
-    <a:ext uri="http://schemas.microsoft.com/office/drawing/2008/diagram">
-      <dsp:dataModelExt xmlns:dsp="http://schemas.microsoft.com/office/drawing/2008/diagram" relId="rId6" minVer="http://schemas.openxmlformats.org/drawingml/2006/diagram"/>
-    </a:ext>
-  </dgm:extLst>
-</dgm:dataModel>
-</file>
-
-<file path=ppt/diagrams/data6.xml><?xml version="1.0" encoding="utf-8"?>
-<dgm:dataModel xmlns:dgm="http://schemas.openxmlformats.org/drawingml/2006/diagram" xmlns:a="http://schemas.openxmlformats.org/drawingml/2006/main">
-  <dgm:ptLst>
-    <dgm:pt modelId="{01A66772-F185-4D58-B8BB-E9370D7A7A2B}" type="doc">
-      <dgm:prSet loTypeId="urn:microsoft.com/office/officeart/2018/5/layout/IconCircleLabelList" loCatId="icon" qsTypeId="urn:microsoft.com/office/officeart/2005/8/quickstyle/simple1" qsCatId="simple" csTypeId="urn:microsoft.com/office/officeart/2018/5/colors/Iconchunking_neutralicon_colorful1" csCatId="colorful" phldr="1"/>
-      <dgm:spPr/>
-      <dgm:t>
-        <a:bodyPr rtlCol="0"/>
-        <a:lstStyle/>
-        <a:p>
-          <a:pPr rtl="0"/>
-          <a:endParaRPr lang="en-US"/>
-        </a:p>
-      </dgm:t>
-    </dgm:pt>
-    <dgm:pt modelId="{40FC4FFE-8987-4A26-B7F4-8A516F18ADAE}">
-      <dgm:prSet/>
-      <dgm:spPr/>
-      <dgm:t>
-        <a:bodyPr rtlCol="0"/>
-        <a:lstStyle/>
-        <a:p>
-          <a:pPr rtl="0">
-            <a:lnSpc>
-              <a:spcPct val="100000"/>
-            </a:lnSpc>
-            <a:defRPr cap="all"/>
-          </a:pPr>
-          <a:r>
-            <a:rPr lang="fr" dirty="0"/>
-            <a:t>Lorem ipsum dolor sit amet, consectetuer adipiscing elit. </a:t>
-          </a:r>
-        </a:p>
-      </dgm:t>
-    </dgm:pt>
-    <dgm:pt modelId="{CAD7EF86-FB23-41F6-BF42-040B36DEFDB1}" type="parTrans" cxnId="{C7AD8469-3C68-4AF9-AB82-79B0043AA120}">
-      <dgm:prSet/>
-      <dgm:spPr/>
-      <dgm:t>
-        <a:bodyPr rtlCol="0"/>
-        <a:lstStyle/>
-        <a:p>
-          <a:pPr rtl="0"/>
-          <a:endParaRPr lang="en-US"/>
-        </a:p>
-      </dgm:t>
-    </dgm:pt>
-    <dgm:pt modelId="{5B62599A-5C9B-48E7-896E-EA782AC60C8B}" type="sibTrans" cxnId="{C7AD8469-3C68-4AF9-AB82-79B0043AA120}">
-      <dgm:prSet/>
-      <dgm:spPr/>
-      <dgm:t>
-        <a:bodyPr rtlCol="0"/>
-        <a:lstStyle/>
-        <a:p>
-          <a:pPr rtl="0"/>
-          <a:endParaRPr lang="en-US"/>
-        </a:p>
-      </dgm:t>
-    </dgm:pt>
-    <dgm:pt modelId="{49225C73-1633-42F1-AB3B-7CB183E5F8B8}">
-      <dgm:prSet/>
-      <dgm:spPr/>
-      <dgm:t>
-        <a:bodyPr rtlCol="0"/>
-        <a:lstStyle/>
-        <a:p>
-          <a:pPr rtl="0">
-            <a:lnSpc>
-              <a:spcPct val="100000"/>
-            </a:lnSpc>
-            <a:defRPr cap="all"/>
-          </a:pPr>
-          <a:r>
-            <a:rPr lang="fr"/>
-            <a:t>Nunc viverra imperdiet enim. Fusce est. Vivamus a tellus.</a:t>
-          </a:r>
-        </a:p>
-      </dgm:t>
-    </dgm:pt>
-    <dgm:pt modelId="{1A0E2090-1D4F-438A-8766-B6030CE01ADD}" type="parTrans" cxnId="{A9154303-8225-4248-91DC-1B0156A35F07}">
-      <dgm:prSet/>
-      <dgm:spPr/>
-      <dgm:t>
-        <a:bodyPr rtlCol="0"/>
-        <a:lstStyle/>
-        <a:p>
-          <a:pPr rtl="0"/>
-          <a:endParaRPr lang="en-US"/>
-        </a:p>
-      </dgm:t>
-    </dgm:pt>
-    <dgm:pt modelId="{9646853A-8964-4519-A5B1-0B7D18B2983D}" type="sibTrans" cxnId="{A9154303-8225-4248-91DC-1B0156A35F07}">
-      <dgm:prSet/>
-      <dgm:spPr/>
-      <dgm:t>
-        <a:bodyPr rtlCol="0"/>
-        <a:lstStyle/>
-        <a:p>
-          <a:pPr rtl="0"/>
-          <a:endParaRPr lang="en-US"/>
-        </a:p>
-      </dgm:t>
-    </dgm:pt>
-    <dgm:pt modelId="{1C383F32-22E8-4F62-A3E0-BDC3D5F48992}">
-      <dgm:prSet/>
-      <dgm:spPr/>
-      <dgm:t>
-        <a:bodyPr rtlCol="0"/>
-        <a:lstStyle/>
-        <a:p>
-          <a:pPr rtl="0">
-            <a:lnSpc>
-              <a:spcPct val="100000"/>
-            </a:lnSpc>
-            <a:defRPr cap="all"/>
-          </a:pPr>
-          <a:r>
-            <a:rPr lang="fr"/>
-            <a:t>Pellentesque habitant morbi tristique senectus et netus.</a:t>
-          </a:r>
-        </a:p>
-      </dgm:t>
-    </dgm:pt>
-    <dgm:pt modelId="{A7920A2F-3244-4159-AF04-6A1D38B7B317}" type="parTrans" cxnId="{C4CCE57E-E871-46D6-BAD5-880252C95D22}">
-      <dgm:prSet/>
-      <dgm:spPr/>
-      <dgm:t>
-        <a:bodyPr rtlCol="0"/>
-        <a:lstStyle/>
-        <a:p>
-          <a:pPr rtl="0"/>
-          <a:endParaRPr lang="en-US"/>
-        </a:p>
-      </dgm:t>
-    </dgm:pt>
-    <dgm:pt modelId="{8500F72A-2C6D-4FDF-9C1D-CA691380EB0B}" type="sibTrans" cxnId="{C4CCE57E-E871-46D6-BAD5-880252C95D22}">
-      <dgm:prSet/>
-      <dgm:spPr/>
-      <dgm:t>
-        <a:bodyPr rtlCol="0"/>
-        <a:lstStyle/>
-        <a:p>
-          <a:pPr rtl="0"/>
-          <a:endParaRPr lang="en-US"/>
-        </a:p>
-      </dgm:t>
-    </dgm:pt>
-    <dgm:pt modelId="{50B3CE7C-E10B-4E23-BD93-03664997C932}" type="pres">
-      <dgm:prSet presAssocID="{01A66772-F185-4D58-B8BB-E9370D7A7A2B}" presName="root" presStyleCnt="0">
-        <dgm:presLayoutVars>
-          <dgm:dir/>
-          <dgm:resizeHandles val="exact"/>
-        </dgm:presLayoutVars>
-      </dgm:prSet>
-      <dgm:spPr/>
-    </dgm:pt>
-    <dgm:pt modelId="{DE9CE479-E4AE-4283-AEF1-10C1535B4324}" type="pres">
-      <dgm:prSet presAssocID="{40FC4FFE-8987-4A26-B7F4-8A516F18ADAE}" presName="compNode" presStyleCnt="0"/>
-      <dgm:spPr/>
-    </dgm:pt>
-    <dgm:pt modelId="{B59FCF02-CAD2-4D6F-9542-AD86711168CA}" type="pres">
-      <dgm:prSet presAssocID="{40FC4FFE-8987-4A26-B7F4-8A516F18ADAE}" presName="iconBgRect" presStyleLbl="bgShp" presStyleIdx="0" presStyleCnt="3"/>
-      <dgm:spPr/>
-    </dgm:pt>
-    <dgm:pt modelId="{7C175B98-93F4-4D7C-BB95-1514AB879CD5}" type="pres">
-      <dgm:prSet presAssocID="{40FC4FFE-8987-4A26-B7F4-8A516F18ADAE}" presName="iconRect" presStyleLbl="node1" presStyleIdx="0" presStyleCnt="3"/>
-      <dgm:spPr>
-        <a:blipFill>
-          <a:blip xmlns:r="http://schemas.openxmlformats.org/officeDocument/2006/relationships" r:embed="rId1" cstate="hqprint">
-            <a:extLst>
-              <a:ext uri="{28A0092B-C50C-407E-A947-70E740481C1C}">
-                <a14:useLocalDpi xmlns:a14="http://schemas.microsoft.com/office/drawing/2010/main" val="0"/>
-              </a:ext>
-              <a:ext uri="{96DAC541-7B7A-43D3-8B79-37D633B846F1}">
-                <asvg:svgBlip xmlns:asvg="http://schemas.microsoft.com/office/drawing/2016/SVG/main" r:embed="rId2"/>
-              </a:ext>
-            </a:extLst>
-          </a:blip>
-          <a:srcRect/>
-          <a:stretch>
-            <a:fillRect/>
-          </a:stretch>
-        </a:blipFill>
-        <a:ln>
-          <a:noFill/>
-        </a:ln>
-      </dgm:spPr>
-      <dgm:extLst>
-        <a:ext uri="{E40237B7-FDA0-4F09-8148-C483321AD2D9}">
-          <dgm14:cNvPr xmlns:dgm14="http://schemas.microsoft.com/office/drawing/2010/diagram" id="0" name="" descr="Bar graph with downward trend"/>
-        </a:ext>
-      </dgm:extLst>
-    </dgm:pt>
-    <dgm:pt modelId="{677A3090-5F01-43FD-9FA6-C0420AD80FD6}" type="pres">
-      <dgm:prSet presAssocID="{40FC4FFE-8987-4A26-B7F4-8A516F18ADAE}" presName="spaceRect" presStyleCnt="0"/>
-      <dgm:spPr/>
-    </dgm:pt>
-    <dgm:pt modelId="{127117FB-F8A7-4A20-A8A7-EC686DDC76D0}" type="pres">
-      <dgm:prSet presAssocID="{40FC4FFE-8987-4A26-B7F4-8A516F18ADAE}" presName="textRect" presStyleLbl="revTx" presStyleIdx="0" presStyleCnt="3">
-        <dgm:presLayoutVars>
-          <dgm:chMax val="1"/>
-          <dgm:chPref val="1"/>
-        </dgm:presLayoutVars>
-      </dgm:prSet>
-      <dgm:spPr/>
-    </dgm:pt>
-    <dgm:pt modelId="{FD1EED9C-83D3-41AD-A09B-D3B36354168F}" type="pres">
-      <dgm:prSet presAssocID="{5B62599A-5C9B-48E7-896E-EA782AC60C8B}" presName="sibTrans" presStyleCnt="0"/>
-      <dgm:spPr/>
-    </dgm:pt>
-    <dgm:pt modelId="{C998AB0A-577D-44AA-A068-F634DDE7BD47}" type="pres">
-      <dgm:prSet presAssocID="{49225C73-1633-42F1-AB3B-7CB183E5F8B8}" presName="compNode" presStyleCnt="0"/>
-      <dgm:spPr/>
-    </dgm:pt>
-    <dgm:pt modelId="{BCD8CDD9-0C56-4401-ADB1-8B48DAB2C96F}" type="pres">
-      <dgm:prSet presAssocID="{49225C73-1633-42F1-AB3B-7CB183E5F8B8}" presName="iconBgRect" presStyleLbl="bgShp" presStyleIdx="1" presStyleCnt="3"/>
-      <dgm:spPr/>
-    </dgm:pt>
-    <dgm:pt modelId="{DB4CA7C4-FCA1-4127-B20A-2A5C031A3CF4}" type="pres">
-      <dgm:prSet presAssocID="{49225C73-1633-42F1-AB3B-7CB183E5F8B8}" presName="iconRect" presStyleLbl="node1" presStyleIdx="1" presStyleCnt="3"/>
-      <dgm:spPr>
-        <a:blipFill>
-          <a:blip xmlns:r="http://schemas.openxmlformats.org/officeDocument/2006/relationships" r:embed="rId3">
-            <a:extLst>
-              <a:ext uri="{28A0092B-C50C-407E-A947-70E740481C1C}">
-                <a14:useLocalDpi xmlns:a14="http://schemas.microsoft.com/office/drawing/2010/main" val="0"/>
-              </a:ext>
-              <a:ext uri="{96DAC541-7B7A-43D3-8B79-37D633B846F1}">
-                <asvg:svgBlip xmlns:asvg="http://schemas.microsoft.com/office/drawing/2016/SVG/main" r:embed="rId4"/>
-              </a:ext>
-            </a:extLst>
-          </a:blip>
-          <a:srcRect/>
-          <a:stretch>
-            <a:fillRect/>
-          </a:stretch>
-        </a:blipFill>
-        <a:ln>
-          <a:noFill/>
-        </a:ln>
-      </dgm:spPr>
-      <dgm:extLst>
-        <a:ext uri="{E40237B7-FDA0-4F09-8148-C483321AD2D9}">
-          <dgm14:cNvPr xmlns:dgm14="http://schemas.microsoft.com/office/drawing/2010/diagram" id="0" name="" descr="Presentation with bar chart"/>
-        </a:ext>
-      </dgm:extLst>
-    </dgm:pt>
-    <dgm:pt modelId="{9B0C8FBF-0BDD-48A5-967E-F3FE71659F6A}" type="pres">
-      <dgm:prSet presAssocID="{49225C73-1633-42F1-AB3B-7CB183E5F8B8}" presName="spaceRect" presStyleCnt="0"/>
-      <dgm:spPr/>
-    </dgm:pt>
-    <dgm:pt modelId="{7E6FE37A-5DB0-4899-9FCB-0CE39BC185F8}" type="pres">
-      <dgm:prSet presAssocID="{49225C73-1633-42F1-AB3B-7CB183E5F8B8}" presName="textRect" presStyleLbl="revTx" presStyleIdx="1" presStyleCnt="3">
-        <dgm:presLayoutVars>
-          <dgm:chMax val="1"/>
-          <dgm:chPref val="1"/>
-        </dgm:presLayoutVars>
-      </dgm:prSet>
-      <dgm:spPr/>
-    </dgm:pt>
-    <dgm:pt modelId="{5A266296-0042-402F-92EF-D59AB148E92E}" type="pres">
-      <dgm:prSet presAssocID="{9646853A-8964-4519-A5B1-0B7D18B2983D}" presName="sibTrans" presStyleCnt="0"/>
-      <dgm:spPr/>
-    </dgm:pt>
-    <dgm:pt modelId="{ECFA770B-DE2C-4683-A038-58D0FE44BC27}" type="pres">
-      <dgm:prSet presAssocID="{1C383F32-22E8-4F62-A3E0-BDC3D5F48992}" presName="compNode" presStyleCnt="0"/>
-      <dgm:spPr/>
-    </dgm:pt>
-    <dgm:pt modelId="{FF93E135-77D6-48A0-8871-9BC93D705D06}" type="pres">
-      <dgm:prSet presAssocID="{1C383F32-22E8-4F62-A3E0-BDC3D5F48992}" presName="iconBgRect" presStyleLbl="bgShp" presStyleIdx="2" presStyleCnt="3"/>
-      <dgm:spPr/>
-    </dgm:pt>
-    <dgm:pt modelId="{39509775-983E-4110-B989-EE2CD6514BE0}" type="pres">
-      <dgm:prSet presAssocID="{1C383F32-22E8-4F62-A3E0-BDC3D5F48992}" presName="iconRect" presStyleLbl="node1" presStyleIdx="2" presStyleCnt="3"/>
-      <dgm:spPr>
-        <a:blipFill>
-          <a:blip xmlns:r="http://schemas.openxmlformats.org/officeDocument/2006/relationships" r:embed="rId5">
-            <a:extLst>
-              <a:ext uri="{28A0092B-C50C-407E-A947-70E740481C1C}">
-                <a14:useLocalDpi xmlns:a14="http://schemas.microsoft.com/office/drawing/2010/main" val="0"/>
-              </a:ext>
-              <a:ext uri="{96DAC541-7B7A-43D3-8B79-37D633B846F1}">
-                <asvg:svgBlip xmlns:asvg="http://schemas.microsoft.com/office/drawing/2016/SVG/main" r:embed="rId6"/>
-              </a:ext>
-            </a:extLst>
-          </a:blip>
-          <a:srcRect/>
-          <a:stretch>
-            <a:fillRect/>
-          </a:stretch>
-        </a:blipFill>
-        <a:ln>
-          <a:noFill/>
-        </a:ln>
-      </dgm:spPr>
-      <dgm:extLst>
-        <a:ext uri="{E40237B7-FDA0-4F09-8148-C483321AD2D9}">
-          <dgm14:cNvPr xmlns:dgm14="http://schemas.microsoft.com/office/drawing/2010/diagram" id="0" name="" descr="Stopwatch"/>
-        </a:ext>
-      </dgm:extLst>
-    </dgm:pt>
-    <dgm:pt modelId="{493B43B2-705C-4AE5-8A77-D8DEEDA1B5CF}" type="pres">
-      <dgm:prSet presAssocID="{1C383F32-22E8-4F62-A3E0-BDC3D5F48992}" presName="spaceRect" presStyleCnt="0"/>
-      <dgm:spPr/>
-    </dgm:pt>
-    <dgm:pt modelId="{1AEDC777-00B3-41D7-9AE1-23D741E941C3}" type="pres">
-      <dgm:prSet presAssocID="{1C383F32-22E8-4F62-A3E0-BDC3D5F48992}" presName="textRect" presStyleLbl="revTx" presStyleIdx="2" presStyleCnt="3">
-        <dgm:presLayoutVars>
-          <dgm:chMax val="1"/>
-          <dgm:chPref val="1"/>
-        </dgm:presLayoutVars>
-      </dgm:prSet>
-      <dgm:spPr/>
-    </dgm:pt>
-  </dgm:ptLst>
-  <dgm:cxnLst>
-    <dgm:cxn modelId="{A9154303-8225-4248-91DC-1B0156A35F07}" srcId="{01A66772-F185-4D58-B8BB-E9370D7A7A2B}" destId="{49225C73-1633-42F1-AB3B-7CB183E5F8B8}" srcOrd="1" destOrd="0" parTransId="{1A0E2090-1D4F-438A-8766-B6030CE01ADD}" sibTransId="{9646853A-8964-4519-A5B1-0B7D18B2983D}"/>
-    <dgm:cxn modelId="{7A710F69-5154-4855-ACF5-BC7C1BF85A80}" type="presOf" srcId="{49225C73-1633-42F1-AB3B-7CB183E5F8B8}" destId="{7E6FE37A-5DB0-4899-9FCB-0CE39BC185F8}" srcOrd="0" destOrd="0" presId="urn:microsoft.com/office/officeart/2018/5/layout/IconCircleLabelList"/>
-    <dgm:cxn modelId="{C7AD8469-3C68-4AF9-AB82-79B0043AA120}" srcId="{01A66772-F185-4D58-B8BB-E9370D7A7A2B}" destId="{40FC4FFE-8987-4A26-B7F4-8A516F18ADAE}" srcOrd="0" destOrd="0" parTransId="{CAD7EF86-FB23-41F6-BF42-040B36DEFDB1}" sibTransId="{5B62599A-5C9B-48E7-896E-EA782AC60C8B}"/>
-    <dgm:cxn modelId="{676D3A6A-6EA7-4483-BB12-0BD4A7D7AF9D}" type="presOf" srcId="{01A66772-F185-4D58-B8BB-E9370D7A7A2B}" destId="{50B3CE7C-E10B-4E23-BD93-03664997C932}" srcOrd="0" destOrd="0" presId="urn:microsoft.com/office/officeart/2018/5/layout/IconCircleLabelList"/>
-    <dgm:cxn modelId="{1496FC70-DB8B-48D4-98DE-DD2856E389EE}" type="presOf" srcId="{1C383F32-22E8-4F62-A3E0-BDC3D5F48992}" destId="{1AEDC777-00B3-41D7-9AE1-23D741E941C3}" srcOrd="0" destOrd="0" presId="urn:microsoft.com/office/officeart/2018/5/layout/IconCircleLabelList"/>
-    <dgm:cxn modelId="{C4CCE57E-E871-46D6-BAD5-880252C95D22}" srcId="{01A66772-F185-4D58-B8BB-E9370D7A7A2B}" destId="{1C383F32-22E8-4F62-A3E0-BDC3D5F48992}" srcOrd="2" destOrd="0" parTransId="{A7920A2F-3244-4159-AF04-6A1D38B7B317}" sibTransId="{8500F72A-2C6D-4FDF-9C1D-CA691380EB0B}"/>
-    <dgm:cxn modelId="{355227E3-55E0-4343-BC8D-FC0EB1694F48}" type="presOf" srcId="{40FC4FFE-8987-4A26-B7F4-8A516F18ADAE}" destId="{127117FB-F8A7-4A20-A8A7-EC686DDC76D0}" srcOrd="0" destOrd="0" presId="urn:microsoft.com/office/officeart/2018/5/layout/IconCircleLabelList"/>
-    <dgm:cxn modelId="{555498CB-3ED1-404E-A25F-EB243EFC5FB1}" type="presParOf" srcId="{50B3CE7C-E10B-4E23-BD93-03664997C932}" destId="{DE9CE479-E4AE-4283-AEF1-10C1535B4324}" srcOrd="0" destOrd="0" presId="urn:microsoft.com/office/officeart/2018/5/layout/IconCircleLabelList"/>
-    <dgm:cxn modelId="{11F12D49-CD08-4D50-BD13-3ECBC3A476A4}" type="presParOf" srcId="{DE9CE479-E4AE-4283-AEF1-10C1535B4324}" destId="{B59FCF02-CAD2-4D6F-9542-AD86711168CA}" srcOrd="0" destOrd="0" presId="urn:microsoft.com/office/officeart/2018/5/layout/IconCircleLabelList"/>
-    <dgm:cxn modelId="{F443A659-540B-487B-97F9-49219CF60D6B}" type="presParOf" srcId="{DE9CE479-E4AE-4283-AEF1-10C1535B4324}" destId="{7C175B98-93F4-4D7C-BB95-1514AB879CD5}" srcOrd="1" destOrd="0" presId="urn:microsoft.com/office/officeart/2018/5/layout/IconCircleLabelList"/>
-    <dgm:cxn modelId="{A503D7AB-7D64-4163-93B5-1CEEDAE81823}" type="presParOf" srcId="{DE9CE479-E4AE-4283-AEF1-10C1535B4324}" destId="{677A3090-5F01-43FD-9FA6-C0420AD80FD6}" srcOrd="2" destOrd="0" presId="urn:microsoft.com/office/officeart/2018/5/layout/IconCircleLabelList"/>
-    <dgm:cxn modelId="{780188ED-7DCE-45BB-B6AF-91BE48969612}" type="presParOf" srcId="{DE9CE479-E4AE-4283-AEF1-10C1535B4324}" destId="{127117FB-F8A7-4A20-A8A7-EC686DDC76D0}" srcOrd="3" destOrd="0" presId="urn:microsoft.com/office/officeart/2018/5/layout/IconCircleLabelList"/>
-    <dgm:cxn modelId="{155719F8-A89B-4E96-BC49-C48BC717F480}" type="presParOf" srcId="{50B3CE7C-E10B-4E23-BD93-03664997C932}" destId="{FD1EED9C-83D3-41AD-A09B-D3B36354168F}" srcOrd="1" destOrd="0" presId="urn:microsoft.com/office/officeart/2018/5/layout/IconCircleLabelList"/>
-    <dgm:cxn modelId="{2772E199-56B0-4310-A55E-67D00CA3E59E}" type="presParOf" srcId="{50B3CE7C-E10B-4E23-BD93-03664997C932}" destId="{C998AB0A-577D-44AA-A068-F634DDE7BD47}" srcOrd="2" destOrd="0" presId="urn:microsoft.com/office/officeart/2018/5/layout/IconCircleLabelList"/>
-    <dgm:cxn modelId="{4E351D18-D97F-4B92-A608-2E9600B91C28}" type="presParOf" srcId="{C998AB0A-577D-44AA-A068-F634DDE7BD47}" destId="{BCD8CDD9-0C56-4401-ADB1-8B48DAB2C96F}" srcOrd="0" destOrd="0" presId="urn:microsoft.com/office/officeart/2018/5/layout/IconCircleLabelList"/>
-    <dgm:cxn modelId="{B3DC724C-4569-4E9D-BD5A-49E4CD991FD0}" type="presParOf" srcId="{C998AB0A-577D-44AA-A068-F634DDE7BD47}" destId="{DB4CA7C4-FCA1-4127-B20A-2A5C031A3CF4}" srcOrd="1" destOrd="0" presId="urn:microsoft.com/office/officeart/2018/5/layout/IconCircleLabelList"/>
-    <dgm:cxn modelId="{AD1AB552-CCE0-4911-BB9E-5D4A60B21F4F}" type="presParOf" srcId="{C998AB0A-577D-44AA-A068-F634DDE7BD47}" destId="{9B0C8FBF-0BDD-48A5-967E-F3FE71659F6A}" srcOrd="2" destOrd="0" presId="urn:microsoft.com/office/officeart/2018/5/layout/IconCircleLabelList"/>
-    <dgm:cxn modelId="{8558F796-2D01-40FE-A21A-7530EEBC3BC3}" type="presParOf" srcId="{C998AB0A-577D-44AA-A068-F634DDE7BD47}" destId="{7E6FE37A-5DB0-4899-9FCB-0CE39BC185F8}" srcOrd="3" destOrd="0" presId="urn:microsoft.com/office/officeart/2018/5/layout/IconCircleLabelList"/>
-    <dgm:cxn modelId="{1532E2BE-82E9-40A4-A6F7-40B60FC879AE}" type="presParOf" srcId="{50B3CE7C-E10B-4E23-BD93-03664997C932}" destId="{5A266296-0042-402F-92EF-D59AB148E92E}" srcOrd="3" destOrd="0" presId="urn:microsoft.com/office/officeart/2018/5/layout/IconCircleLabelList"/>
-    <dgm:cxn modelId="{3A7F4DB9-1469-4F58-B633-24B7EEE084D1}" type="presParOf" srcId="{50B3CE7C-E10B-4E23-BD93-03664997C932}" destId="{ECFA770B-DE2C-4683-A038-58D0FE44BC27}" srcOrd="4" destOrd="0" presId="urn:microsoft.com/office/officeart/2018/5/layout/IconCircleLabelList"/>
-    <dgm:cxn modelId="{91311827-CDAC-4BA8-B4A3-117AFD1CEE2D}" type="presParOf" srcId="{ECFA770B-DE2C-4683-A038-58D0FE44BC27}" destId="{FF93E135-77D6-48A0-8871-9BC93D705D06}" srcOrd="0" destOrd="0" presId="urn:microsoft.com/office/officeart/2018/5/layout/IconCircleLabelList"/>
-    <dgm:cxn modelId="{83B7CA40-11B7-4507-8422-A40F02D469B2}" type="presParOf" srcId="{ECFA770B-DE2C-4683-A038-58D0FE44BC27}" destId="{39509775-983E-4110-B989-EE2CD6514BE0}" srcOrd="1" destOrd="0" presId="urn:microsoft.com/office/officeart/2018/5/layout/IconCircleLabelList"/>
-    <dgm:cxn modelId="{A44BB251-01EB-4DEF-A28C-6D495183E4DC}" type="presParOf" srcId="{ECFA770B-DE2C-4683-A038-58D0FE44BC27}" destId="{493B43B2-705C-4AE5-8A77-D8DEEDA1B5CF}" srcOrd="2" destOrd="0" presId="urn:microsoft.com/office/officeart/2018/5/layout/IconCircleLabelList"/>
-    <dgm:cxn modelId="{1EFA52DF-3C80-4DAA-BED6-AFE2F81796B2}" type="presParOf" srcId="{ECFA770B-DE2C-4683-A038-58D0FE44BC27}" destId="{1AEDC777-00B3-41D7-9AE1-23D741E941C3}" srcOrd="3" destOrd="0" presId="urn:microsoft.com/office/officeart/2018/5/layout/IconCircleLabelList"/>
   </dgm:cxnLst>
   <dgm:bg/>
   <dgm:whole/>
@@ -11306,468 +10033,6 @@
 </dsp:drawing>
 </file>
 
-<file path=ppt/diagrams/drawing6.xml><?xml version="1.0" encoding="utf-8"?>
-<dsp:drawing xmlns:dgm="http://schemas.openxmlformats.org/drawingml/2006/diagram" xmlns:dsp="http://schemas.microsoft.com/office/drawing/2008/diagram" xmlns:a="http://schemas.openxmlformats.org/drawingml/2006/main">
-  <dsp:spTree>
-    <dsp:nvGrpSpPr>
-      <dsp:cNvPr id="0" name=""/>
-      <dsp:cNvGrpSpPr/>
-    </dsp:nvGrpSpPr>
-    <dsp:grpSpPr/>
-    <dsp:sp modelId="{B59FCF02-CAD2-4D6F-9542-AD86711168CA}">
-      <dsp:nvSpPr>
-        <dsp:cNvPr id="0" name=""/>
-        <dsp:cNvSpPr/>
-      </dsp:nvSpPr>
-      <dsp:spPr>
-        <a:xfrm>
-          <a:off x="616949" y="310305"/>
-          <a:ext cx="1818562" cy="1818562"/>
-        </a:xfrm>
-        <a:prstGeom prst="ellipse">
-          <a:avLst/>
-        </a:prstGeom>
-        <a:solidFill>
-          <a:schemeClr val="accent2">
-            <a:hueOff val="0"/>
-            <a:satOff val="0"/>
-            <a:lumOff val="0"/>
-            <a:alphaOff val="0"/>
-          </a:schemeClr>
-        </a:solidFill>
-        <a:ln>
-          <a:noFill/>
-        </a:ln>
-        <a:effectLst/>
-      </dsp:spPr>
-      <dsp:style>
-        <a:lnRef idx="0">
-          <a:scrgbClr r="0" g="0" b="0"/>
-        </a:lnRef>
-        <a:fillRef idx="1">
-          <a:scrgbClr r="0" g="0" b="0"/>
-        </a:fillRef>
-        <a:effectRef idx="0">
-          <a:scrgbClr r="0" g="0" b="0"/>
-        </a:effectRef>
-        <a:fontRef idx="minor"/>
-      </dsp:style>
-    </dsp:sp>
-    <dsp:sp modelId="{7C175B98-93F4-4D7C-BB95-1514AB879CD5}">
-      <dsp:nvSpPr>
-        <dsp:cNvPr id="0" name=""/>
-        <dsp:cNvSpPr/>
-      </dsp:nvSpPr>
-      <dsp:spPr>
-        <a:xfrm>
-          <a:off x="1004512" y="697868"/>
-          <a:ext cx="1043437" cy="1043437"/>
-        </a:xfrm>
-        <a:prstGeom prst="rect">
-          <a:avLst/>
-        </a:prstGeom>
-        <a:blipFill>
-          <a:blip xmlns:r="http://schemas.openxmlformats.org/officeDocument/2006/relationships" r:embed="rId1" cstate="hqprint">
-            <a:extLst>
-              <a:ext uri="{28A0092B-C50C-407E-A947-70E740481C1C}">
-                <a14:useLocalDpi xmlns:a14="http://schemas.microsoft.com/office/drawing/2010/main" val="0"/>
-              </a:ext>
-              <a:ext uri="{96DAC541-7B7A-43D3-8B79-37D633B846F1}">
-                <asvg:svgBlip xmlns:asvg="http://schemas.microsoft.com/office/drawing/2016/SVG/main" r:embed="rId2"/>
-              </a:ext>
-            </a:extLst>
-          </a:blip>
-          <a:srcRect/>
-          <a:stretch>
-            <a:fillRect/>
-          </a:stretch>
-        </a:blipFill>
-        <a:ln w="12700" cap="flat" cmpd="sng" algn="ctr">
-          <a:noFill/>
-          <a:prstDash val="solid"/>
-        </a:ln>
-        <a:effectLst/>
-      </dsp:spPr>
-      <dsp:style>
-        <a:lnRef idx="2">
-          <a:scrgbClr r="0" g="0" b="0"/>
-        </a:lnRef>
-        <a:fillRef idx="1">
-          <a:scrgbClr r="0" g="0" b="0"/>
-        </a:fillRef>
-        <a:effectRef idx="0">
-          <a:scrgbClr r="0" g="0" b="0"/>
-        </a:effectRef>
-        <a:fontRef idx="minor">
-          <a:schemeClr val="lt1"/>
-        </a:fontRef>
-      </dsp:style>
-    </dsp:sp>
-    <dsp:sp modelId="{127117FB-F8A7-4A20-A8A7-EC686DDC76D0}">
-      <dsp:nvSpPr>
-        <dsp:cNvPr id="0" name=""/>
-        <dsp:cNvSpPr/>
-      </dsp:nvSpPr>
-      <dsp:spPr>
-        <a:xfrm>
-          <a:off x="35606" y="2695306"/>
-          <a:ext cx="2981250" cy="720000"/>
-        </a:xfrm>
-        <a:prstGeom prst="rect">
-          <a:avLst/>
-        </a:prstGeom>
-        <a:noFill/>
-        <a:ln>
-          <a:noFill/>
-        </a:ln>
-        <a:effectLst/>
-      </dsp:spPr>
-      <dsp:style>
-        <a:lnRef idx="0">
-          <a:scrgbClr r="0" g="0" b="0"/>
-        </a:lnRef>
-        <a:fillRef idx="0">
-          <a:scrgbClr r="0" g="0" b="0"/>
-        </a:fillRef>
-        <a:effectRef idx="0">
-          <a:scrgbClr r="0" g="0" b="0"/>
-        </a:effectRef>
-        <a:fontRef idx="minor"/>
-      </dsp:style>
-      <dsp:txBody>
-        <a:bodyPr spcFirstLastPara="0" vert="horz" wrap="square" lIns="0" tIns="0" rIns="0" bIns="0" numCol="1" spcCol="1270" rtlCol="0" anchor="t" anchorCtr="0">
-          <a:noAutofit/>
-        </a:bodyPr>
-        <a:lstStyle/>
-        <a:p>
-          <a:pPr marL="0" lvl="0" indent="0" algn="ctr" defTabSz="666750" rtl="0">
-            <a:lnSpc>
-              <a:spcPct val="100000"/>
-            </a:lnSpc>
-            <a:spcBef>
-              <a:spcPct val="0"/>
-            </a:spcBef>
-            <a:spcAft>
-              <a:spcPct val="35000"/>
-            </a:spcAft>
-            <a:buNone/>
-            <a:defRPr cap="all"/>
-          </a:pPr>
-          <a:r>
-            <a:rPr lang="fr" sz="1500" kern="1200" dirty="0"/>
-            <a:t>Lorem ipsum dolor sit amet, consectetuer adipiscing elit. </a:t>
-          </a:r>
-        </a:p>
-      </dsp:txBody>
-      <dsp:txXfrm>
-        <a:off x="35606" y="2695306"/>
-        <a:ext cx="2981250" cy="720000"/>
-      </dsp:txXfrm>
-    </dsp:sp>
-    <dsp:sp modelId="{BCD8CDD9-0C56-4401-ADB1-8B48DAB2C96F}">
-      <dsp:nvSpPr>
-        <dsp:cNvPr id="0" name=""/>
-        <dsp:cNvSpPr/>
-      </dsp:nvSpPr>
-      <dsp:spPr>
-        <a:xfrm>
-          <a:off x="4119918" y="310305"/>
-          <a:ext cx="1818562" cy="1818562"/>
-        </a:xfrm>
-        <a:prstGeom prst="ellipse">
-          <a:avLst/>
-        </a:prstGeom>
-        <a:solidFill>
-          <a:schemeClr val="accent3">
-            <a:hueOff val="0"/>
-            <a:satOff val="0"/>
-            <a:lumOff val="0"/>
-            <a:alphaOff val="0"/>
-          </a:schemeClr>
-        </a:solidFill>
-        <a:ln>
-          <a:noFill/>
-        </a:ln>
-        <a:effectLst/>
-      </dsp:spPr>
-      <dsp:style>
-        <a:lnRef idx="0">
-          <a:scrgbClr r="0" g="0" b="0"/>
-        </a:lnRef>
-        <a:fillRef idx="1">
-          <a:scrgbClr r="0" g="0" b="0"/>
-        </a:fillRef>
-        <a:effectRef idx="0">
-          <a:scrgbClr r="0" g="0" b="0"/>
-        </a:effectRef>
-        <a:fontRef idx="minor"/>
-      </dsp:style>
-    </dsp:sp>
-    <dsp:sp modelId="{DB4CA7C4-FCA1-4127-B20A-2A5C031A3CF4}">
-      <dsp:nvSpPr>
-        <dsp:cNvPr id="0" name=""/>
-        <dsp:cNvSpPr/>
-      </dsp:nvSpPr>
-      <dsp:spPr>
-        <a:xfrm>
-          <a:off x="4507481" y="697868"/>
-          <a:ext cx="1043437" cy="1043437"/>
-        </a:xfrm>
-        <a:prstGeom prst="rect">
-          <a:avLst/>
-        </a:prstGeom>
-        <a:blipFill>
-          <a:blip xmlns:r="http://schemas.openxmlformats.org/officeDocument/2006/relationships" r:embed="rId3">
-            <a:extLst>
-              <a:ext uri="{28A0092B-C50C-407E-A947-70E740481C1C}">
-                <a14:useLocalDpi xmlns:a14="http://schemas.microsoft.com/office/drawing/2010/main" val="0"/>
-              </a:ext>
-              <a:ext uri="{96DAC541-7B7A-43D3-8B79-37D633B846F1}">
-                <asvg:svgBlip xmlns:asvg="http://schemas.microsoft.com/office/drawing/2016/SVG/main" r:embed="rId4"/>
-              </a:ext>
-            </a:extLst>
-          </a:blip>
-          <a:srcRect/>
-          <a:stretch>
-            <a:fillRect/>
-          </a:stretch>
-        </a:blipFill>
-        <a:ln w="12700" cap="flat" cmpd="sng" algn="ctr">
-          <a:noFill/>
-          <a:prstDash val="solid"/>
-        </a:ln>
-        <a:effectLst/>
-      </dsp:spPr>
-      <dsp:style>
-        <a:lnRef idx="2">
-          <a:scrgbClr r="0" g="0" b="0"/>
-        </a:lnRef>
-        <a:fillRef idx="1">
-          <a:scrgbClr r="0" g="0" b="0"/>
-        </a:fillRef>
-        <a:effectRef idx="0">
-          <a:scrgbClr r="0" g="0" b="0"/>
-        </a:effectRef>
-        <a:fontRef idx="minor">
-          <a:schemeClr val="lt1"/>
-        </a:fontRef>
-      </dsp:style>
-    </dsp:sp>
-    <dsp:sp modelId="{7E6FE37A-5DB0-4899-9FCB-0CE39BC185F8}">
-      <dsp:nvSpPr>
-        <dsp:cNvPr id="0" name=""/>
-        <dsp:cNvSpPr/>
-      </dsp:nvSpPr>
-      <dsp:spPr>
-        <a:xfrm>
-          <a:off x="3538574" y="2695306"/>
-          <a:ext cx="2981250" cy="720000"/>
-        </a:xfrm>
-        <a:prstGeom prst="rect">
-          <a:avLst/>
-        </a:prstGeom>
-        <a:noFill/>
-        <a:ln>
-          <a:noFill/>
-        </a:ln>
-        <a:effectLst/>
-      </dsp:spPr>
-      <dsp:style>
-        <a:lnRef idx="0">
-          <a:scrgbClr r="0" g="0" b="0"/>
-        </a:lnRef>
-        <a:fillRef idx="0">
-          <a:scrgbClr r="0" g="0" b="0"/>
-        </a:fillRef>
-        <a:effectRef idx="0">
-          <a:scrgbClr r="0" g="0" b="0"/>
-        </a:effectRef>
-        <a:fontRef idx="minor"/>
-      </dsp:style>
-      <dsp:txBody>
-        <a:bodyPr spcFirstLastPara="0" vert="horz" wrap="square" lIns="0" tIns="0" rIns="0" bIns="0" numCol="1" spcCol="1270" rtlCol="0" anchor="t" anchorCtr="0">
-          <a:noAutofit/>
-        </a:bodyPr>
-        <a:lstStyle/>
-        <a:p>
-          <a:pPr marL="0" lvl="0" indent="0" algn="ctr" defTabSz="666750" rtl="0">
-            <a:lnSpc>
-              <a:spcPct val="100000"/>
-            </a:lnSpc>
-            <a:spcBef>
-              <a:spcPct val="0"/>
-            </a:spcBef>
-            <a:spcAft>
-              <a:spcPct val="35000"/>
-            </a:spcAft>
-            <a:buNone/>
-            <a:defRPr cap="all"/>
-          </a:pPr>
-          <a:r>
-            <a:rPr lang="fr" sz="1500" kern="1200"/>
-            <a:t>Nunc viverra imperdiet enim. Fusce est. Vivamus a tellus.</a:t>
-          </a:r>
-        </a:p>
-      </dsp:txBody>
-      <dsp:txXfrm>
-        <a:off x="3538574" y="2695306"/>
-        <a:ext cx="2981250" cy="720000"/>
-      </dsp:txXfrm>
-    </dsp:sp>
-    <dsp:sp modelId="{FF93E135-77D6-48A0-8871-9BC93D705D06}">
-      <dsp:nvSpPr>
-        <dsp:cNvPr id="0" name=""/>
-        <dsp:cNvSpPr/>
-      </dsp:nvSpPr>
-      <dsp:spPr>
-        <a:xfrm>
-          <a:off x="7622887" y="310305"/>
-          <a:ext cx="1818562" cy="1818562"/>
-        </a:xfrm>
-        <a:prstGeom prst="ellipse">
-          <a:avLst/>
-        </a:prstGeom>
-        <a:solidFill>
-          <a:schemeClr val="accent4">
-            <a:hueOff val="0"/>
-            <a:satOff val="0"/>
-            <a:lumOff val="0"/>
-            <a:alphaOff val="0"/>
-          </a:schemeClr>
-        </a:solidFill>
-        <a:ln>
-          <a:noFill/>
-        </a:ln>
-        <a:effectLst/>
-      </dsp:spPr>
-      <dsp:style>
-        <a:lnRef idx="0">
-          <a:scrgbClr r="0" g="0" b="0"/>
-        </a:lnRef>
-        <a:fillRef idx="1">
-          <a:scrgbClr r="0" g="0" b="0"/>
-        </a:fillRef>
-        <a:effectRef idx="0">
-          <a:scrgbClr r="0" g="0" b="0"/>
-        </a:effectRef>
-        <a:fontRef idx="minor"/>
-      </dsp:style>
-    </dsp:sp>
-    <dsp:sp modelId="{39509775-983E-4110-B989-EE2CD6514BE0}">
-      <dsp:nvSpPr>
-        <dsp:cNvPr id="0" name=""/>
-        <dsp:cNvSpPr/>
-      </dsp:nvSpPr>
-      <dsp:spPr>
-        <a:xfrm>
-          <a:off x="8010450" y="697868"/>
-          <a:ext cx="1043437" cy="1043437"/>
-        </a:xfrm>
-        <a:prstGeom prst="rect">
-          <a:avLst/>
-        </a:prstGeom>
-        <a:blipFill>
-          <a:blip xmlns:r="http://schemas.openxmlformats.org/officeDocument/2006/relationships" r:embed="rId5">
-            <a:extLst>
-              <a:ext uri="{28A0092B-C50C-407E-A947-70E740481C1C}">
-                <a14:useLocalDpi xmlns:a14="http://schemas.microsoft.com/office/drawing/2010/main" val="0"/>
-              </a:ext>
-              <a:ext uri="{96DAC541-7B7A-43D3-8B79-37D633B846F1}">
-                <asvg:svgBlip xmlns:asvg="http://schemas.microsoft.com/office/drawing/2016/SVG/main" r:embed="rId6"/>
-              </a:ext>
-            </a:extLst>
-          </a:blip>
-          <a:srcRect/>
-          <a:stretch>
-            <a:fillRect/>
-          </a:stretch>
-        </a:blipFill>
-        <a:ln w="12700" cap="flat" cmpd="sng" algn="ctr">
-          <a:noFill/>
-          <a:prstDash val="solid"/>
-        </a:ln>
-        <a:effectLst/>
-      </dsp:spPr>
-      <dsp:style>
-        <a:lnRef idx="2">
-          <a:scrgbClr r="0" g="0" b="0"/>
-        </a:lnRef>
-        <a:fillRef idx="1">
-          <a:scrgbClr r="0" g="0" b="0"/>
-        </a:fillRef>
-        <a:effectRef idx="0">
-          <a:scrgbClr r="0" g="0" b="0"/>
-        </a:effectRef>
-        <a:fontRef idx="minor">
-          <a:schemeClr val="lt1"/>
-        </a:fontRef>
-      </dsp:style>
-    </dsp:sp>
-    <dsp:sp modelId="{1AEDC777-00B3-41D7-9AE1-23D741E941C3}">
-      <dsp:nvSpPr>
-        <dsp:cNvPr id="0" name=""/>
-        <dsp:cNvSpPr/>
-      </dsp:nvSpPr>
-      <dsp:spPr>
-        <a:xfrm>
-          <a:off x="7041543" y="2695306"/>
-          <a:ext cx="2981250" cy="720000"/>
-        </a:xfrm>
-        <a:prstGeom prst="rect">
-          <a:avLst/>
-        </a:prstGeom>
-        <a:noFill/>
-        <a:ln>
-          <a:noFill/>
-        </a:ln>
-        <a:effectLst/>
-      </dsp:spPr>
-      <dsp:style>
-        <a:lnRef idx="0">
-          <a:scrgbClr r="0" g="0" b="0"/>
-        </a:lnRef>
-        <a:fillRef idx="0">
-          <a:scrgbClr r="0" g="0" b="0"/>
-        </a:fillRef>
-        <a:effectRef idx="0">
-          <a:scrgbClr r="0" g="0" b="0"/>
-        </a:effectRef>
-        <a:fontRef idx="minor"/>
-      </dsp:style>
-      <dsp:txBody>
-        <a:bodyPr spcFirstLastPara="0" vert="horz" wrap="square" lIns="0" tIns="0" rIns="0" bIns="0" numCol="1" spcCol="1270" rtlCol="0" anchor="t" anchorCtr="0">
-          <a:noAutofit/>
-        </a:bodyPr>
-        <a:lstStyle/>
-        <a:p>
-          <a:pPr marL="0" lvl="0" indent="0" algn="ctr" defTabSz="666750" rtl="0">
-            <a:lnSpc>
-              <a:spcPct val="100000"/>
-            </a:lnSpc>
-            <a:spcBef>
-              <a:spcPct val="0"/>
-            </a:spcBef>
-            <a:spcAft>
-              <a:spcPct val="35000"/>
-            </a:spcAft>
-            <a:buNone/>
-            <a:defRPr cap="all"/>
-          </a:pPr>
-          <a:r>
-            <a:rPr lang="fr" sz="1500" kern="1200"/>
-            <a:t>Pellentesque habitant morbi tristique senectus et netus.</a:t>
-          </a:r>
-        </a:p>
-      </dsp:txBody>
-      <dsp:txXfrm>
-        <a:off x="7041543" y="2695306"/>
-        <a:ext cx="2981250" cy="720000"/>
-      </dsp:txXfrm>
-    </dsp:sp>
-  </dsp:spTree>
-</dsp:drawing>
-</file>
-
 <file path=ppt/diagrams/layout1.xml><?xml version="1.0" encoding="utf-8"?>
 <dgm:layoutDef xmlns:dgm="http://schemas.openxmlformats.org/drawingml/2006/diagram" xmlns:a="http://schemas.openxmlformats.org/drawingml/2006/main" uniqueId="urn:microsoft.com/office/officeart/2005/8/layout/vList5">
   <dgm:title val=""/>
@@ -13947,221 +12212,6 @@
 </dgm:layoutDef>
 </file>
 
-<file path=ppt/diagrams/layout6.xml><?xml version="1.0" encoding="utf-8"?>
-<dgm:layoutDef xmlns:dgm="http://schemas.openxmlformats.org/drawingml/2006/diagram" xmlns:a="http://schemas.openxmlformats.org/drawingml/2006/main" uniqueId="urn:microsoft.com/office/officeart/2018/5/layout/IconCircleLabelList">
-  <dgm:title val="Icon Circle Label List"/>
-  <dgm:desc val="Use to show non-sequential or grouped chunks of information accompanied by a related visuals. Works best with icons or small pictures with short text captions."/>
-  <dgm:catLst>
-    <dgm:cat type="icon" pri="500"/>
-  </dgm:catLst>
-  <dgm:sampData useDef="1">
-    <dgm:dataModel>
-      <dgm:ptLst/>
-      <dgm:bg/>
-      <dgm:whole/>
-    </dgm:dataModel>
-  </dgm:sampData>
-  <dgm:styleData useDef="1">
-    <dgm:dataModel>
-      <dgm:ptLst/>
-      <dgm:bg/>
-      <dgm:whole/>
-    </dgm:dataModel>
-  </dgm:styleData>
-  <dgm:clrData useDef="1">
-    <dgm:dataModel>
-      <dgm:ptLst/>
-      <dgm:bg/>
-      <dgm:whole/>
-    </dgm:dataModel>
-  </dgm:clrData>
-  <dgm:layoutNode name="root">
-    <dgm:varLst>
-      <dgm:dir/>
-      <dgm:resizeHandles val="exact"/>
-    </dgm:varLst>
-    <dgm:choose name="Name0">
-      <dgm:if name="Name1" axis="self" func="var" arg="dir" op="equ" val="norm">
-        <dgm:alg type="snake">
-          <dgm:param type="grDir" val="tL"/>
-          <dgm:param type="flowDir" val="row"/>
-          <dgm:param type="contDir" val="sameDir"/>
-          <dgm:param type="off" val="ctr"/>
-          <dgm:param type="vertAlign" val="mid"/>
-          <dgm:param type="horzAlign" val="ctr"/>
-        </dgm:alg>
-      </dgm:if>
-      <dgm:else name="Name2">
-        <dgm:alg type="snake">
-          <dgm:param type="grDir" val="tR"/>
-          <dgm:param type="flowDir" val="row"/>
-          <dgm:param type="contDir" val="sameDir"/>
-          <dgm:param type="off" val="ctr"/>
-          <dgm:param type="vertAlign" val="mid"/>
-          <dgm:param type="horzAlign" val="ctr"/>
-        </dgm:alg>
-      </dgm:else>
-    </dgm:choose>
-    <dgm:shape xmlns:r="http://schemas.openxmlformats.org/officeDocument/2006/relationships" r:blip="">
-      <dgm:adjLst/>
-    </dgm:shape>
-    <dgm:presOf/>
-    <dgm:choose name="Name3">
-      <dgm:if name="Name4" axis="ch" ptType="node" func="cnt" op="lte" val="2">
-        <dgm:constrLst>
-          <dgm:constr type="h" for="ch" forName="compNode" refType="h" fact="0.4"/>
-          <dgm:constr type="w" for="ch" forName="compNode" val="100"/>
-          <dgm:constr type="w" for="ch" forName="sibTrans" refType="w" refFor="ch" refForName="compNode" fact="0.175"/>
-          <dgm:constr type="sp" refType="w" refFor="ch" refForName="compNode" op="equ" fact="0.25"/>
-          <dgm:constr type="primFontSz" for="des" ptType="node" op="equ" val="44"/>
-          <dgm:constr type="h" for="des" forName="compNode" op="equ"/>
-          <dgm:constr type="h" for="des" forName="textRect" op="equ"/>
-        </dgm:constrLst>
-      </dgm:if>
-      <dgm:if name="Name5" axis="ch" ptType="node" func="cnt" op="lte" val="3">
-        <dgm:constrLst>
-          <dgm:constr type="h" for="ch" forName="compNode" refType="h" fact="0.4"/>
-          <dgm:constr type="w" for="ch" forName="compNode" val="100"/>
-          <dgm:constr type="w" for="ch" forName="sibTrans" refType="w" refFor="ch" refForName="compNode" fact="0.175"/>
-          <dgm:constr type="sp" refType="w" refFor="ch" refForName="compNode" op="equ" fact="0.25"/>
-          <dgm:constr type="primFontSz" for="des" ptType="node" op="equ" val="40"/>
-          <dgm:constr type="h" for="des" forName="compNode" op="equ"/>
-          <dgm:constr type="h" for="des" forName="textRect" op="equ"/>
-        </dgm:constrLst>
-      </dgm:if>
-      <dgm:if name="Name6" axis="ch" ptType="node" func="cnt" op="lte" val="4">
-        <dgm:constrLst>
-          <dgm:constr type="h" for="ch" forName="compNode" refType="h" fact="0.4"/>
-          <dgm:constr type="w" for="ch" forName="compNode" refType="w"/>
-          <dgm:constr type="w" for="ch" forName="sibTrans" refType="w" refFor="ch" refForName="compNode" fact="0.175"/>
-          <dgm:constr type="sp" refType="w" refFor="ch" refForName="compNode" op="equ" fact="0.25"/>
-          <dgm:constr type="primFontSz" for="des" ptType="node" op="equ" val="32"/>
-          <dgm:constr type="h" for="des" forName="compNode" op="equ"/>
-          <dgm:constr type="h" for="des" forName="textRect" op="equ"/>
-        </dgm:constrLst>
-      </dgm:if>
-      <dgm:else name="Name7">
-        <dgm:constrLst>
-          <dgm:constr type="h" for="ch" forName="compNode" refType="h" fact="0.4"/>
-          <dgm:constr type="w" for="ch" forName="compNode" refType="w"/>
-          <dgm:constr type="w" for="ch" forName="sibTrans" refType="w" refFor="ch" refForName="compNode" fact="0.175"/>
-          <dgm:constr type="sp" refType="w" refFor="ch" refForName="compNode" op="equ" fact="0.25"/>
-          <dgm:constr type="primFontSz" for="des" ptType="node" op="equ" val="24"/>
-          <dgm:constr type="h" for="des" forName="compNode" op="equ"/>
-          <dgm:constr type="h" for="des" forName="textRect" op="equ"/>
-        </dgm:constrLst>
-      </dgm:else>
-    </dgm:choose>
-    <dgm:ruleLst>
-      <dgm:rule type="w" for="ch" forName="compNode" val="50" fact="NaN" max="NaN"/>
-    </dgm:ruleLst>
-    <dgm:forEach name="Name8" axis="ch" ptType="node">
-      <dgm:layoutNode name="compNode">
-        <dgm:alg type="composite"/>
-        <dgm:shape xmlns:r="http://schemas.openxmlformats.org/officeDocument/2006/relationships" r:blip="">
-          <dgm:adjLst/>
-        </dgm:shape>
-        <dgm:presOf axis="self"/>
-        <dgm:constrLst>
-          <dgm:constr type="w" for="ch" forName="iconBgRect" refType="w" fact="0.61"/>
-          <dgm:constr type="h" for="ch" forName="iconBgRect" refType="w" refFor="ch" refForName="iconBgRect"/>
-          <dgm:constr type="t" for="ch" forName="iconBgRect"/>
-          <dgm:constr type="ctrX" for="ch" forName="iconBgRect" refType="w" fact="0.5"/>
-          <dgm:constr type="w" for="ch" forName="iconRect" refType="w" fact="0.35"/>
-          <dgm:constr type="h" for="ch" forName="iconRect" refType="w" refFor="ch" refForName="iconRect"/>
-          <dgm:constr type="ctrX" for="ch" forName="iconRect" refType="ctrX" refFor="ch" refForName="iconBgRect"/>
-          <dgm:constr type="ctrY" for="ch" forName="iconRect" refType="ctrY" refFor="ch" refForName="iconBgRect"/>
-          <dgm:constr type="h" for="ch" forName="spaceRect" refType="w" fact="0.19"/>
-          <dgm:constr type="w" for="ch" forName="spaceRect" refType="w"/>
-          <dgm:constr type="l" for="ch" forName="spaceRect"/>
-          <dgm:constr type="t" for="ch" forName="spaceRect" refType="b" refFor="ch" refForName="iconBgRect"/>
-          <dgm:constr type="h" for="ch" forName="textRect" val="20"/>
-          <dgm:constr type="w" for="ch" forName="textRect" refType="w"/>
-          <dgm:constr type="l" for="ch" forName="textRect"/>
-          <dgm:constr type="t" for="ch" forName="textRect" refType="b" refFor="ch" refForName="spaceRect"/>
-        </dgm:constrLst>
-        <dgm:ruleLst>
-          <dgm:rule type="h" val="INF" fact="NaN" max="NaN"/>
-        </dgm:ruleLst>
-        <dgm:layoutNode name="iconBgRect" styleLbl="bgShp">
-          <dgm:alg type="sp"/>
-          <dgm:shape xmlns:r="http://schemas.openxmlformats.org/officeDocument/2006/relationships" type="ellipse" r:blip="">
-            <dgm:adjLst/>
-          </dgm:shape>
-          <dgm:presOf/>
-          <dgm:constrLst/>
-          <dgm:ruleLst/>
-        </dgm:layoutNode>
-        <dgm:layoutNode name="iconRect" styleLbl="node1">
-          <dgm:alg type="sp"/>
-          <dgm:shape xmlns:r="http://schemas.openxmlformats.org/officeDocument/2006/relationships" type="rect" r:blip="" blipPhldr="1">
-            <dgm:adjLst/>
-          </dgm:shape>
-          <dgm:presOf/>
-          <dgm:constrLst/>
-          <dgm:ruleLst/>
-        </dgm:layoutNode>
-        <dgm:layoutNode name="spaceRect">
-          <dgm:alg type="sp"/>
-          <dgm:shape xmlns:r="http://schemas.openxmlformats.org/officeDocument/2006/relationships" r:blip="">
-            <dgm:adjLst/>
-          </dgm:shape>
-          <dgm:presOf/>
-          <dgm:constrLst/>
-          <dgm:ruleLst/>
-        </dgm:layoutNode>
-        <dgm:layoutNode name="textRect" styleLbl="revTx">
-          <dgm:varLst>
-            <dgm:chMax val="1"/>
-            <dgm:chPref val="1"/>
-          </dgm:varLst>
-          <dgm:alg type="tx">
-            <dgm:param type="txAnchorVert" val="t"/>
-          </dgm:alg>
-          <dgm:shape xmlns:r="http://schemas.openxmlformats.org/officeDocument/2006/relationships" type="rect" r:blip="">
-            <dgm:adjLst/>
-          </dgm:shape>
-          <dgm:presOf axis="self" ptType="node"/>
-          <dgm:constrLst>
-            <dgm:constr type="lMarg"/>
-            <dgm:constr type="rMarg"/>
-            <dgm:constr type="tMarg"/>
-            <dgm:constr type="bMarg"/>
-          </dgm:constrLst>
-          <dgm:ruleLst>
-            <dgm:rule type="primFontSz" val="11" fact="NaN" max="NaN"/>
-            <dgm:rule type="h" val="INF" fact="NaN" max="NaN"/>
-          </dgm:ruleLst>
-        </dgm:layoutNode>
-      </dgm:layoutNode>
-      <dgm:forEach name="Name9" axis="followSib" ptType="sibTrans" cnt="1">
-        <dgm:layoutNode name="sibTrans">
-          <dgm:alg type="sp"/>
-          <dgm:shape xmlns:r="http://schemas.openxmlformats.org/officeDocument/2006/relationships" r:blip="">
-            <dgm:adjLst/>
-          </dgm:shape>
-          <dgm:presOf axis="self"/>
-          <dgm:constrLst/>
-          <dgm:ruleLst/>
-        </dgm:layoutNode>
-      </dgm:forEach>
-    </dgm:forEach>
-  </dgm:layoutNode>
-  <dgm:extLst>
-    <a:ext uri="{68A01E43-0DF5-4B5B-8FA6-DAF915123BFB}">
-      <dgm1612:lstStyle xmlns:dgm1612="http://schemas.microsoft.com/office/drawing/2016/12/diagram">
-        <a:lvl1pPr>
-          <a:lnSpc>
-            <a:spcPct val="100000"/>
-          </a:lnSpc>
-          <a:defRPr cap="all"/>
-        </a:lvl1pPr>
-      </dgm1612:lstStyle>
-    </a:ext>
-  </dgm:extLst>
-</dgm:layoutDef>
-</file>
-
 <file path=ppt/diagrams/quickStyle1.xml><?xml version="1.0" encoding="utf-8"?>
 <dgm:styleDef xmlns:dgm="http://schemas.openxmlformats.org/drawingml/2006/diagram" xmlns:a="http://schemas.openxmlformats.org/drawingml/2006/main" uniqueId="urn:microsoft.com/office/officeart/2005/8/quickstyle/simple1">
   <dgm:title val=""/>
@@ -18299,1040 +16349,6 @@
 </file>
 
 <file path=ppt/diagrams/quickStyle5.xml><?xml version="1.0" encoding="utf-8"?>
-<dgm:styleDef xmlns:dgm="http://schemas.openxmlformats.org/drawingml/2006/diagram" xmlns:a="http://schemas.openxmlformats.org/drawingml/2006/main" uniqueId="urn:microsoft.com/office/officeart/2005/8/quickstyle/simple1">
-  <dgm:title val=""/>
-  <dgm:desc val=""/>
-  <dgm:catLst>
-    <dgm:cat type="simple" pri="10100"/>
-  </dgm:catLst>
-  <dgm:scene3d>
-    <a:camera prst="orthographicFront"/>
-    <a:lightRig rig="threePt" dir="t"/>
-  </dgm:scene3d>
-  <dgm:styleLbl name="node0">
-    <dgm:scene3d>
-      <a:camera prst="orthographicFront"/>
-      <a:lightRig rig="threePt" dir="t"/>
-    </dgm:scene3d>
-    <dgm:sp3d/>
-    <dgm:txPr/>
-    <dgm:style>
-      <a:lnRef idx="2">
-        <a:scrgbClr r="0" g="0" b="0"/>
-      </a:lnRef>
-      <a:fillRef idx="1">
-        <a:scrgbClr r="0" g="0" b="0"/>
-      </a:fillRef>
-      <a:effectRef idx="0">
-        <a:scrgbClr r="0" g="0" b="0"/>
-      </a:effectRef>
-      <a:fontRef idx="minor">
-        <a:schemeClr val="lt1"/>
-      </a:fontRef>
-    </dgm:style>
-  </dgm:styleLbl>
-  <dgm:styleLbl name="lnNode1">
-    <dgm:scene3d>
-      <a:camera prst="orthographicFront"/>
-      <a:lightRig rig="threePt" dir="t"/>
-    </dgm:scene3d>
-    <dgm:sp3d/>
-    <dgm:txPr/>
-    <dgm:style>
-      <a:lnRef idx="2">
-        <a:scrgbClr r="0" g="0" b="0"/>
-      </a:lnRef>
-      <a:fillRef idx="1">
-        <a:scrgbClr r="0" g="0" b="0"/>
-      </a:fillRef>
-      <a:effectRef idx="0">
-        <a:scrgbClr r="0" g="0" b="0"/>
-      </a:effectRef>
-      <a:fontRef idx="minor">
-        <a:schemeClr val="lt1"/>
-      </a:fontRef>
-    </dgm:style>
-  </dgm:styleLbl>
-  <dgm:styleLbl name="vennNode1">
-    <dgm:scene3d>
-      <a:camera prst="orthographicFront"/>
-      <a:lightRig rig="threePt" dir="t"/>
-    </dgm:scene3d>
-    <dgm:sp3d/>
-    <dgm:txPr/>
-    <dgm:style>
-      <a:lnRef idx="2">
-        <a:scrgbClr r="0" g="0" b="0"/>
-      </a:lnRef>
-      <a:fillRef idx="1">
-        <a:scrgbClr r="0" g="0" b="0"/>
-      </a:fillRef>
-      <a:effectRef idx="0">
-        <a:scrgbClr r="0" g="0" b="0"/>
-      </a:effectRef>
-      <a:fontRef idx="minor">
-        <a:schemeClr val="tx1"/>
-      </a:fontRef>
-    </dgm:style>
-  </dgm:styleLbl>
-  <dgm:styleLbl name="alignNode1">
-    <dgm:scene3d>
-      <a:camera prst="orthographicFront"/>
-      <a:lightRig rig="threePt" dir="t"/>
-    </dgm:scene3d>
-    <dgm:sp3d/>
-    <dgm:txPr/>
-    <dgm:style>
-      <a:lnRef idx="2">
-        <a:scrgbClr r="0" g="0" b="0"/>
-      </a:lnRef>
-      <a:fillRef idx="1">
-        <a:scrgbClr r="0" g="0" b="0"/>
-      </a:fillRef>
-      <a:effectRef idx="0">
-        <a:scrgbClr r="0" g="0" b="0"/>
-      </a:effectRef>
-      <a:fontRef idx="minor">
-        <a:schemeClr val="lt1"/>
-      </a:fontRef>
-    </dgm:style>
-  </dgm:styleLbl>
-  <dgm:styleLbl name="node1">
-    <dgm:scene3d>
-      <a:camera prst="orthographicFront"/>
-      <a:lightRig rig="threePt" dir="t"/>
-    </dgm:scene3d>
-    <dgm:sp3d/>
-    <dgm:txPr/>
-    <dgm:style>
-      <a:lnRef idx="2">
-        <a:scrgbClr r="0" g="0" b="0"/>
-      </a:lnRef>
-      <a:fillRef idx="1">
-        <a:scrgbClr r="0" g="0" b="0"/>
-      </a:fillRef>
-      <a:effectRef idx="0">
-        <a:scrgbClr r="0" g="0" b="0"/>
-      </a:effectRef>
-      <a:fontRef idx="minor">
-        <a:schemeClr val="lt1"/>
-      </a:fontRef>
-    </dgm:style>
-  </dgm:styleLbl>
-  <dgm:styleLbl name="node2">
-    <dgm:scene3d>
-      <a:camera prst="orthographicFront"/>
-      <a:lightRig rig="threePt" dir="t"/>
-    </dgm:scene3d>
-    <dgm:sp3d/>
-    <dgm:txPr/>
-    <dgm:style>
-      <a:lnRef idx="2">
-        <a:scrgbClr r="0" g="0" b="0"/>
-      </a:lnRef>
-      <a:fillRef idx="1">
-        <a:scrgbClr r="0" g="0" b="0"/>
-      </a:fillRef>
-      <a:effectRef idx="0">
-        <a:scrgbClr r="0" g="0" b="0"/>
-      </a:effectRef>
-      <a:fontRef idx="minor">
-        <a:schemeClr val="lt1"/>
-      </a:fontRef>
-    </dgm:style>
-  </dgm:styleLbl>
-  <dgm:styleLbl name="node3">
-    <dgm:scene3d>
-      <a:camera prst="orthographicFront"/>
-      <a:lightRig rig="threePt" dir="t"/>
-    </dgm:scene3d>
-    <dgm:sp3d/>
-    <dgm:txPr/>
-    <dgm:style>
-      <a:lnRef idx="2">
-        <a:scrgbClr r="0" g="0" b="0"/>
-      </a:lnRef>
-      <a:fillRef idx="1">
-        <a:scrgbClr r="0" g="0" b="0"/>
-      </a:fillRef>
-      <a:effectRef idx="0">
-        <a:scrgbClr r="0" g="0" b="0"/>
-      </a:effectRef>
-      <a:fontRef idx="minor">
-        <a:schemeClr val="lt1"/>
-      </a:fontRef>
-    </dgm:style>
-  </dgm:styleLbl>
-  <dgm:styleLbl name="node4">
-    <dgm:scene3d>
-      <a:camera prst="orthographicFront"/>
-      <a:lightRig rig="threePt" dir="t"/>
-    </dgm:scene3d>
-    <dgm:sp3d/>
-    <dgm:txPr/>
-    <dgm:style>
-      <a:lnRef idx="2">
-        <a:scrgbClr r="0" g="0" b="0"/>
-      </a:lnRef>
-      <a:fillRef idx="1">
-        <a:scrgbClr r="0" g="0" b="0"/>
-      </a:fillRef>
-      <a:effectRef idx="0">
-        <a:scrgbClr r="0" g="0" b="0"/>
-      </a:effectRef>
-      <a:fontRef idx="minor">
-        <a:schemeClr val="lt1"/>
-      </a:fontRef>
-    </dgm:style>
-  </dgm:styleLbl>
-  <dgm:styleLbl name="fgImgPlace1">
-    <dgm:scene3d>
-      <a:camera prst="orthographicFront"/>
-      <a:lightRig rig="threePt" dir="t"/>
-    </dgm:scene3d>
-    <dgm:sp3d/>
-    <dgm:txPr/>
-    <dgm:style>
-      <a:lnRef idx="2">
-        <a:scrgbClr r="0" g="0" b="0"/>
-      </a:lnRef>
-      <a:fillRef idx="1">
-        <a:scrgbClr r="0" g="0" b="0"/>
-      </a:fillRef>
-      <a:effectRef idx="0">
-        <a:scrgbClr r="0" g="0" b="0"/>
-      </a:effectRef>
-      <a:fontRef idx="minor"/>
-    </dgm:style>
-  </dgm:styleLbl>
-  <dgm:styleLbl name="alignImgPlace1">
-    <dgm:scene3d>
-      <a:camera prst="orthographicFront"/>
-      <a:lightRig rig="threePt" dir="t"/>
-    </dgm:scene3d>
-    <dgm:sp3d/>
-    <dgm:txPr/>
-    <dgm:style>
-      <a:lnRef idx="2">
-        <a:scrgbClr r="0" g="0" b="0"/>
-      </a:lnRef>
-      <a:fillRef idx="1">
-        <a:scrgbClr r="0" g="0" b="0"/>
-      </a:fillRef>
-      <a:effectRef idx="0">
-        <a:scrgbClr r="0" g="0" b="0"/>
-      </a:effectRef>
-      <a:fontRef idx="minor"/>
-    </dgm:style>
-  </dgm:styleLbl>
-  <dgm:styleLbl name="bgImgPlace1">
-    <dgm:scene3d>
-      <a:camera prst="orthographicFront"/>
-      <a:lightRig rig="threePt" dir="t"/>
-    </dgm:scene3d>
-    <dgm:sp3d/>
-    <dgm:txPr/>
-    <dgm:style>
-      <a:lnRef idx="2">
-        <a:scrgbClr r="0" g="0" b="0"/>
-      </a:lnRef>
-      <a:fillRef idx="1">
-        <a:scrgbClr r="0" g="0" b="0"/>
-      </a:fillRef>
-      <a:effectRef idx="0">
-        <a:scrgbClr r="0" g="0" b="0"/>
-      </a:effectRef>
-      <a:fontRef idx="minor"/>
-    </dgm:style>
-  </dgm:styleLbl>
-  <dgm:styleLbl name="sibTrans2D1">
-    <dgm:scene3d>
-      <a:camera prst="orthographicFront"/>
-      <a:lightRig rig="threePt" dir="t"/>
-    </dgm:scene3d>
-    <dgm:sp3d/>
-    <dgm:txPr/>
-    <dgm:style>
-      <a:lnRef idx="0">
-        <a:scrgbClr r="0" g="0" b="0"/>
-      </a:lnRef>
-      <a:fillRef idx="1">
-        <a:scrgbClr r="0" g="0" b="0"/>
-      </a:fillRef>
-      <a:effectRef idx="0">
-        <a:scrgbClr r="0" g="0" b="0"/>
-      </a:effectRef>
-      <a:fontRef idx="minor">
-        <a:schemeClr val="lt1"/>
-      </a:fontRef>
-    </dgm:style>
-  </dgm:styleLbl>
-  <dgm:styleLbl name="fgSibTrans2D1">
-    <dgm:scene3d>
-      <a:camera prst="orthographicFront"/>
-      <a:lightRig rig="threePt" dir="t"/>
-    </dgm:scene3d>
-    <dgm:sp3d/>
-    <dgm:txPr/>
-    <dgm:style>
-      <a:lnRef idx="0">
-        <a:scrgbClr r="0" g="0" b="0"/>
-      </a:lnRef>
-      <a:fillRef idx="1">
-        <a:scrgbClr r="0" g="0" b="0"/>
-      </a:fillRef>
-      <a:effectRef idx="0">
-        <a:scrgbClr r="0" g="0" b="0"/>
-      </a:effectRef>
-      <a:fontRef idx="minor">
-        <a:schemeClr val="lt1"/>
-      </a:fontRef>
-    </dgm:style>
-  </dgm:styleLbl>
-  <dgm:styleLbl name="bgSibTrans2D1">
-    <dgm:scene3d>
-      <a:camera prst="orthographicFront"/>
-      <a:lightRig rig="threePt" dir="t"/>
-    </dgm:scene3d>
-    <dgm:sp3d/>
-    <dgm:txPr/>
-    <dgm:style>
-      <a:lnRef idx="0">
-        <a:scrgbClr r="0" g="0" b="0"/>
-      </a:lnRef>
-      <a:fillRef idx="1">
-        <a:scrgbClr r="0" g="0" b="0"/>
-      </a:fillRef>
-      <a:effectRef idx="0">
-        <a:scrgbClr r="0" g="0" b="0"/>
-      </a:effectRef>
-      <a:fontRef idx="minor">
-        <a:schemeClr val="lt1"/>
-      </a:fontRef>
-    </dgm:style>
-  </dgm:styleLbl>
-  <dgm:styleLbl name="sibTrans1D1">
-    <dgm:scene3d>
-      <a:camera prst="orthographicFront"/>
-      <a:lightRig rig="threePt" dir="t"/>
-    </dgm:scene3d>
-    <dgm:sp3d/>
-    <dgm:txPr/>
-    <dgm:style>
-      <a:lnRef idx="1">
-        <a:scrgbClr r="0" g="0" b="0"/>
-      </a:lnRef>
-      <a:fillRef idx="0">
-        <a:scrgbClr r="0" g="0" b="0"/>
-      </a:fillRef>
-      <a:effectRef idx="0">
-        <a:scrgbClr r="0" g="0" b="0"/>
-      </a:effectRef>
-      <a:fontRef idx="minor"/>
-    </dgm:style>
-  </dgm:styleLbl>
-  <dgm:styleLbl name="callout">
-    <dgm:scene3d>
-      <a:camera prst="orthographicFront"/>
-      <a:lightRig rig="threePt" dir="t"/>
-    </dgm:scene3d>
-    <dgm:sp3d/>
-    <dgm:txPr/>
-    <dgm:style>
-      <a:lnRef idx="2">
-        <a:scrgbClr r="0" g="0" b="0"/>
-      </a:lnRef>
-      <a:fillRef idx="1">
-        <a:scrgbClr r="0" g="0" b="0"/>
-      </a:fillRef>
-      <a:effectRef idx="0">
-        <a:scrgbClr r="0" g="0" b="0"/>
-      </a:effectRef>
-      <a:fontRef idx="minor"/>
-    </dgm:style>
-  </dgm:styleLbl>
-  <dgm:styleLbl name="asst0">
-    <dgm:scene3d>
-      <a:camera prst="orthographicFront"/>
-      <a:lightRig rig="threePt" dir="t"/>
-    </dgm:scene3d>
-    <dgm:sp3d/>
-    <dgm:txPr/>
-    <dgm:style>
-      <a:lnRef idx="2">
-        <a:scrgbClr r="0" g="0" b="0"/>
-      </a:lnRef>
-      <a:fillRef idx="1">
-        <a:scrgbClr r="0" g="0" b="0"/>
-      </a:fillRef>
-      <a:effectRef idx="0">
-        <a:scrgbClr r="0" g="0" b="0"/>
-      </a:effectRef>
-      <a:fontRef idx="minor">
-        <a:schemeClr val="lt1"/>
-      </a:fontRef>
-    </dgm:style>
-  </dgm:styleLbl>
-  <dgm:styleLbl name="asst1">
-    <dgm:scene3d>
-      <a:camera prst="orthographicFront"/>
-      <a:lightRig rig="threePt" dir="t"/>
-    </dgm:scene3d>
-    <dgm:sp3d/>
-    <dgm:txPr/>
-    <dgm:style>
-      <a:lnRef idx="2">
-        <a:scrgbClr r="0" g="0" b="0"/>
-      </a:lnRef>
-      <a:fillRef idx="1">
-        <a:scrgbClr r="0" g="0" b="0"/>
-      </a:fillRef>
-      <a:effectRef idx="0">
-        <a:scrgbClr r="0" g="0" b="0"/>
-      </a:effectRef>
-      <a:fontRef idx="minor">
-        <a:schemeClr val="lt1"/>
-      </a:fontRef>
-    </dgm:style>
-  </dgm:styleLbl>
-  <dgm:styleLbl name="asst2">
-    <dgm:scene3d>
-      <a:camera prst="orthographicFront"/>
-      <a:lightRig rig="threePt" dir="t"/>
-    </dgm:scene3d>
-    <dgm:sp3d/>
-    <dgm:txPr/>
-    <dgm:style>
-      <a:lnRef idx="2">
-        <a:scrgbClr r="0" g="0" b="0"/>
-      </a:lnRef>
-      <a:fillRef idx="1">
-        <a:scrgbClr r="0" g="0" b="0"/>
-      </a:fillRef>
-      <a:effectRef idx="0">
-        <a:scrgbClr r="0" g="0" b="0"/>
-      </a:effectRef>
-      <a:fontRef idx="minor">
-        <a:schemeClr val="lt1"/>
-      </a:fontRef>
-    </dgm:style>
-  </dgm:styleLbl>
-  <dgm:styleLbl name="asst3">
-    <dgm:scene3d>
-      <a:camera prst="orthographicFront"/>
-      <a:lightRig rig="threePt" dir="t"/>
-    </dgm:scene3d>
-    <dgm:sp3d/>
-    <dgm:txPr/>
-    <dgm:style>
-      <a:lnRef idx="2">
-        <a:scrgbClr r="0" g="0" b="0"/>
-      </a:lnRef>
-      <a:fillRef idx="1">
-        <a:scrgbClr r="0" g="0" b="0"/>
-      </a:fillRef>
-      <a:effectRef idx="0">
-        <a:scrgbClr r="0" g="0" b="0"/>
-      </a:effectRef>
-      <a:fontRef idx="minor">
-        <a:schemeClr val="lt1"/>
-      </a:fontRef>
-    </dgm:style>
-  </dgm:styleLbl>
-  <dgm:styleLbl name="asst4">
-    <dgm:scene3d>
-      <a:camera prst="orthographicFront"/>
-      <a:lightRig rig="threePt" dir="t"/>
-    </dgm:scene3d>
-    <dgm:sp3d/>
-    <dgm:txPr/>
-    <dgm:style>
-      <a:lnRef idx="2">
-        <a:scrgbClr r="0" g="0" b="0"/>
-      </a:lnRef>
-      <a:fillRef idx="1">
-        <a:scrgbClr r="0" g="0" b="0"/>
-      </a:fillRef>
-      <a:effectRef idx="0">
-        <a:scrgbClr r="0" g="0" b="0"/>
-      </a:effectRef>
-      <a:fontRef idx="minor">
-        <a:schemeClr val="lt1"/>
-      </a:fontRef>
-    </dgm:style>
-  </dgm:styleLbl>
-  <dgm:styleLbl name="parChTrans2D1">
-    <dgm:scene3d>
-      <a:camera prst="orthographicFront"/>
-      <a:lightRig rig="threePt" dir="t"/>
-    </dgm:scene3d>
-    <dgm:sp3d/>
-    <dgm:txPr/>
-    <dgm:style>
-      <a:lnRef idx="2">
-        <a:scrgbClr r="0" g="0" b="0"/>
-      </a:lnRef>
-      <a:fillRef idx="1">
-        <a:scrgbClr r="0" g="0" b="0"/>
-      </a:fillRef>
-      <a:effectRef idx="0">
-        <a:scrgbClr r="0" g="0" b="0"/>
-      </a:effectRef>
-      <a:fontRef idx="minor">
-        <a:schemeClr val="lt1"/>
-      </a:fontRef>
-    </dgm:style>
-  </dgm:styleLbl>
-  <dgm:styleLbl name="parChTrans2D2">
-    <dgm:scene3d>
-      <a:camera prst="orthographicFront"/>
-      <a:lightRig rig="threePt" dir="t"/>
-    </dgm:scene3d>
-    <dgm:sp3d/>
-    <dgm:txPr/>
-    <dgm:style>
-      <a:lnRef idx="2">
-        <a:scrgbClr r="0" g="0" b="0"/>
-      </a:lnRef>
-      <a:fillRef idx="1">
-        <a:scrgbClr r="0" g="0" b="0"/>
-      </a:fillRef>
-      <a:effectRef idx="0">
-        <a:scrgbClr r="0" g="0" b="0"/>
-      </a:effectRef>
-      <a:fontRef idx="minor">
-        <a:schemeClr val="lt1"/>
-      </a:fontRef>
-    </dgm:style>
-  </dgm:styleLbl>
-  <dgm:styleLbl name="parChTrans2D3">
-    <dgm:scene3d>
-      <a:camera prst="orthographicFront"/>
-      <a:lightRig rig="threePt" dir="t"/>
-    </dgm:scene3d>
-    <dgm:sp3d/>
-    <dgm:txPr/>
-    <dgm:style>
-      <a:lnRef idx="2">
-        <a:scrgbClr r="0" g="0" b="0"/>
-      </a:lnRef>
-      <a:fillRef idx="1">
-        <a:scrgbClr r="0" g="0" b="0"/>
-      </a:fillRef>
-      <a:effectRef idx="0">
-        <a:scrgbClr r="0" g="0" b="0"/>
-      </a:effectRef>
-      <a:fontRef idx="minor">
-        <a:schemeClr val="lt1"/>
-      </a:fontRef>
-    </dgm:style>
-  </dgm:styleLbl>
-  <dgm:styleLbl name="parChTrans2D4">
-    <dgm:scene3d>
-      <a:camera prst="orthographicFront"/>
-      <a:lightRig rig="threePt" dir="t"/>
-    </dgm:scene3d>
-    <dgm:sp3d/>
-    <dgm:txPr/>
-    <dgm:style>
-      <a:lnRef idx="2">
-        <a:scrgbClr r="0" g="0" b="0"/>
-      </a:lnRef>
-      <a:fillRef idx="1">
-        <a:scrgbClr r="0" g="0" b="0"/>
-      </a:fillRef>
-      <a:effectRef idx="0">
-        <a:scrgbClr r="0" g="0" b="0"/>
-      </a:effectRef>
-      <a:fontRef idx="minor">
-        <a:schemeClr val="lt1"/>
-      </a:fontRef>
-    </dgm:style>
-  </dgm:styleLbl>
-  <dgm:styleLbl name="parChTrans1D1">
-    <dgm:scene3d>
-      <a:camera prst="orthographicFront"/>
-      <a:lightRig rig="threePt" dir="t"/>
-    </dgm:scene3d>
-    <dgm:sp3d/>
-    <dgm:txPr/>
-    <dgm:style>
-      <a:lnRef idx="2">
-        <a:scrgbClr r="0" g="0" b="0"/>
-      </a:lnRef>
-      <a:fillRef idx="0">
-        <a:scrgbClr r="0" g="0" b="0"/>
-      </a:fillRef>
-      <a:effectRef idx="0">
-        <a:scrgbClr r="0" g="0" b="0"/>
-      </a:effectRef>
-      <a:fontRef idx="minor"/>
-    </dgm:style>
-  </dgm:styleLbl>
-  <dgm:styleLbl name="parChTrans1D2">
-    <dgm:scene3d>
-      <a:camera prst="orthographicFront"/>
-      <a:lightRig rig="threePt" dir="t"/>
-    </dgm:scene3d>
-    <dgm:sp3d/>
-    <dgm:txPr/>
-    <dgm:style>
-      <a:lnRef idx="2">
-        <a:scrgbClr r="0" g="0" b="0"/>
-      </a:lnRef>
-      <a:fillRef idx="0">
-        <a:scrgbClr r="0" g="0" b="0"/>
-      </a:fillRef>
-      <a:effectRef idx="0">
-        <a:scrgbClr r="0" g="0" b="0"/>
-      </a:effectRef>
-      <a:fontRef idx="minor"/>
-    </dgm:style>
-  </dgm:styleLbl>
-  <dgm:styleLbl name="parChTrans1D3">
-    <dgm:scene3d>
-      <a:camera prst="orthographicFront"/>
-      <a:lightRig rig="threePt" dir="t"/>
-    </dgm:scene3d>
-    <dgm:sp3d/>
-    <dgm:txPr/>
-    <dgm:style>
-      <a:lnRef idx="2">
-        <a:scrgbClr r="0" g="0" b="0"/>
-      </a:lnRef>
-      <a:fillRef idx="0">
-        <a:scrgbClr r="0" g="0" b="0"/>
-      </a:fillRef>
-      <a:effectRef idx="0">
-        <a:scrgbClr r="0" g="0" b="0"/>
-      </a:effectRef>
-      <a:fontRef idx="minor"/>
-    </dgm:style>
-  </dgm:styleLbl>
-  <dgm:styleLbl name="parChTrans1D4">
-    <dgm:scene3d>
-      <a:camera prst="orthographicFront"/>
-      <a:lightRig rig="threePt" dir="t"/>
-    </dgm:scene3d>
-    <dgm:sp3d/>
-    <dgm:txPr/>
-    <dgm:style>
-      <a:lnRef idx="2">
-        <a:scrgbClr r="0" g="0" b="0"/>
-      </a:lnRef>
-      <a:fillRef idx="0">
-        <a:scrgbClr r="0" g="0" b="0"/>
-      </a:fillRef>
-      <a:effectRef idx="0">
-        <a:scrgbClr r="0" g="0" b="0"/>
-      </a:effectRef>
-      <a:fontRef idx="minor"/>
-    </dgm:style>
-  </dgm:styleLbl>
-  <dgm:styleLbl name="fgAcc1">
-    <dgm:scene3d>
-      <a:camera prst="orthographicFront"/>
-      <a:lightRig rig="threePt" dir="t"/>
-    </dgm:scene3d>
-    <dgm:sp3d/>
-    <dgm:txPr/>
-    <dgm:style>
-      <a:lnRef idx="2">
-        <a:scrgbClr r="0" g="0" b="0"/>
-      </a:lnRef>
-      <a:fillRef idx="1">
-        <a:scrgbClr r="0" g="0" b="0"/>
-      </a:fillRef>
-      <a:effectRef idx="0">
-        <a:scrgbClr r="0" g="0" b="0"/>
-      </a:effectRef>
-      <a:fontRef idx="minor"/>
-    </dgm:style>
-  </dgm:styleLbl>
-  <dgm:styleLbl name="conFgAcc1">
-    <dgm:scene3d>
-      <a:camera prst="orthographicFront"/>
-      <a:lightRig rig="threePt" dir="t"/>
-    </dgm:scene3d>
-    <dgm:sp3d/>
-    <dgm:txPr/>
-    <dgm:style>
-      <a:lnRef idx="2">
-        <a:scrgbClr r="0" g="0" b="0"/>
-      </a:lnRef>
-      <a:fillRef idx="1">
-        <a:scrgbClr r="0" g="0" b="0"/>
-      </a:fillRef>
-      <a:effectRef idx="0">
-        <a:scrgbClr r="0" g="0" b="0"/>
-      </a:effectRef>
-      <a:fontRef idx="minor"/>
-    </dgm:style>
-  </dgm:styleLbl>
-  <dgm:styleLbl name="alignAcc1">
-    <dgm:scene3d>
-      <a:camera prst="orthographicFront"/>
-      <a:lightRig rig="threePt" dir="t"/>
-    </dgm:scene3d>
-    <dgm:sp3d/>
-    <dgm:txPr/>
-    <dgm:style>
-      <a:lnRef idx="2">
-        <a:scrgbClr r="0" g="0" b="0"/>
-      </a:lnRef>
-      <a:fillRef idx="1">
-        <a:scrgbClr r="0" g="0" b="0"/>
-      </a:fillRef>
-      <a:effectRef idx="0">
-        <a:scrgbClr r="0" g="0" b="0"/>
-      </a:effectRef>
-      <a:fontRef idx="minor"/>
-    </dgm:style>
-  </dgm:styleLbl>
-  <dgm:styleLbl name="trAlignAcc1">
-    <dgm:scene3d>
-      <a:camera prst="orthographicFront"/>
-      <a:lightRig rig="threePt" dir="t"/>
-    </dgm:scene3d>
-    <dgm:sp3d/>
-    <dgm:txPr/>
-    <dgm:style>
-      <a:lnRef idx="1">
-        <a:scrgbClr r="0" g="0" b="0"/>
-      </a:lnRef>
-      <a:fillRef idx="1">
-        <a:scrgbClr r="0" g="0" b="0"/>
-      </a:fillRef>
-      <a:effectRef idx="0">
-        <a:scrgbClr r="0" g="0" b="0"/>
-      </a:effectRef>
-      <a:fontRef idx="minor"/>
-    </dgm:style>
-  </dgm:styleLbl>
-  <dgm:styleLbl name="bgAcc1">
-    <dgm:scene3d>
-      <a:camera prst="orthographicFront"/>
-      <a:lightRig rig="threePt" dir="t"/>
-    </dgm:scene3d>
-    <dgm:sp3d/>
-    <dgm:txPr/>
-    <dgm:style>
-      <a:lnRef idx="2">
-        <a:scrgbClr r="0" g="0" b="0"/>
-      </a:lnRef>
-      <a:fillRef idx="1">
-        <a:scrgbClr r="0" g="0" b="0"/>
-      </a:fillRef>
-      <a:effectRef idx="0">
-        <a:scrgbClr r="0" g="0" b="0"/>
-      </a:effectRef>
-      <a:fontRef idx="minor"/>
-    </dgm:style>
-  </dgm:styleLbl>
-  <dgm:styleLbl name="solidFgAcc1">
-    <dgm:scene3d>
-      <a:camera prst="orthographicFront"/>
-      <a:lightRig rig="threePt" dir="t"/>
-    </dgm:scene3d>
-    <dgm:sp3d/>
-    <dgm:txPr/>
-    <dgm:style>
-      <a:lnRef idx="2">
-        <a:scrgbClr r="0" g="0" b="0"/>
-      </a:lnRef>
-      <a:fillRef idx="1">
-        <a:scrgbClr r="0" g="0" b="0"/>
-      </a:fillRef>
-      <a:effectRef idx="0">
-        <a:scrgbClr r="0" g="0" b="0"/>
-      </a:effectRef>
-      <a:fontRef idx="minor"/>
-    </dgm:style>
-  </dgm:styleLbl>
-  <dgm:styleLbl name="solidAlignAcc1">
-    <dgm:scene3d>
-      <a:camera prst="orthographicFront"/>
-      <a:lightRig rig="threePt" dir="t"/>
-    </dgm:scene3d>
-    <dgm:sp3d/>
-    <dgm:txPr/>
-    <dgm:style>
-      <a:lnRef idx="2">
-        <a:scrgbClr r="0" g="0" b="0"/>
-      </a:lnRef>
-      <a:fillRef idx="1">
-        <a:scrgbClr r="0" g="0" b="0"/>
-      </a:fillRef>
-      <a:effectRef idx="0">
-        <a:scrgbClr r="0" g="0" b="0"/>
-      </a:effectRef>
-      <a:fontRef idx="minor"/>
-    </dgm:style>
-  </dgm:styleLbl>
-  <dgm:styleLbl name="solidBgAcc1">
-    <dgm:scene3d>
-      <a:camera prst="orthographicFront"/>
-      <a:lightRig rig="threePt" dir="t"/>
-    </dgm:scene3d>
-    <dgm:sp3d/>
-    <dgm:txPr/>
-    <dgm:style>
-      <a:lnRef idx="2">
-        <a:scrgbClr r="0" g="0" b="0"/>
-      </a:lnRef>
-      <a:fillRef idx="1">
-        <a:scrgbClr r="0" g="0" b="0"/>
-      </a:fillRef>
-      <a:effectRef idx="0">
-        <a:scrgbClr r="0" g="0" b="0"/>
-      </a:effectRef>
-      <a:fontRef idx="minor"/>
-    </dgm:style>
-  </dgm:styleLbl>
-  <dgm:styleLbl name="fgAccFollowNode1">
-    <dgm:scene3d>
-      <a:camera prst="orthographicFront"/>
-      <a:lightRig rig="threePt" dir="t"/>
-    </dgm:scene3d>
-    <dgm:sp3d/>
-    <dgm:txPr/>
-    <dgm:style>
-      <a:lnRef idx="2">
-        <a:scrgbClr r="0" g="0" b="0"/>
-      </a:lnRef>
-      <a:fillRef idx="1">
-        <a:scrgbClr r="0" g="0" b="0"/>
-      </a:fillRef>
-      <a:effectRef idx="0">
-        <a:scrgbClr r="0" g="0" b="0"/>
-      </a:effectRef>
-      <a:fontRef idx="minor"/>
-    </dgm:style>
-  </dgm:styleLbl>
-  <dgm:styleLbl name="alignAccFollowNode1">
-    <dgm:scene3d>
-      <a:camera prst="orthographicFront"/>
-      <a:lightRig rig="threePt" dir="t"/>
-    </dgm:scene3d>
-    <dgm:sp3d/>
-    <dgm:txPr/>
-    <dgm:style>
-      <a:lnRef idx="2">
-        <a:scrgbClr r="0" g="0" b="0"/>
-      </a:lnRef>
-      <a:fillRef idx="1">
-        <a:scrgbClr r="0" g="0" b="0"/>
-      </a:fillRef>
-      <a:effectRef idx="0">
-        <a:scrgbClr r="0" g="0" b="0"/>
-      </a:effectRef>
-      <a:fontRef idx="minor"/>
-    </dgm:style>
-  </dgm:styleLbl>
-  <dgm:styleLbl name="bgAccFollowNode1">
-    <dgm:scene3d>
-      <a:camera prst="orthographicFront"/>
-      <a:lightRig rig="threePt" dir="t"/>
-    </dgm:scene3d>
-    <dgm:sp3d/>
-    <dgm:txPr/>
-    <dgm:style>
-      <a:lnRef idx="2">
-        <a:scrgbClr r="0" g="0" b="0"/>
-      </a:lnRef>
-      <a:fillRef idx="1">
-        <a:scrgbClr r="0" g="0" b="0"/>
-      </a:fillRef>
-      <a:effectRef idx="0">
-        <a:scrgbClr r="0" g="0" b="0"/>
-      </a:effectRef>
-      <a:fontRef idx="minor"/>
-    </dgm:style>
-  </dgm:styleLbl>
-  <dgm:styleLbl name="fgAcc0">
-    <dgm:scene3d>
-      <a:camera prst="orthographicFront"/>
-      <a:lightRig rig="threePt" dir="t"/>
-    </dgm:scene3d>
-    <dgm:sp3d/>
-    <dgm:txPr/>
-    <dgm:style>
-      <a:lnRef idx="2">
-        <a:scrgbClr r="0" g="0" b="0"/>
-      </a:lnRef>
-      <a:fillRef idx="1">
-        <a:scrgbClr r="0" g="0" b="0"/>
-      </a:fillRef>
-      <a:effectRef idx="0">
-        <a:scrgbClr r="0" g="0" b="0"/>
-      </a:effectRef>
-      <a:fontRef idx="minor"/>
-    </dgm:style>
-  </dgm:styleLbl>
-  <dgm:styleLbl name="fgAcc2">
-    <dgm:scene3d>
-      <a:camera prst="orthographicFront"/>
-      <a:lightRig rig="threePt" dir="t"/>
-    </dgm:scene3d>
-    <dgm:sp3d/>
-    <dgm:txPr/>
-    <dgm:style>
-      <a:lnRef idx="2">
-        <a:scrgbClr r="0" g="0" b="0"/>
-      </a:lnRef>
-      <a:fillRef idx="1">
-        <a:scrgbClr r="0" g="0" b="0"/>
-      </a:fillRef>
-      <a:effectRef idx="0">
-        <a:scrgbClr r="0" g="0" b="0"/>
-      </a:effectRef>
-      <a:fontRef idx="minor"/>
-    </dgm:style>
-  </dgm:styleLbl>
-  <dgm:styleLbl name="fgAcc3">
-    <dgm:scene3d>
-      <a:camera prst="orthographicFront"/>
-      <a:lightRig rig="threePt" dir="t"/>
-    </dgm:scene3d>
-    <dgm:sp3d/>
-    <dgm:txPr/>
-    <dgm:style>
-      <a:lnRef idx="2">
-        <a:scrgbClr r="0" g="0" b="0"/>
-      </a:lnRef>
-      <a:fillRef idx="1">
-        <a:scrgbClr r="0" g="0" b="0"/>
-      </a:fillRef>
-      <a:effectRef idx="0">
-        <a:scrgbClr r="0" g="0" b="0"/>
-      </a:effectRef>
-      <a:fontRef idx="minor"/>
-    </dgm:style>
-  </dgm:styleLbl>
-  <dgm:styleLbl name="fgAcc4">
-    <dgm:scene3d>
-      <a:camera prst="orthographicFront"/>
-      <a:lightRig rig="threePt" dir="t"/>
-    </dgm:scene3d>
-    <dgm:sp3d/>
-    <dgm:txPr/>
-    <dgm:style>
-      <a:lnRef idx="2">
-        <a:scrgbClr r="0" g="0" b="0"/>
-      </a:lnRef>
-      <a:fillRef idx="1">
-        <a:scrgbClr r="0" g="0" b="0"/>
-      </a:fillRef>
-      <a:effectRef idx="0">
-        <a:scrgbClr r="0" g="0" b="0"/>
-      </a:effectRef>
-      <a:fontRef idx="minor"/>
-    </dgm:style>
-  </dgm:styleLbl>
-  <dgm:styleLbl name="bgShp">
-    <dgm:scene3d>
-      <a:camera prst="orthographicFront"/>
-      <a:lightRig rig="threePt" dir="t"/>
-    </dgm:scene3d>
-    <dgm:sp3d/>
-    <dgm:txPr/>
-    <dgm:style>
-      <a:lnRef idx="0">
-        <a:scrgbClr r="0" g="0" b="0"/>
-      </a:lnRef>
-      <a:fillRef idx="1">
-        <a:scrgbClr r="0" g="0" b="0"/>
-      </a:fillRef>
-      <a:effectRef idx="0">
-        <a:scrgbClr r="0" g="0" b="0"/>
-      </a:effectRef>
-      <a:fontRef idx="minor"/>
-    </dgm:style>
-  </dgm:styleLbl>
-  <dgm:styleLbl name="dkBgShp">
-    <dgm:scene3d>
-      <a:camera prst="orthographicFront"/>
-      <a:lightRig rig="threePt" dir="t"/>
-    </dgm:scene3d>
-    <dgm:sp3d/>
-    <dgm:txPr/>
-    <dgm:style>
-      <a:lnRef idx="0">
-        <a:scrgbClr r="0" g="0" b="0"/>
-      </a:lnRef>
-      <a:fillRef idx="1">
-        <a:scrgbClr r="0" g="0" b="0"/>
-      </a:fillRef>
-      <a:effectRef idx="0">
-        <a:scrgbClr r="0" g="0" b="0"/>
-      </a:effectRef>
-      <a:fontRef idx="minor"/>
-    </dgm:style>
-  </dgm:styleLbl>
-  <dgm:styleLbl name="trBgShp">
-    <dgm:scene3d>
-      <a:camera prst="orthographicFront"/>
-      <a:lightRig rig="threePt" dir="t"/>
-    </dgm:scene3d>
-    <dgm:sp3d/>
-    <dgm:txPr/>
-    <dgm:style>
-      <a:lnRef idx="0">
-        <a:scrgbClr r="0" g="0" b="0"/>
-      </a:lnRef>
-      <a:fillRef idx="1">
-        <a:scrgbClr r="0" g="0" b="0"/>
-      </a:fillRef>
-      <a:effectRef idx="0">
-        <a:scrgbClr r="0" g="0" b="0"/>
-      </a:effectRef>
-      <a:fontRef idx="minor"/>
-    </dgm:style>
-  </dgm:styleLbl>
-  <dgm:styleLbl name="fgShp">
-    <dgm:scene3d>
-      <a:camera prst="orthographicFront"/>
-      <a:lightRig rig="threePt" dir="t"/>
-    </dgm:scene3d>
-    <dgm:sp3d/>
-    <dgm:txPr/>
-    <dgm:style>
-      <a:lnRef idx="2">
-        <a:scrgbClr r="0" g="0" b="0"/>
-      </a:lnRef>
-      <a:fillRef idx="1">
-        <a:scrgbClr r="0" g="0" b="0"/>
-      </a:fillRef>
-      <a:effectRef idx="0">
-        <a:scrgbClr r="0" g="0" b="0"/>
-      </a:effectRef>
-      <a:fontRef idx="minor"/>
-    </dgm:style>
-  </dgm:styleLbl>
-  <dgm:styleLbl name="revTx">
-    <dgm:scene3d>
-      <a:camera prst="orthographicFront"/>
-      <a:lightRig rig="threePt" dir="t"/>
-    </dgm:scene3d>
-    <dgm:sp3d/>
-    <dgm:txPr/>
-    <dgm:style>
-      <a:lnRef idx="0">
-        <a:scrgbClr r="0" g="0" b="0"/>
-      </a:lnRef>
-      <a:fillRef idx="0">
-        <a:scrgbClr r="0" g="0" b="0"/>
-      </a:fillRef>
-      <a:effectRef idx="0">
-        <a:scrgbClr r="0" g="0" b="0"/>
-      </a:effectRef>
-      <a:fontRef idx="minor"/>
-    </dgm:style>
-  </dgm:styleLbl>
-</dgm:styleDef>
-</file>
-
-<file path=ppt/diagrams/quickStyle6.xml><?xml version="1.0" encoding="utf-8"?>
 <dgm:styleDef xmlns:dgm="http://schemas.openxmlformats.org/drawingml/2006/diagram" xmlns:a="http://schemas.openxmlformats.org/drawingml/2006/main" uniqueId="urn:microsoft.com/office/officeart/2005/8/quickstyle/simple1">
   <dgm:title val=""/>
   <dgm:desc val=""/>
@@ -27180,111 +24196,6 @@
 </p:sld>
 </file>
 
-<file path=ppt/slides/slide15.xml><?xml version="1.0" encoding="utf-8"?>
-<p:sld xmlns:a="http://schemas.openxmlformats.org/drawingml/2006/main" xmlns:r="http://schemas.openxmlformats.org/officeDocument/2006/relationships" xmlns:p="http://schemas.openxmlformats.org/presentationml/2006/main">
-  <p:cSld>
-    <p:bg>
-      <p:bgPr>
-        <a:solidFill>
-          <a:schemeClr val="bg1"/>
-        </a:solidFill>
-        <a:effectLst/>
-      </p:bgPr>
-    </p:bg>
-    <p:spTree>
-      <p:nvGrpSpPr>
-        <p:cNvPr id="1" name=""/>
-        <p:cNvGrpSpPr/>
-        <p:nvPr/>
-      </p:nvGrpSpPr>
-      <p:grpSpPr>
-        <a:xfrm>
-          <a:off x="0" y="0"/>
-          <a:ext cx="0" cy="0"/>
-          <a:chOff x="0" y="0"/>
-          <a:chExt cx="0" cy="0"/>
-        </a:xfrm>
-      </p:grpSpPr>
-      <p:sp>
-        <p:nvSpPr>
-          <p:cNvPr id="2" name="Titre 1">
-            <a:extLst>
-              <a:ext uri="{FF2B5EF4-FFF2-40B4-BE49-F238E27FC236}">
-                <a16:creationId xmlns:a16="http://schemas.microsoft.com/office/drawing/2014/main" id="{7A4919D0-F177-4BBA-9A0B-DBA69E2ED764}"/>
-              </a:ext>
-            </a:extLst>
-          </p:cNvPr>
-          <p:cNvSpPr>
-            <a:spLocks noGrp="1"/>
-          </p:cNvSpPr>
-          <p:nvPr>
-            <p:ph type="title"/>
-          </p:nvPr>
-        </p:nvSpPr>
-        <p:spPr>
-          <a:xfrm>
-            <a:off x="1066800" y="642594"/>
-            <a:ext cx="10058400" cy="1371600"/>
-          </a:xfrm>
-        </p:spPr>
-        <p:txBody>
-          <a:bodyPr rtlCol="0">
-            <a:normAutofit/>
-          </a:bodyPr>
-          <a:lstStyle/>
-          <a:p>
-            <a:pPr algn="ctr" rtl="0"/>
-            <a:r>
-              <a:rPr lang="fr"/>
-              <a:t>Title Lorem Ipsum</a:t>
-            </a:r>
-          </a:p>
-        </p:txBody>
-      </p:sp>
-      <p:graphicFrame>
-        <p:nvGraphicFramePr>
-          <p:cNvPr id="5" name="Espace réservé du contenu 2">
-            <a:extLst>
-              <a:ext uri="{FF2B5EF4-FFF2-40B4-BE49-F238E27FC236}">
-                <a16:creationId xmlns:a16="http://schemas.microsoft.com/office/drawing/2014/main" id="{91DB1382-7276-49FA-9632-38D558F457E3}"/>
-              </a:ext>
-            </a:extLst>
-          </p:cNvPr>
-          <p:cNvGraphicFramePr>
-            <a:graphicFrameLocks noGrp="1"/>
-          </p:cNvGraphicFramePr>
-          <p:nvPr>
-            <p:ph idx="1"/>
-            <p:extLst>
-              <p:ext uri="{D42A27DB-BD31-4B8C-83A1-F6EECF244321}">
-                <p14:modId xmlns:p14="http://schemas.microsoft.com/office/powerpoint/2010/main" val="1817536157"/>
-              </p:ext>
-            </p:extLst>
-          </p:nvPr>
-        </p:nvGraphicFramePr>
-        <p:xfrm>
-          <a:off x="1066800" y="2310063"/>
-          <a:ext cx="10058400" cy="3725612"/>
-        </p:xfrm>
-        <a:graphic>
-          <a:graphicData uri="http://schemas.openxmlformats.org/drawingml/2006/diagram">
-            <dgm:relIds xmlns:dgm="http://schemas.openxmlformats.org/drawingml/2006/diagram" xmlns:r="http://schemas.openxmlformats.org/officeDocument/2006/relationships" r:dm="rId2" r:lo="rId3" r:qs="rId4" r:cs="rId5"/>
-          </a:graphicData>
-        </a:graphic>
-      </p:graphicFrame>
-    </p:spTree>
-    <p:extLst>
-      <p:ext uri="{BB962C8B-B14F-4D97-AF65-F5344CB8AC3E}">
-        <p14:creationId xmlns:p14="http://schemas.microsoft.com/office/powerpoint/2010/main" val="183243182"/>
-      </p:ext>
-    </p:extLst>
-  </p:cSld>
-  <p:clrMapOvr>
-    <a:masterClrMapping/>
-  </p:clrMapOvr>
-</p:sld>
-</file>
-
 <file path=ppt/slides/slide2.xml><?xml version="1.0" encoding="utf-8"?>
 <p:sld xmlns:a="http://schemas.openxmlformats.org/drawingml/2006/main" xmlns:r="http://schemas.openxmlformats.org/officeDocument/2006/relationships" xmlns:p="http://schemas.openxmlformats.org/presentationml/2006/main">
   <p:cSld>

--- a/Presentation.pptx
+++ b/Presentation.pptx
@@ -5,10 +5,10 @@
     <p:sldMasterId id="2147483673" r:id="rId1"/>
   </p:sldMasterIdLst>
   <p:notesMasterIdLst>
-    <p:notesMasterId r:id="rId16"/>
+    <p:notesMasterId r:id="rId15"/>
   </p:notesMasterIdLst>
   <p:handoutMasterIdLst>
-    <p:handoutMasterId r:id="rId17"/>
+    <p:handoutMasterId r:id="rId16"/>
   </p:handoutMasterIdLst>
   <p:sldIdLst>
     <p:sldId id="257" r:id="rId2"/>
@@ -21,10 +21,9 @@
     <p:sldId id="270" r:id="rId9"/>
     <p:sldId id="271" r:id="rId10"/>
     <p:sldId id="272" r:id="rId11"/>
-    <p:sldId id="273" r:id="rId12"/>
-    <p:sldId id="274" r:id="rId13"/>
-    <p:sldId id="275" r:id="rId14"/>
-    <p:sldId id="265" r:id="rId15"/>
+    <p:sldId id="274" r:id="rId12"/>
+    <p:sldId id="275" r:id="rId13"/>
+    <p:sldId id="265" r:id="rId14"/>
   </p:sldIdLst>
   <p:sldSz cx="12192000" cy="6858000"/>
   <p:notesSz cx="6858000" cy="9144000"/>
@@ -5975,103 +5974,6 @@
         </a:p>
       </dgm:t>
     </dgm:pt>
-    <dgm:pt modelId="{A2E650F6-5859-4304-92EC-AD3E74A92D51}">
-      <dgm:prSet phldrT="[Texte]"/>
-      <dgm:spPr/>
-      <dgm:t>
-        <a:bodyPr/>
-        <a:lstStyle/>
-        <a:p>
-          <a:r>
-            <a:rPr lang="fr-FR" dirty="0"/>
-            <a:t>Pas de </a:t>
-          </a:r>
-          <a:r>
-            <a:rPr lang="fr-FR" dirty="0" err="1"/>
-            <a:t>User_id</a:t>
-          </a:r>
-          <a:r>
-            <a:rPr lang="fr-FR" dirty="0"/>
-            <a:t> </a:t>
-          </a:r>
-        </a:p>
-      </dgm:t>
-    </dgm:pt>
-    <dgm:pt modelId="{626D4FB7-F539-4BD6-A79E-B9FBD46F743E}" type="parTrans" cxnId="{DF33F199-4047-4754-8378-DCCCFAE65E84}">
-      <dgm:prSet/>
-      <dgm:spPr/>
-      <dgm:t>
-        <a:bodyPr/>
-        <a:lstStyle/>
-        <a:p>
-          <a:endParaRPr lang="fr-FR"/>
-        </a:p>
-      </dgm:t>
-    </dgm:pt>
-    <dgm:pt modelId="{2D0C9B82-9273-4843-93E0-76E5D91EBEF2}" type="sibTrans" cxnId="{DF33F199-4047-4754-8378-DCCCFAE65E84}">
-      <dgm:prSet/>
-      <dgm:spPr/>
-      <dgm:t>
-        <a:bodyPr/>
-        <a:lstStyle/>
-        <a:p>
-          <a:endParaRPr lang="fr-FR"/>
-        </a:p>
-      </dgm:t>
-    </dgm:pt>
-    <dgm:pt modelId="{78B56529-23FA-43FB-8FFA-936A30404C3B}">
-      <dgm:prSet phldrT="[Texte]"/>
-      <dgm:spPr/>
-      <dgm:t>
-        <a:bodyPr/>
-        <a:lstStyle/>
-        <a:p>
-          <a:r>
-            <a:rPr lang="en-US" dirty="0"/>
-            <a:t>"Pass a user id in the </a:t>
-          </a:r>
-          <a:r>
-            <a:rPr lang="en-US" dirty="0" err="1"/>
-            <a:t>url</a:t>
-          </a:r>
-          <a:r>
-            <a:rPr lang="en-US" dirty="0"/>
-            <a:t> binding for a </a:t>
-          </a:r>
-          <a:r>
-            <a:rPr lang="en-US" dirty="0" err="1"/>
-            <a:t>recommandation</a:t>
-          </a:r>
-          <a:r>
-            <a:rPr lang="en-US" dirty="0"/>
-            <a:t>"</a:t>
-          </a:r>
-          <a:endParaRPr lang="fr-FR" dirty="0"/>
-        </a:p>
-      </dgm:t>
-    </dgm:pt>
-    <dgm:pt modelId="{A03EACC3-AD48-498E-8212-090D9C8DCAFA}" type="parTrans" cxnId="{A1605CEE-F840-4B95-8C9F-F7957810DDF9}">
-      <dgm:prSet/>
-      <dgm:spPr/>
-      <dgm:t>
-        <a:bodyPr/>
-        <a:lstStyle/>
-        <a:p>
-          <a:endParaRPr lang="fr-FR"/>
-        </a:p>
-      </dgm:t>
-    </dgm:pt>
-    <dgm:pt modelId="{F7178802-96A7-4CCD-9BBB-65D74A7D5B70}" type="sibTrans" cxnId="{A1605CEE-F840-4B95-8C9F-F7957810DDF9}">
-      <dgm:prSet/>
-      <dgm:spPr/>
-      <dgm:t>
-        <a:bodyPr/>
-        <a:lstStyle/>
-        <a:p>
-          <a:endParaRPr lang="fr-FR"/>
-        </a:p>
-      </dgm:t>
-    </dgm:pt>
     <dgm:pt modelId="{11DE1F3D-FA9F-4ABE-8708-FCC335DB847B}">
       <dgm:prSet phldrT="[Texte]"/>
       <dgm:spPr/>
@@ -6325,60 +6227,12 @@
       <dgm:prSet presAssocID="{B17BCACD-321E-41EB-BE16-3F540FF1A5F3}" presName="level2hierChild" presStyleCnt="0"/>
       <dgm:spPr/>
     </dgm:pt>
-    <dgm:pt modelId="{040A419A-1C2A-4950-BC01-CA98B900F5CA}" type="pres">
-      <dgm:prSet presAssocID="{626D4FB7-F539-4BD6-A79E-B9FBD46F743E}" presName="conn2-1" presStyleLbl="parChTrans1D2" presStyleIdx="0" presStyleCnt="3"/>
-      <dgm:spPr/>
-    </dgm:pt>
-    <dgm:pt modelId="{A7D7F88A-08DB-4838-BF59-7C0D22760E68}" type="pres">
-      <dgm:prSet presAssocID="{626D4FB7-F539-4BD6-A79E-B9FBD46F743E}" presName="connTx" presStyleLbl="parChTrans1D2" presStyleIdx="0" presStyleCnt="3"/>
-      <dgm:spPr/>
-    </dgm:pt>
-    <dgm:pt modelId="{E07EC747-B6EA-4619-8DB7-726E5008D54E}" type="pres">
-      <dgm:prSet presAssocID="{A2E650F6-5859-4304-92EC-AD3E74A92D51}" presName="root2" presStyleCnt="0"/>
-      <dgm:spPr/>
-    </dgm:pt>
-    <dgm:pt modelId="{9EFDDC3A-9C33-4737-A0F8-E78154EFF9FC}" type="pres">
-      <dgm:prSet presAssocID="{A2E650F6-5859-4304-92EC-AD3E74A92D51}" presName="LevelTwoTextNode" presStyleLbl="node2" presStyleIdx="0" presStyleCnt="3">
-        <dgm:presLayoutVars>
-          <dgm:chPref val="3"/>
-        </dgm:presLayoutVars>
-      </dgm:prSet>
-      <dgm:spPr/>
-    </dgm:pt>
-    <dgm:pt modelId="{6E886A2C-973D-4493-98C1-94A1C803C120}" type="pres">
-      <dgm:prSet presAssocID="{A2E650F6-5859-4304-92EC-AD3E74A92D51}" presName="level3hierChild" presStyleCnt="0"/>
-      <dgm:spPr/>
-    </dgm:pt>
-    <dgm:pt modelId="{7C48FAAC-D41B-475A-90C8-E8B9B366B145}" type="pres">
-      <dgm:prSet presAssocID="{A03EACC3-AD48-498E-8212-090D9C8DCAFA}" presName="conn2-1" presStyleLbl="parChTrans1D3" presStyleIdx="0" presStyleCnt="3"/>
-      <dgm:spPr/>
-    </dgm:pt>
-    <dgm:pt modelId="{B18F04F0-C28B-4403-BA5D-BEF1C771B840}" type="pres">
-      <dgm:prSet presAssocID="{A03EACC3-AD48-498E-8212-090D9C8DCAFA}" presName="connTx" presStyleLbl="parChTrans1D3" presStyleIdx="0" presStyleCnt="3"/>
-      <dgm:spPr/>
-    </dgm:pt>
-    <dgm:pt modelId="{1D37A7BE-78E1-4399-998E-2E7D62D91C4E}" type="pres">
-      <dgm:prSet presAssocID="{78B56529-23FA-43FB-8FFA-936A30404C3B}" presName="root2" presStyleCnt="0"/>
-      <dgm:spPr/>
-    </dgm:pt>
-    <dgm:pt modelId="{4D8CDD9D-27DF-417B-937A-8E2B55A3BD5D}" type="pres">
-      <dgm:prSet presAssocID="{78B56529-23FA-43FB-8FFA-936A30404C3B}" presName="LevelTwoTextNode" presStyleLbl="node3" presStyleIdx="0" presStyleCnt="3" custScaleX="149263">
-        <dgm:presLayoutVars>
-          <dgm:chPref val="3"/>
-        </dgm:presLayoutVars>
-      </dgm:prSet>
-      <dgm:spPr/>
-    </dgm:pt>
-    <dgm:pt modelId="{08355A85-08A6-408C-9A50-02A67A0BDFD5}" type="pres">
-      <dgm:prSet presAssocID="{78B56529-23FA-43FB-8FFA-936A30404C3B}" presName="level3hierChild" presStyleCnt="0"/>
-      <dgm:spPr/>
-    </dgm:pt>
     <dgm:pt modelId="{8E767A21-1AEE-418C-BE95-F3B9BD27F69F}" type="pres">
-      <dgm:prSet presAssocID="{866C668A-7806-473B-B86A-B2B22774D5B8}" presName="conn2-1" presStyleLbl="parChTrans1D2" presStyleIdx="1" presStyleCnt="3"/>
+      <dgm:prSet presAssocID="{866C668A-7806-473B-B86A-B2B22774D5B8}" presName="conn2-1" presStyleLbl="parChTrans1D2" presStyleIdx="0" presStyleCnt="2"/>
       <dgm:spPr/>
     </dgm:pt>
     <dgm:pt modelId="{9643AF14-A175-4031-B5C7-62BE8255DE86}" type="pres">
-      <dgm:prSet presAssocID="{866C668A-7806-473B-B86A-B2B22774D5B8}" presName="connTx" presStyleLbl="parChTrans1D2" presStyleIdx="1" presStyleCnt="3"/>
+      <dgm:prSet presAssocID="{866C668A-7806-473B-B86A-B2B22774D5B8}" presName="connTx" presStyleLbl="parChTrans1D2" presStyleIdx="0" presStyleCnt="2"/>
       <dgm:spPr/>
     </dgm:pt>
     <dgm:pt modelId="{A09AF32A-22B1-4E1D-9C3E-6AF8B689EDBA}" type="pres">
@@ -6386,7 +6240,7 @@
       <dgm:spPr/>
     </dgm:pt>
     <dgm:pt modelId="{1D913089-5784-48A4-B037-243290CF5CB4}" type="pres">
-      <dgm:prSet presAssocID="{11DE1F3D-FA9F-4ABE-8708-FCC335DB847B}" presName="LevelTwoTextNode" presStyleLbl="node2" presStyleIdx="1" presStyleCnt="3">
+      <dgm:prSet presAssocID="{11DE1F3D-FA9F-4ABE-8708-FCC335DB847B}" presName="LevelTwoTextNode" presStyleLbl="node2" presStyleIdx="0" presStyleCnt="2">
         <dgm:presLayoutVars>
           <dgm:chPref val="3"/>
         </dgm:presLayoutVars>
@@ -6398,11 +6252,11 @@
       <dgm:spPr/>
     </dgm:pt>
     <dgm:pt modelId="{8EC9FF1C-E0D1-4028-A445-FDA446EF5287}" type="pres">
-      <dgm:prSet presAssocID="{22CE341F-C606-4C19-9135-A754B3158E72}" presName="conn2-1" presStyleLbl="parChTrans1D3" presStyleIdx="1" presStyleCnt="3"/>
+      <dgm:prSet presAssocID="{22CE341F-C606-4C19-9135-A754B3158E72}" presName="conn2-1" presStyleLbl="parChTrans1D3" presStyleIdx="0" presStyleCnt="2"/>
       <dgm:spPr/>
     </dgm:pt>
     <dgm:pt modelId="{74070C04-BFB8-4329-966A-5CF314743D1C}" type="pres">
-      <dgm:prSet presAssocID="{22CE341F-C606-4C19-9135-A754B3158E72}" presName="connTx" presStyleLbl="parChTrans1D3" presStyleIdx="1" presStyleCnt="3"/>
+      <dgm:prSet presAssocID="{22CE341F-C606-4C19-9135-A754B3158E72}" presName="connTx" presStyleLbl="parChTrans1D3" presStyleIdx="0" presStyleCnt="2"/>
       <dgm:spPr/>
     </dgm:pt>
     <dgm:pt modelId="{4C7B0EB1-F2AF-4FC9-9C72-A6D36B7D0246}" type="pres">
@@ -6410,7 +6264,7 @@
       <dgm:spPr/>
     </dgm:pt>
     <dgm:pt modelId="{2706A1E3-9957-4987-9586-8A0B5C4BF415}" type="pres">
-      <dgm:prSet presAssocID="{1A3A2FEE-EEE9-4B07-9292-366612F46E2D}" presName="LevelTwoTextNode" presStyleLbl="node3" presStyleIdx="1" presStyleCnt="3">
+      <dgm:prSet presAssocID="{1A3A2FEE-EEE9-4B07-9292-366612F46E2D}" presName="LevelTwoTextNode" presStyleLbl="node3" presStyleIdx="0" presStyleCnt="2">
         <dgm:presLayoutVars>
           <dgm:chPref val="3"/>
         </dgm:presLayoutVars>
@@ -6422,11 +6276,11 @@
       <dgm:spPr/>
     </dgm:pt>
     <dgm:pt modelId="{9398E14D-D410-4C6A-9AFD-097EE0EC9E32}" type="pres">
-      <dgm:prSet presAssocID="{70BA94F8-08A0-47D1-928B-3B1AB71C33A1}" presName="conn2-1" presStyleLbl="parChTrans1D2" presStyleIdx="2" presStyleCnt="3"/>
+      <dgm:prSet presAssocID="{70BA94F8-08A0-47D1-928B-3B1AB71C33A1}" presName="conn2-1" presStyleLbl="parChTrans1D2" presStyleIdx="1" presStyleCnt="2"/>
       <dgm:spPr/>
     </dgm:pt>
     <dgm:pt modelId="{D782CC0E-32A0-49A1-A6C1-502AC7D2D683}" type="pres">
-      <dgm:prSet presAssocID="{70BA94F8-08A0-47D1-928B-3B1AB71C33A1}" presName="connTx" presStyleLbl="parChTrans1D2" presStyleIdx="2" presStyleCnt="3"/>
+      <dgm:prSet presAssocID="{70BA94F8-08A0-47D1-928B-3B1AB71C33A1}" presName="connTx" presStyleLbl="parChTrans1D2" presStyleIdx="1" presStyleCnt="2"/>
       <dgm:spPr/>
     </dgm:pt>
     <dgm:pt modelId="{61456BE9-043E-4DD4-8301-5BD684BCF7C9}" type="pres">
@@ -6434,7 +6288,7 @@
       <dgm:spPr/>
     </dgm:pt>
     <dgm:pt modelId="{82D92555-7C08-4884-9C8C-111E81E7EA14}" type="pres">
-      <dgm:prSet presAssocID="{2ADF4E08-C153-429C-8C80-AFC32FDFEB51}" presName="LevelTwoTextNode" presStyleLbl="node2" presStyleIdx="2" presStyleCnt="3">
+      <dgm:prSet presAssocID="{2ADF4E08-C153-429C-8C80-AFC32FDFEB51}" presName="LevelTwoTextNode" presStyleLbl="node2" presStyleIdx="1" presStyleCnt="2">
         <dgm:presLayoutVars>
           <dgm:chPref val="3"/>
         </dgm:presLayoutVars>
@@ -6446,11 +6300,11 @@
       <dgm:spPr/>
     </dgm:pt>
     <dgm:pt modelId="{EDF46D59-E019-4A32-A2D6-D34E0D5F2A4B}" type="pres">
-      <dgm:prSet presAssocID="{ADD9DDB9-4079-4091-B0CE-94DBC35804BD}" presName="conn2-1" presStyleLbl="parChTrans1D3" presStyleIdx="2" presStyleCnt="3"/>
+      <dgm:prSet presAssocID="{ADD9DDB9-4079-4091-B0CE-94DBC35804BD}" presName="conn2-1" presStyleLbl="parChTrans1D3" presStyleIdx="1" presStyleCnt="2"/>
       <dgm:spPr/>
     </dgm:pt>
     <dgm:pt modelId="{52480BDC-BCC2-4E72-8A16-830D75BE6925}" type="pres">
-      <dgm:prSet presAssocID="{ADD9DDB9-4079-4091-B0CE-94DBC35804BD}" presName="connTx" presStyleLbl="parChTrans1D3" presStyleIdx="2" presStyleCnt="3"/>
+      <dgm:prSet presAssocID="{ADD9DDB9-4079-4091-B0CE-94DBC35804BD}" presName="connTx" presStyleLbl="parChTrans1D3" presStyleIdx="1" presStyleCnt="2"/>
       <dgm:spPr/>
     </dgm:pt>
     <dgm:pt modelId="{71F8B75A-B02C-4C07-93ED-26BEF97501DE}" type="pres">
@@ -6458,7 +6312,7 @@
       <dgm:spPr/>
     </dgm:pt>
     <dgm:pt modelId="{14076E2C-A4F4-435C-80A7-00AFB08184C4}" type="pres">
-      <dgm:prSet presAssocID="{374638FB-772E-4904-A5D8-1438DD3D4FAD}" presName="LevelTwoTextNode" presStyleLbl="node3" presStyleIdx="2" presStyleCnt="3">
+      <dgm:prSet presAssocID="{374638FB-772E-4904-A5D8-1438DD3D4FAD}" presName="LevelTwoTextNode" presStyleLbl="node3" presStyleIdx="1" presStyleCnt="2">
         <dgm:presLayoutVars>
           <dgm:chPref val="3"/>
         </dgm:presLayoutVars>
@@ -6519,7 +6373,6 @@
     </dgm:pt>
   </dgm:ptLst>
   <dgm:cxnLst>
-    <dgm:cxn modelId="{8FEBE105-AF9D-4665-93D9-2025C892FACA}" type="presOf" srcId="{A03EACC3-AD48-498E-8212-090D9C8DCAFA}" destId="{7C48FAAC-D41B-475A-90C8-E8B9B366B145}" srcOrd="0" destOrd="0" presId="urn:microsoft.com/office/officeart/2005/8/layout/hierarchy2"/>
     <dgm:cxn modelId="{81CA4006-2B43-4152-9316-91CE7BF8DB93}" type="presOf" srcId="{4642A1CE-BF88-446B-95B5-955F92AF0C8B}" destId="{E213C009-4372-4080-8469-68A10FDA870E}" srcOrd="0" destOrd="0" presId="urn:microsoft.com/office/officeart/2005/8/layout/hierarchy2"/>
     <dgm:cxn modelId="{0536721C-3384-4015-A485-53CF845A918C}" type="presOf" srcId="{827DA510-8E07-4E7B-ABD8-3284B920BEAA}" destId="{3A971ACE-1EA9-431C-B8FE-D7D2B071D505}" srcOrd="0" destOrd="0" presId="urn:microsoft.com/office/officeart/2005/8/layout/hierarchy2"/>
     <dgm:cxn modelId="{CAD05827-8C06-4E7C-81E9-6E15F068E2DF}" type="presOf" srcId="{22CE341F-C606-4C19-9135-A754B3158E72}" destId="{74070C04-BFB8-4329-966A-5CF314743D1C}" srcOrd="1" destOrd="0" presId="urn:microsoft.com/office/officeart/2005/8/layout/hierarchy2"/>
@@ -6527,49 +6380,32 @@
     <dgm:cxn modelId="{3E18A130-B220-43F5-83F9-6216363F074B}" type="presOf" srcId="{827DA510-8E07-4E7B-ABD8-3284B920BEAA}" destId="{E75EF25C-D1B0-4E5F-A885-5BABF7112FBD}" srcOrd="1" destOrd="0" presId="urn:microsoft.com/office/officeart/2005/8/layout/hierarchy2"/>
     <dgm:cxn modelId="{86A17431-9648-4240-9EA5-2F5EB05FDEB3}" srcId="{4642A1CE-BF88-446B-95B5-955F92AF0C8B}" destId="{35E98702-7B2D-4F82-A8B3-5F0F1CB65145}" srcOrd="0" destOrd="0" parTransId="{11A98B92-DADE-41D5-81B0-62A8DE55A5E7}" sibTransId="{1285BD57-B5EE-4FDE-88C6-6719592FD3F5}"/>
     <dgm:cxn modelId="{2D2B9D33-7B10-4F0D-98F2-92F2DD7E4F0D}" type="presOf" srcId="{C7409653-E6BB-4FE1-AAEF-D3807961D9E6}" destId="{DDCE1521-E989-47F1-A5B2-5B86F9670A2B}" srcOrd="0" destOrd="0" presId="urn:microsoft.com/office/officeart/2005/8/layout/hierarchy2"/>
-    <dgm:cxn modelId="{5F382437-A75C-4512-8F93-1DFC33CE1AB8}" type="presOf" srcId="{626D4FB7-F539-4BD6-A79E-B9FBD46F743E}" destId="{040A419A-1C2A-4950-BC01-CA98B900F5CA}" srcOrd="0" destOrd="0" presId="urn:microsoft.com/office/officeart/2005/8/layout/hierarchy2"/>
     <dgm:cxn modelId="{61906B38-3656-4610-AB73-171A62C54944}" srcId="{374638FB-772E-4904-A5D8-1438DD3D4FAD}" destId="{4642A1CE-BF88-446B-95B5-955F92AF0C8B}" srcOrd="0" destOrd="0" parTransId="{827DA510-8E07-4E7B-ABD8-3284B920BEAA}" sibTransId="{706A9C72-E9D4-4392-B799-E6669B210535}"/>
     <dgm:cxn modelId="{6602563E-6721-433A-936F-95E9F3AD50D9}" type="presOf" srcId="{35E98702-7B2D-4F82-A8B3-5F0F1CB65145}" destId="{0D1B3BE1-EC11-422A-8081-1802C51E682B}" srcOrd="0" destOrd="0" presId="urn:microsoft.com/office/officeart/2005/8/layout/hierarchy2"/>
     <dgm:cxn modelId="{E2E35E3F-35CE-40F2-9D71-B1CE7C2D1F0D}" type="presOf" srcId="{11A98B92-DADE-41D5-81B0-62A8DE55A5E7}" destId="{425C817F-4036-46C4-AB4C-AC70236F57DA}" srcOrd="1" destOrd="0" presId="urn:microsoft.com/office/officeart/2005/8/layout/hierarchy2"/>
     <dgm:cxn modelId="{E223185C-6D3F-4549-BFA1-32CFE85DE84E}" type="presOf" srcId="{ADD9DDB9-4079-4091-B0CE-94DBC35804BD}" destId="{EDF46D59-E019-4A32-A2D6-D34E0D5F2A4B}" srcOrd="0" destOrd="0" presId="urn:microsoft.com/office/officeart/2005/8/layout/hierarchy2"/>
-    <dgm:cxn modelId="{7BBA0645-0F0F-4F85-8D91-9D996BCCFE6A}" type="presOf" srcId="{78B56529-23FA-43FB-8FFA-936A30404C3B}" destId="{4D8CDD9D-27DF-417B-937A-8E2B55A3BD5D}" srcOrd="0" destOrd="0" presId="urn:microsoft.com/office/officeart/2005/8/layout/hierarchy2"/>
     <dgm:cxn modelId="{DC722F68-9C66-4020-A630-519852A9DC70}" srcId="{C7409653-E6BB-4FE1-AAEF-D3807961D9E6}" destId="{B17BCACD-321E-41EB-BE16-3F540FF1A5F3}" srcOrd="0" destOrd="0" parTransId="{F45FBA97-57C8-42BE-B854-5A1CC9D9F544}" sibTransId="{03B976D7-8CCA-47AF-952A-6C15C2527646}"/>
     <dgm:cxn modelId="{C1DACC6A-05F6-4FD0-BEA1-D89BCDA2F42A}" type="presOf" srcId="{2ADF4E08-C153-429C-8C80-AFC32FDFEB51}" destId="{82D92555-7C08-4884-9C8C-111E81E7EA14}" srcOrd="0" destOrd="0" presId="urn:microsoft.com/office/officeart/2005/8/layout/hierarchy2"/>
     <dgm:cxn modelId="{B08D7676-3EF2-46DD-B852-66C539B8A191}" type="presOf" srcId="{1A3A2FEE-EEE9-4B07-9292-366612F46E2D}" destId="{2706A1E3-9957-4987-9586-8A0B5C4BF415}" srcOrd="0" destOrd="0" presId="urn:microsoft.com/office/officeart/2005/8/layout/hierarchy2"/>
     <dgm:cxn modelId="{0411E576-3397-464D-8876-1EDD50513FE1}" type="presOf" srcId="{70BA94F8-08A0-47D1-928B-3B1AB71C33A1}" destId="{9398E14D-D410-4C6A-9AFD-097EE0EC9E32}" srcOrd="0" destOrd="0" presId="urn:microsoft.com/office/officeart/2005/8/layout/hierarchy2"/>
     <dgm:cxn modelId="{8936FA78-4099-4807-946C-5092D334D416}" type="presOf" srcId="{22CE341F-C606-4C19-9135-A754B3158E72}" destId="{8EC9FF1C-E0D1-4028-A445-FDA446EF5287}" srcOrd="0" destOrd="0" presId="urn:microsoft.com/office/officeart/2005/8/layout/hierarchy2"/>
     <dgm:cxn modelId="{9D81FC86-D642-4CD1-971F-EA020846B8E6}" srcId="{2ADF4E08-C153-429C-8C80-AFC32FDFEB51}" destId="{374638FB-772E-4904-A5D8-1438DD3D4FAD}" srcOrd="0" destOrd="0" parTransId="{ADD9DDB9-4079-4091-B0CE-94DBC35804BD}" sibTransId="{3B9B607F-CF9A-469C-8677-347FBCE21D28}"/>
-    <dgm:cxn modelId="{4F1FBE88-97CF-42BD-9741-1ABD07EAFF2B}" srcId="{B17BCACD-321E-41EB-BE16-3F540FF1A5F3}" destId="{11DE1F3D-FA9F-4ABE-8708-FCC335DB847B}" srcOrd="1" destOrd="0" parTransId="{866C668A-7806-473B-B86A-B2B22774D5B8}" sibTransId="{0A32980B-BB2B-4CDE-AC9E-A3C72C42DFF3}"/>
+    <dgm:cxn modelId="{4F1FBE88-97CF-42BD-9741-1ABD07EAFF2B}" srcId="{B17BCACD-321E-41EB-BE16-3F540FF1A5F3}" destId="{11DE1F3D-FA9F-4ABE-8708-FCC335DB847B}" srcOrd="0" destOrd="0" parTransId="{866C668A-7806-473B-B86A-B2B22774D5B8}" sibTransId="{0A32980B-BB2B-4CDE-AC9E-A3C72C42DFF3}"/>
     <dgm:cxn modelId="{0673B98F-AF48-4558-AFCD-ED3E308390CA}" srcId="{11DE1F3D-FA9F-4ABE-8708-FCC335DB847B}" destId="{1A3A2FEE-EEE9-4B07-9292-366612F46E2D}" srcOrd="0" destOrd="0" parTransId="{22CE341F-C606-4C19-9135-A754B3158E72}" sibTransId="{A1FF84D4-F1D2-49C0-8F49-7A0EC4E88A1A}"/>
-    <dgm:cxn modelId="{DF33F199-4047-4754-8378-DCCCFAE65E84}" srcId="{B17BCACD-321E-41EB-BE16-3F540FF1A5F3}" destId="{A2E650F6-5859-4304-92EC-AD3E74A92D51}" srcOrd="0" destOrd="0" parTransId="{626D4FB7-F539-4BD6-A79E-B9FBD46F743E}" sibTransId="{2D0C9B82-9273-4843-93E0-76E5D91EBEF2}"/>
     <dgm:cxn modelId="{A54E349A-0267-460C-8398-0EA2940E383E}" type="presOf" srcId="{866C668A-7806-473B-B86A-B2B22774D5B8}" destId="{9643AF14-A175-4031-B5C7-62BE8255DE86}" srcOrd="1" destOrd="0" presId="urn:microsoft.com/office/officeart/2005/8/layout/hierarchy2"/>
     <dgm:cxn modelId="{4649BFB3-F88F-4A7C-8357-5D1A0082116E}" type="presOf" srcId="{374638FB-772E-4904-A5D8-1438DD3D4FAD}" destId="{14076E2C-A4F4-435C-80A7-00AFB08184C4}" srcOrd="0" destOrd="0" presId="urn:microsoft.com/office/officeart/2005/8/layout/hierarchy2"/>
     <dgm:cxn modelId="{236070BF-2536-482E-B5EE-657CB438A6B3}" type="presOf" srcId="{866C668A-7806-473B-B86A-B2B22774D5B8}" destId="{8E767A21-1AEE-418C-BE95-F3B9BD27F69F}" srcOrd="0" destOrd="0" presId="urn:microsoft.com/office/officeart/2005/8/layout/hierarchy2"/>
     <dgm:cxn modelId="{6C05A3C4-EA31-4CFC-A71A-6D5B702D7E1A}" type="presOf" srcId="{70BA94F8-08A0-47D1-928B-3B1AB71C33A1}" destId="{D782CC0E-32A0-49A1-A6C1-502AC7D2D683}" srcOrd="1" destOrd="0" presId="urn:microsoft.com/office/officeart/2005/8/layout/hierarchy2"/>
-    <dgm:cxn modelId="{82F3B7C7-85E5-410C-82F0-9EA53E782046}" type="presOf" srcId="{626D4FB7-F539-4BD6-A79E-B9FBD46F743E}" destId="{A7D7F88A-08DB-4838-BF59-7C0D22760E68}" srcOrd="1" destOrd="0" presId="urn:microsoft.com/office/officeart/2005/8/layout/hierarchy2"/>
-    <dgm:cxn modelId="{248AEBCA-FCA2-4E4B-8F60-FE91F47FBF9E}" srcId="{B17BCACD-321E-41EB-BE16-3F540FF1A5F3}" destId="{2ADF4E08-C153-429C-8C80-AFC32FDFEB51}" srcOrd="2" destOrd="0" parTransId="{70BA94F8-08A0-47D1-928B-3B1AB71C33A1}" sibTransId="{49DB7A4D-5CFA-45DF-8CDE-5455ADF6A882}"/>
+    <dgm:cxn modelId="{248AEBCA-FCA2-4E4B-8F60-FE91F47FBF9E}" srcId="{B17BCACD-321E-41EB-BE16-3F540FF1A5F3}" destId="{2ADF4E08-C153-429C-8C80-AFC32FDFEB51}" srcOrd="1" destOrd="0" parTransId="{70BA94F8-08A0-47D1-928B-3B1AB71C33A1}" sibTransId="{49DB7A4D-5CFA-45DF-8CDE-5455ADF6A882}"/>
     <dgm:cxn modelId="{66DFAADC-C0D2-4BE8-8A53-CB8BD03217A2}" type="presOf" srcId="{B17BCACD-321E-41EB-BE16-3F540FF1A5F3}" destId="{19DEEBA7-D2D3-4482-9B74-71AD86BEC26C}" srcOrd="0" destOrd="0" presId="urn:microsoft.com/office/officeart/2005/8/layout/hierarchy2"/>
     <dgm:cxn modelId="{4A4134EA-A3D7-4C1B-ACDC-46AA9917BCDD}" type="presOf" srcId="{11A98B92-DADE-41D5-81B0-62A8DE55A5E7}" destId="{F3362474-2E77-4A19-B2E4-9EC3357D46B5}" srcOrd="0" destOrd="0" presId="urn:microsoft.com/office/officeart/2005/8/layout/hierarchy2"/>
     <dgm:cxn modelId="{F7F556ED-F1E7-4E68-8CC7-F9AD6F6C43D2}" type="presOf" srcId="{ADD9DDB9-4079-4091-B0CE-94DBC35804BD}" destId="{52480BDC-BCC2-4E72-8A16-830D75BE6925}" srcOrd="1" destOrd="0" presId="urn:microsoft.com/office/officeart/2005/8/layout/hierarchy2"/>
-    <dgm:cxn modelId="{A1605CEE-F840-4B95-8C9F-F7957810DDF9}" srcId="{A2E650F6-5859-4304-92EC-AD3E74A92D51}" destId="{78B56529-23FA-43FB-8FFA-936A30404C3B}" srcOrd="0" destOrd="0" parTransId="{A03EACC3-AD48-498E-8212-090D9C8DCAFA}" sibTransId="{F7178802-96A7-4CCD-9BBB-65D74A7D5B70}"/>
-    <dgm:cxn modelId="{C2414CF8-9B43-43CC-A8E6-E2C4979C2FB8}" type="presOf" srcId="{A2E650F6-5859-4304-92EC-AD3E74A92D51}" destId="{9EFDDC3A-9C33-4737-A0F8-E78154EFF9FC}" srcOrd="0" destOrd="0" presId="urn:microsoft.com/office/officeart/2005/8/layout/hierarchy2"/>
-    <dgm:cxn modelId="{DF8EDBFD-D387-4E7B-9DEB-CBD4A6037895}" type="presOf" srcId="{A03EACC3-AD48-498E-8212-090D9C8DCAFA}" destId="{B18F04F0-C28B-4403-BA5D-BEF1C771B840}" srcOrd="1" destOrd="0" presId="urn:microsoft.com/office/officeart/2005/8/layout/hierarchy2"/>
     <dgm:cxn modelId="{C2E7FC2B-CC55-43B6-9070-66C3E0B3685D}" type="presParOf" srcId="{DDCE1521-E989-47F1-A5B2-5B86F9670A2B}" destId="{58A2B6E5-0DE2-44B8-81B0-F96536AB3456}" srcOrd="0" destOrd="0" presId="urn:microsoft.com/office/officeart/2005/8/layout/hierarchy2"/>
     <dgm:cxn modelId="{A4ACDC6C-C092-4B4F-A57F-2FDBC69E78D5}" type="presParOf" srcId="{58A2B6E5-0DE2-44B8-81B0-F96536AB3456}" destId="{19DEEBA7-D2D3-4482-9B74-71AD86BEC26C}" srcOrd="0" destOrd="0" presId="urn:microsoft.com/office/officeart/2005/8/layout/hierarchy2"/>
     <dgm:cxn modelId="{F8DCE309-A728-4B8E-8BD2-4F25E53C2001}" type="presParOf" srcId="{58A2B6E5-0DE2-44B8-81B0-F96536AB3456}" destId="{84E9CF47-E706-4B92-B3AF-D24A6C21167E}" srcOrd="1" destOrd="0" presId="urn:microsoft.com/office/officeart/2005/8/layout/hierarchy2"/>
-    <dgm:cxn modelId="{A5B8AAE5-4217-4281-AA20-0E2C70301670}" type="presParOf" srcId="{84E9CF47-E706-4B92-B3AF-D24A6C21167E}" destId="{040A419A-1C2A-4950-BC01-CA98B900F5CA}" srcOrd="0" destOrd="0" presId="urn:microsoft.com/office/officeart/2005/8/layout/hierarchy2"/>
-    <dgm:cxn modelId="{C370B09B-D69D-4E31-8E74-BF7F747BA9B4}" type="presParOf" srcId="{040A419A-1C2A-4950-BC01-CA98B900F5CA}" destId="{A7D7F88A-08DB-4838-BF59-7C0D22760E68}" srcOrd="0" destOrd="0" presId="urn:microsoft.com/office/officeart/2005/8/layout/hierarchy2"/>
-    <dgm:cxn modelId="{DEBBFACA-A1C5-4C41-89B8-EAA92AEAE4E4}" type="presParOf" srcId="{84E9CF47-E706-4B92-B3AF-D24A6C21167E}" destId="{E07EC747-B6EA-4619-8DB7-726E5008D54E}" srcOrd="1" destOrd="0" presId="urn:microsoft.com/office/officeart/2005/8/layout/hierarchy2"/>
-    <dgm:cxn modelId="{17D10CF3-5710-4DDC-977F-82C2059764CD}" type="presParOf" srcId="{E07EC747-B6EA-4619-8DB7-726E5008D54E}" destId="{9EFDDC3A-9C33-4737-A0F8-E78154EFF9FC}" srcOrd="0" destOrd="0" presId="urn:microsoft.com/office/officeart/2005/8/layout/hierarchy2"/>
-    <dgm:cxn modelId="{B546AF46-A492-40FE-83A7-52F8B88AF42D}" type="presParOf" srcId="{E07EC747-B6EA-4619-8DB7-726E5008D54E}" destId="{6E886A2C-973D-4493-98C1-94A1C803C120}" srcOrd="1" destOrd="0" presId="urn:microsoft.com/office/officeart/2005/8/layout/hierarchy2"/>
-    <dgm:cxn modelId="{ED6971D1-3155-4754-8A4C-C544E750D77F}" type="presParOf" srcId="{6E886A2C-973D-4493-98C1-94A1C803C120}" destId="{7C48FAAC-D41B-475A-90C8-E8B9B366B145}" srcOrd="0" destOrd="0" presId="urn:microsoft.com/office/officeart/2005/8/layout/hierarchy2"/>
-    <dgm:cxn modelId="{ED402D9B-67E0-45E7-A527-C489E28B3A29}" type="presParOf" srcId="{7C48FAAC-D41B-475A-90C8-E8B9B366B145}" destId="{B18F04F0-C28B-4403-BA5D-BEF1C771B840}" srcOrd="0" destOrd="0" presId="urn:microsoft.com/office/officeart/2005/8/layout/hierarchy2"/>
-    <dgm:cxn modelId="{9EFF0A49-B2B8-4C49-899F-9FD1AD35F7F0}" type="presParOf" srcId="{6E886A2C-973D-4493-98C1-94A1C803C120}" destId="{1D37A7BE-78E1-4399-998E-2E7D62D91C4E}" srcOrd="1" destOrd="0" presId="urn:microsoft.com/office/officeart/2005/8/layout/hierarchy2"/>
-    <dgm:cxn modelId="{7A19E52D-8CE8-4357-ADCD-9949053D9A72}" type="presParOf" srcId="{1D37A7BE-78E1-4399-998E-2E7D62D91C4E}" destId="{4D8CDD9D-27DF-417B-937A-8E2B55A3BD5D}" srcOrd="0" destOrd="0" presId="urn:microsoft.com/office/officeart/2005/8/layout/hierarchy2"/>
-    <dgm:cxn modelId="{22E68024-A9B0-4F6F-8B03-CC858CB7182B}" type="presParOf" srcId="{1D37A7BE-78E1-4399-998E-2E7D62D91C4E}" destId="{08355A85-08A6-408C-9A50-02A67A0BDFD5}" srcOrd="1" destOrd="0" presId="urn:microsoft.com/office/officeart/2005/8/layout/hierarchy2"/>
-    <dgm:cxn modelId="{45EC86EF-A698-469F-8FDE-C5A86F52CEC7}" type="presParOf" srcId="{84E9CF47-E706-4B92-B3AF-D24A6C21167E}" destId="{8E767A21-1AEE-418C-BE95-F3B9BD27F69F}" srcOrd="2" destOrd="0" presId="urn:microsoft.com/office/officeart/2005/8/layout/hierarchy2"/>
+    <dgm:cxn modelId="{45EC86EF-A698-469F-8FDE-C5A86F52CEC7}" type="presParOf" srcId="{84E9CF47-E706-4B92-B3AF-D24A6C21167E}" destId="{8E767A21-1AEE-418C-BE95-F3B9BD27F69F}" srcOrd="0" destOrd="0" presId="urn:microsoft.com/office/officeart/2005/8/layout/hierarchy2"/>
     <dgm:cxn modelId="{EDF98A92-9D01-4805-8F40-C0824E3FFC3F}" type="presParOf" srcId="{8E767A21-1AEE-418C-BE95-F3B9BD27F69F}" destId="{9643AF14-A175-4031-B5C7-62BE8255DE86}" srcOrd="0" destOrd="0" presId="urn:microsoft.com/office/officeart/2005/8/layout/hierarchy2"/>
-    <dgm:cxn modelId="{00557B1E-B874-47F1-AF41-44CE467F4F63}" type="presParOf" srcId="{84E9CF47-E706-4B92-B3AF-D24A6C21167E}" destId="{A09AF32A-22B1-4E1D-9C3E-6AF8B689EDBA}" srcOrd="3" destOrd="0" presId="urn:microsoft.com/office/officeart/2005/8/layout/hierarchy2"/>
+    <dgm:cxn modelId="{00557B1E-B874-47F1-AF41-44CE467F4F63}" type="presParOf" srcId="{84E9CF47-E706-4B92-B3AF-D24A6C21167E}" destId="{A09AF32A-22B1-4E1D-9C3E-6AF8B689EDBA}" srcOrd="1" destOrd="0" presId="urn:microsoft.com/office/officeart/2005/8/layout/hierarchy2"/>
     <dgm:cxn modelId="{0B3E2364-FF13-4611-931B-68D58D85B635}" type="presParOf" srcId="{A09AF32A-22B1-4E1D-9C3E-6AF8B689EDBA}" destId="{1D913089-5784-48A4-B037-243290CF5CB4}" srcOrd="0" destOrd="0" presId="urn:microsoft.com/office/officeart/2005/8/layout/hierarchy2"/>
     <dgm:cxn modelId="{C1FAE591-8887-4FDD-AD6B-9E2CD2220565}" type="presParOf" srcId="{A09AF32A-22B1-4E1D-9C3E-6AF8B689EDBA}" destId="{3F4E1CD6-B737-4987-8573-D5E73296DEFD}" srcOrd="1" destOrd="0" presId="urn:microsoft.com/office/officeart/2005/8/layout/hierarchy2"/>
     <dgm:cxn modelId="{52C0E1F1-F277-4125-82E5-82BC170AEDC7}" type="presParOf" srcId="{3F4E1CD6-B737-4987-8573-D5E73296DEFD}" destId="{8EC9FF1C-E0D1-4028-A445-FDA446EF5287}" srcOrd="0" destOrd="0" presId="urn:microsoft.com/office/officeart/2005/8/layout/hierarchy2"/>
@@ -6577,9 +6413,9 @@
     <dgm:cxn modelId="{45D455F8-D307-425A-AF06-7ABA765F0E9D}" type="presParOf" srcId="{3F4E1CD6-B737-4987-8573-D5E73296DEFD}" destId="{4C7B0EB1-F2AF-4FC9-9C72-A6D36B7D0246}" srcOrd="1" destOrd="0" presId="urn:microsoft.com/office/officeart/2005/8/layout/hierarchy2"/>
     <dgm:cxn modelId="{795831D0-07E0-415B-AFD4-54F500D517C2}" type="presParOf" srcId="{4C7B0EB1-F2AF-4FC9-9C72-A6D36B7D0246}" destId="{2706A1E3-9957-4987-9586-8A0B5C4BF415}" srcOrd="0" destOrd="0" presId="urn:microsoft.com/office/officeart/2005/8/layout/hierarchy2"/>
     <dgm:cxn modelId="{BDC3E4CC-AAFB-482F-9E65-5ADAB078DD2B}" type="presParOf" srcId="{4C7B0EB1-F2AF-4FC9-9C72-A6D36B7D0246}" destId="{9B6B7585-2171-4D1F-A5B4-BF853230A91B}" srcOrd="1" destOrd="0" presId="urn:microsoft.com/office/officeart/2005/8/layout/hierarchy2"/>
-    <dgm:cxn modelId="{0823AA5F-CFB1-4542-872B-587BDC63149C}" type="presParOf" srcId="{84E9CF47-E706-4B92-B3AF-D24A6C21167E}" destId="{9398E14D-D410-4C6A-9AFD-097EE0EC9E32}" srcOrd="4" destOrd="0" presId="urn:microsoft.com/office/officeart/2005/8/layout/hierarchy2"/>
+    <dgm:cxn modelId="{0823AA5F-CFB1-4542-872B-587BDC63149C}" type="presParOf" srcId="{84E9CF47-E706-4B92-B3AF-D24A6C21167E}" destId="{9398E14D-D410-4C6A-9AFD-097EE0EC9E32}" srcOrd="2" destOrd="0" presId="urn:microsoft.com/office/officeart/2005/8/layout/hierarchy2"/>
     <dgm:cxn modelId="{40ABF7CD-7888-4A99-A90D-B52E1E78B316}" type="presParOf" srcId="{9398E14D-D410-4C6A-9AFD-097EE0EC9E32}" destId="{D782CC0E-32A0-49A1-A6C1-502AC7D2D683}" srcOrd="0" destOrd="0" presId="urn:microsoft.com/office/officeart/2005/8/layout/hierarchy2"/>
-    <dgm:cxn modelId="{498729B2-94E9-4883-9CB4-7312D747D343}" type="presParOf" srcId="{84E9CF47-E706-4B92-B3AF-D24A6C21167E}" destId="{61456BE9-043E-4DD4-8301-5BD684BCF7C9}" srcOrd="5" destOrd="0" presId="urn:microsoft.com/office/officeart/2005/8/layout/hierarchy2"/>
+    <dgm:cxn modelId="{498729B2-94E9-4883-9CB4-7312D747D343}" type="presParOf" srcId="{84E9CF47-E706-4B92-B3AF-D24A6C21167E}" destId="{61456BE9-043E-4DD4-8301-5BD684BCF7C9}" srcOrd="3" destOrd="0" presId="urn:microsoft.com/office/officeart/2005/8/layout/hierarchy2"/>
     <dgm:cxn modelId="{1D32A15B-7C0E-48BF-846C-D2126CE1A7F4}" type="presParOf" srcId="{61456BE9-043E-4DD4-8301-5BD684BCF7C9}" destId="{82D92555-7C08-4884-9C8C-111E81E7EA14}" srcOrd="0" destOrd="0" presId="urn:microsoft.com/office/officeart/2005/8/layout/hierarchy2"/>
     <dgm:cxn modelId="{B2A931AE-802B-4EA5-9621-00E927479192}" type="presParOf" srcId="{61456BE9-043E-4DD4-8301-5BD684BCF7C9}" destId="{9183F6A0-54C4-417F-9F09-89A5F10156B3}" srcOrd="1" destOrd="0" presId="urn:microsoft.com/office/officeart/2005/8/layout/hierarchy2"/>
     <dgm:cxn modelId="{890D1919-CD8B-4380-87A5-B87AFDDC29E7}" type="presParOf" srcId="{9183F6A0-54C4-417F-9F09-89A5F10156B3}" destId="{EDF46D59-E019-4A32-A2D6-D34E0D5F2A4B}" srcOrd="0" destOrd="0" presId="urn:microsoft.com/office/officeart/2005/8/layout/hierarchy2"/>
@@ -8715,15 +8551,15 @@
         <a:ext cx="1573496" cy="763010"/>
       </dsp:txXfrm>
     </dsp:sp>
-    <dsp:sp modelId="{040A419A-1C2A-4950-BC01-CA98B900F5CA}">
+    <dsp:sp modelId="{8E767A21-1AEE-418C-BE95-F3B9BD27F69F}">
       <dsp:nvSpPr>
         <dsp:cNvPr id="0" name=""/>
         <dsp:cNvSpPr/>
       </dsp:nvSpPr>
       <dsp:spPr>
-        <a:xfrm rot="18289469">
-          <a:off x="1381137" y="2188913"/>
-          <a:ext cx="1135404" cy="27333"/>
+        <a:xfrm rot="19457599">
+          <a:off x="1549592" y="2421928"/>
+          <a:ext cx="798493" cy="27333"/>
         </a:xfrm>
         <a:custGeom>
           <a:avLst/>
@@ -8737,7 +8573,7 @@
                 <a:pt x="0" y="13666"/>
               </a:moveTo>
               <a:lnTo>
-                <a:pt x="1135404" y="13666"/>
+                <a:pt x="798493" y="13666"/>
               </a:lnTo>
             </a:path>
           </a:pathLst>
@@ -8791,353 +8627,8 @@
         </a:p>
       </dsp:txBody>
       <dsp:txXfrm>
-        <a:off x="1920454" y="2174195"/>
-        <a:ext cx="56770" cy="56770"/>
-      </dsp:txXfrm>
-    </dsp:sp>
-    <dsp:sp modelId="{9EFDDC3A-9C33-4737-A0F8-E78154EFF9FC}">
-      <dsp:nvSpPr>
-        <dsp:cNvPr id="0" name=""/>
-        <dsp:cNvSpPr/>
-      </dsp:nvSpPr>
-      <dsp:spPr>
-        <a:xfrm>
-          <a:off x="2273033" y="1331308"/>
-          <a:ext cx="1620972" cy="810486"/>
-        </a:xfrm>
-        <a:prstGeom prst="roundRect">
-          <a:avLst>
-            <a:gd name="adj" fmla="val 10000"/>
-          </a:avLst>
-        </a:prstGeom>
-        <a:solidFill>
-          <a:schemeClr val="accent2">
-            <a:tint val="99000"/>
-            <a:hueOff val="0"/>
-            <a:satOff val="0"/>
-            <a:lumOff val="0"/>
-            <a:alphaOff val="0"/>
-          </a:schemeClr>
-        </a:solidFill>
-        <a:ln w="12700" cap="flat" cmpd="sng" algn="ctr">
-          <a:solidFill>
-            <a:schemeClr val="lt1">
-              <a:hueOff val="0"/>
-              <a:satOff val="0"/>
-              <a:lumOff val="0"/>
-              <a:alphaOff val="0"/>
-            </a:schemeClr>
-          </a:solidFill>
-          <a:prstDash val="solid"/>
-        </a:ln>
-        <a:effectLst/>
-      </dsp:spPr>
-      <dsp:style>
-        <a:lnRef idx="2">
-          <a:scrgbClr r="0" g="0" b="0"/>
-        </a:lnRef>
-        <a:fillRef idx="1">
-          <a:scrgbClr r="0" g="0" b="0"/>
-        </a:fillRef>
-        <a:effectRef idx="0">
-          <a:scrgbClr r="0" g="0" b="0"/>
-        </a:effectRef>
-        <a:fontRef idx="minor">
-          <a:schemeClr val="lt1"/>
-        </a:fontRef>
-      </dsp:style>
-      <dsp:txBody>
-        <a:bodyPr spcFirstLastPara="0" vert="horz" wrap="square" lIns="8255" tIns="8255" rIns="8255" bIns="8255" numCol="1" spcCol="1270" anchor="ctr" anchorCtr="0">
-          <a:noAutofit/>
-        </a:bodyPr>
-        <a:lstStyle/>
-        <a:p>
-          <a:pPr marL="0" lvl="0" indent="0" algn="ctr" defTabSz="577850">
-            <a:lnSpc>
-              <a:spcPct val="90000"/>
-            </a:lnSpc>
-            <a:spcBef>
-              <a:spcPct val="0"/>
-            </a:spcBef>
-            <a:spcAft>
-              <a:spcPct val="35000"/>
-            </a:spcAft>
-            <a:buNone/>
-          </a:pPr>
-          <a:r>
-            <a:rPr lang="fr-FR" sz="1300" kern="1200" dirty="0"/>
-            <a:t>Pas de </a:t>
-          </a:r>
-          <a:r>
-            <a:rPr lang="fr-FR" sz="1300" kern="1200" dirty="0" err="1"/>
-            <a:t>User_id</a:t>
-          </a:r>
-          <a:r>
-            <a:rPr lang="fr-FR" sz="1300" kern="1200" dirty="0"/>
-            <a:t> </a:t>
-          </a:r>
-        </a:p>
-      </dsp:txBody>
-      <dsp:txXfrm>
-        <a:off x="2296771" y="1355046"/>
-        <a:ext cx="1573496" cy="763010"/>
-      </dsp:txXfrm>
-    </dsp:sp>
-    <dsp:sp modelId="{7C48FAAC-D41B-475A-90C8-E8B9B366B145}">
-      <dsp:nvSpPr>
-        <dsp:cNvPr id="0" name=""/>
-        <dsp:cNvSpPr/>
-      </dsp:nvSpPr>
-      <dsp:spPr>
-        <a:xfrm>
-          <a:off x="3894006" y="1722884"/>
-          <a:ext cx="648388" cy="27333"/>
-        </a:xfrm>
-        <a:custGeom>
-          <a:avLst/>
-          <a:gdLst/>
-          <a:ahLst/>
-          <a:cxnLst/>
-          <a:rect l="0" t="0" r="0" b="0"/>
-          <a:pathLst>
-            <a:path>
-              <a:moveTo>
-                <a:pt x="0" y="13666"/>
-              </a:moveTo>
-              <a:lnTo>
-                <a:pt x="648388" y="13666"/>
-              </a:lnTo>
-            </a:path>
-          </a:pathLst>
-        </a:custGeom>
-        <a:noFill/>
-        <a:ln w="12700" cap="flat" cmpd="sng" algn="ctr">
-          <a:solidFill>
-            <a:schemeClr val="accent2">
-              <a:tint val="80000"/>
-              <a:hueOff val="0"/>
-              <a:satOff val="0"/>
-              <a:lumOff val="0"/>
-              <a:alphaOff val="0"/>
-            </a:schemeClr>
-          </a:solidFill>
-          <a:prstDash val="solid"/>
-        </a:ln>
-        <a:effectLst/>
-      </dsp:spPr>
-      <dsp:style>
-        <a:lnRef idx="2">
-          <a:scrgbClr r="0" g="0" b="0"/>
-        </a:lnRef>
-        <a:fillRef idx="0">
-          <a:scrgbClr r="0" g="0" b="0"/>
-        </a:fillRef>
-        <a:effectRef idx="0">
-          <a:scrgbClr r="0" g="0" b="0"/>
-        </a:effectRef>
-        <a:fontRef idx="minor"/>
-      </dsp:style>
-      <dsp:txBody>
-        <a:bodyPr spcFirstLastPara="0" vert="horz" wrap="square" lIns="12700" tIns="0" rIns="12700" bIns="0" numCol="1" spcCol="1270" anchor="ctr" anchorCtr="0">
-          <a:noAutofit/>
-        </a:bodyPr>
-        <a:lstStyle/>
-        <a:p>
-          <a:pPr marL="0" lvl="0" indent="0" algn="ctr" defTabSz="222250">
-            <a:lnSpc>
-              <a:spcPct val="90000"/>
-            </a:lnSpc>
-            <a:spcBef>
-              <a:spcPct val="0"/>
-            </a:spcBef>
-            <a:spcAft>
-              <a:spcPct val="35000"/>
-            </a:spcAft>
-            <a:buNone/>
-          </a:pPr>
-          <a:endParaRPr lang="fr-FR" sz="500" kern="1200"/>
-        </a:p>
-      </dsp:txBody>
-      <dsp:txXfrm>
-        <a:off x="4201991" y="1720341"/>
-        <a:ext cx="32419" cy="32419"/>
-      </dsp:txXfrm>
-    </dsp:sp>
-    <dsp:sp modelId="{4D8CDD9D-27DF-417B-937A-8E2B55A3BD5D}">
-      <dsp:nvSpPr>
-        <dsp:cNvPr id="0" name=""/>
-        <dsp:cNvSpPr/>
-      </dsp:nvSpPr>
-      <dsp:spPr>
-        <a:xfrm>
-          <a:off x="4542395" y="1331308"/>
-          <a:ext cx="2419512" cy="810486"/>
-        </a:xfrm>
-        <a:prstGeom prst="roundRect">
-          <a:avLst>
-            <a:gd name="adj" fmla="val 10000"/>
-          </a:avLst>
-        </a:prstGeom>
-        <a:solidFill>
-          <a:schemeClr val="accent2">
-            <a:tint val="80000"/>
-            <a:hueOff val="0"/>
-            <a:satOff val="0"/>
-            <a:lumOff val="0"/>
-            <a:alphaOff val="0"/>
-          </a:schemeClr>
-        </a:solidFill>
-        <a:ln w="12700" cap="flat" cmpd="sng" algn="ctr">
-          <a:solidFill>
-            <a:schemeClr val="lt1">
-              <a:hueOff val="0"/>
-              <a:satOff val="0"/>
-              <a:lumOff val="0"/>
-              <a:alphaOff val="0"/>
-            </a:schemeClr>
-          </a:solidFill>
-          <a:prstDash val="solid"/>
-        </a:ln>
-        <a:effectLst/>
-      </dsp:spPr>
-      <dsp:style>
-        <a:lnRef idx="2">
-          <a:scrgbClr r="0" g="0" b="0"/>
-        </a:lnRef>
-        <a:fillRef idx="1">
-          <a:scrgbClr r="0" g="0" b="0"/>
-        </a:fillRef>
-        <a:effectRef idx="0">
-          <a:scrgbClr r="0" g="0" b="0"/>
-        </a:effectRef>
-        <a:fontRef idx="minor">
-          <a:schemeClr val="lt1"/>
-        </a:fontRef>
-      </dsp:style>
-      <dsp:txBody>
-        <a:bodyPr spcFirstLastPara="0" vert="horz" wrap="square" lIns="8255" tIns="8255" rIns="8255" bIns="8255" numCol="1" spcCol="1270" anchor="ctr" anchorCtr="0">
-          <a:noAutofit/>
-        </a:bodyPr>
-        <a:lstStyle/>
-        <a:p>
-          <a:pPr marL="0" lvl="0" indent="0" algn="ctr" defTabSz="577850">
-            <a:lnSpc>
-              <a:spcPct val="90000"/>
-            </a:lnSpc>
-            <a:spcBef>
-              <a:spcPct val="0"/>
-            </a:spcBef>
-            <a:spcAft>
-              <a:spcPct val="35000"/>
-            </a:spcAft>
-            <a:buNone/>
-          </a:pPr>
-          <a:r>
-            <a:rPr lang="en-US" sz="1300" kern="1200" dirty="0"/>
-            <a:t>"Pass a user id in the </a:t>
-          </a:r>
-          <a:r>
-            <a:rPr lang="en-US" sz="1300" kern="1200" dirty="0" err="1"/>
-            <a:t>url</a:t>
-          </a:r>
-          <a:r>
-            <a:rPr lang="en-US" sz="1300" kern="1200" dirty="0"/>
-            <a:t> binding for a </a:t>
-          </a:r>
-          <a:r>
-            <a:rPr lang="en-US" sz="1300" kern="1200" dirty="0" err="1"/>
-            <a:t>recommandation</a:t>
-          </a:r>
-          <a:r>
-            <a:rPr lang="en-US" sz="1300" kern="1200" dirty="0"/>
-            <a:t>"</a:t>
-          </a:r>
-          <a:endParaRPr lang="fr-FR" sz="1300" kern="1200" dirty="0"/>
-        </a:p>
-      </dsp:txBody>
-      <dsp:txXfrm>
-        <a:off x="4566133" y="1355046"/>
-        <a:ext cx="2372036" cy="763010"/>
-      </dsp:txXfrm>
-    </dsp:sp>
-    <dsp:sp modelId="{8E767A21-1AEE-418C-BE95-F3B9BD27F69F}">
-      <dsp:nvSpPr>
-        <dsp:cNvPr id="0" name=""/>
-        <dsp:cNvSpPr/>
-      </dsp:nvSpPr>
-      <dsp:spPr>
-        <a:xfrm>
-          <a:off x="1624644" y="2654943"/>
-          <a:ext cx="648388" cy="27333"/>
-        </a:xfrm>
-        <a:custGeom>
-          <a:avLst/>
-          <a:gdLst/>
-          <a:ahLst/>
-          <a:cxnLst/>
-          <a:rect l="0" t="0" r="0" b="0"/>
-          <a:pathLst>
-            <a:path>
-              <a:moveTo>
-                <a:pt x="0" y="13666"/>
-              </a:moveTo>
-              <a:lnTo>
-                <a:pt x="648388" y="13666"/>
-              </a:lnTo>
-            </a:path>
-          </a:pathLst>
-        </a:custGeom>
-        <a:noFill/>
-        <a:ln w="12700" cap="flat" cmpd="sng" algn="ctr">
-          <a:solidFill>
-            <a:schemeClr val="accent2">
-              <a:tint val="99000"/>
-              <a:hueOff val="0"/>
-              <a:satOff val="0"/>
-              <a:lumOff val="0"/>
-              <a:alphaOff val="0"/>
-            </a:schemeClr>
-          </a:solidFill>
-          <a:prstDash val="solid"/>
-        </a:ln>
-        <a:effectLst/>
-      </dsp:spPr>
-      <dsp:style>
-        <a:lnRef idx="2">
-          <a:scrgbClr r="0" g="0" b="0"/>
-        </a:lnRef>
-        <a:fillRef idx="0">
-          <a:scrgbClr r="0" g="0" b="0"/>
-        </a:fillRef>
-        <a:effectRef idx="0">
-          <a:scrgbClr r="0" g="0" b="0"/>
-        </a:effectRef>
-        <a:fontRef idx="minor"/>
-      </dsp:style>
-      <dsp:txBody>
-        <a:bodyPr spcFirstLastPara="0" vert="horz" wrap="square" lIns="12700" tIns="0" rIns="12700" bIns="0" numCol="1" spcCol="1270" anchor="ctr" anchorCtr="0">
-          <a:noAutofit/>
-        </a:bodyPr>
-        <a:lstStyle/>
-        <a:p>
-          <a:pPr marL="0" lvl="0" indent="0" algn="ctr" defTabSz="222250">
-            <a:lnSpc>
-              <a:spcPct val="90000"/>
-            </a:lnSpc>
-            <a:spcBef>
-              <a:spcPct val="0"/>
-            </a:spcBef>
-            <a:spcAft>
-              <a:spcPct val="35000"/>
-            </a:spcAft>
-            <a:buNone/>
-          </a:pPr>
-          <a:endParaRPr lang="fr-FR" sz="500" kern="1200"/>
-        </a:p>
-      </dsp:txBody>
-      <dsp:txXfrm>
-        <a:off x="1932629" y="2652400"/>
-        <a:ext cx="32419" cy="32419"/>
+        <a:off x="1928877" y="2415633"/>
+        <a:ext cx="39924" cy="39924"/>
       </dsp:txXfrm>
     </dsp:sp>
     <dsp:sp modelId="{1D913089-5784-48A4-B037-243290CF5CB4}">
@@ -9147,7 +8638,7 @@
       </dsp:nvSpPr>
       <dsp:spPr>
         <a:xfrm>
-          <a:off x="2273033" y="2263367"/>
+          <a:off x="2273033" y="1797337"/>
           <a:ext cx="1620972" cy="810486"/>
         </a:xfrm>
         <a:prstGeom prst="roundRect">
@@ -9220,7 +8711,7 @@
         </a:p>
       </dsp:txBody>
       <dsp:txXfrm>
-        <a:off x="2296771" y="2287105"/>
+        <a:off x="2296771" y="1821075"/>
         <a:ext cx="1573496" cy="763010"/>
       </dsp:txXfrm>
     </dsp:sp>
@@ -9231,7 +8722,7 @@
       </dsp:nvSpPr>
       <dsp:spPr>
         <a:xfrm>
-          <a:off x="3894006" y="2654943"/>
+          <a:off x="3894006" y="2188913"/>
           <a:ext cx="648388" cy="27333"/>
         </a:xfrm>
         <a:custGeom>
@@ -9300,7 +8791,7 @@
         </a:p>
       </dsp:txBody>
       <dsp:txXfrm>
-        <a:off x="4201991" y="2652400"/>
+        <a:off x="4201991" y="2186371"/>
         <a:ext cx="32419" cy="32419"/>
       </dsp:txXfrm>
     </dsp:sp>
@@ -9311,7 +8802,7 @@
       </dsp:nvSpPr>
       <dsp:spPr>
         <a:xfrm>
-          <a:off x="4542395" y="2263367"/>
+          <a:off x="4542395" y="1797337"/>
           <a:ext cx="1620972" cy="810486"/>
         </a:xfrm>
         <a:prstGeom prst="roundRect">
@@ -9381,7 +8872,7 @@
         </a:p>
       </dsp:txBody>
       <dsp:txXfrm>
-        <a:off x="4566133" y="2287105"/>
+        <a:off x="4566133" y="1821075"/>
         <a:ext cx="1573496" cy="763010"/>
       </dsp:txXfrm>
     </dsp:sp>
@@ -9391,9 +8882,9 @@
         <dsp:cNvSpPr/>
       </dsp:nvSpPr>
       <dsp:spPr>
-        <a:xfrm rot="3310531">
-          <a:off x="1381137" y="3120973"/>
-          <a:ext cx="1135404" cy="27333"/>
+        <a:xfrm rot="2142401">
+          <a:off x="1549592" y="2887958"/>
+          <a:ext cx="798493" cy="27333"/>
         </a:xfrm>
         <a:custGeom>
           <a:avLst/>
@@ -9407,7 +8898,7 @@
                 <a:pt x="0" y="13666"/>
               </a:moveTo>
               <a:lnTo>
-                <a:pt x="1135404" y="13666"/>
+                <a:pt x="798493" y="13666"/>
               </a:lnTo>
             </a:path>
           </a:pathLst>
@@ -9461,8 +8952,8 @@
         </a:p>
       </dsp:txBody>
       <dsp:txXfrm>
-        <a:off x="1920454" y="3106254"/>
-        <a:ext cx="56770" cy="56770"/>
+        <a:off x="1928877" y="2881662"/>
+        <a:ext cx="39924" cy="39924"/>
       </dsp:txXfrm>
     </dsp:sp>
     <dsp:sp modelId="{82D92555-7C08-4884-9C8C-111E81E7EA14}">
@@ -9472,7 +8963,7 @@
       </dsp:nvSpPr>
       <dsp:spPr>
         <a:xfrm>
-          <a:off x="2273033" y="3195426"/>
+          <a:off x="2273033" y="2729396"/>
           <a:ext cx="1620972" cy="810486"/>
         </a:xfrm>
         <a:prstGeom prst="roundRect">
@@ -9545,7 +9036,7 @@
         </a:p>
       </dsp:txBody>
       <dsp:txXfrm>
-        <a:off x="2296771" y="3219164"/>
+        <a:off x="2296771" y="2753134"/>
         <a:ext cx="1573496" cy="763010"/>
       </dsp:txXfrm>
     </dsp:sp>
@@ -9556,7 +9047,7 @@
       </dsp:nvSpPr>
       <dsp:spPr>
         <a:xfrm>
-          <a:off x="3894006" y="3587002"/>
+          <a:off x="3894006" y="3120973"/>
           <a:ext cx="648388" cy="27333"/>
         </a:xfrm>
         <a:custGeom>
@@ -9625,7 +9116,7 @@
         </a:p>
       </dsp:txBody>
       <dsp:txXfrm>
-        <a:off x="4201991" y="3584459"/>
+        <a:off x="4201991" y="3118430"/>
         <a:ext cx="32419" cy="32419"/>
       </dsp:txXfrm>
     </dsp:sp>
@@ -9636,7 +9127,7 @@
       </dsp:nvSpPr>
       <dsp:spPr>
         <a:xfrm>
-          <a:off x="4542395" y="3195426"/>
+          <a:off x="4542395" y="2729396"/>
           <a:ext cx="1620972" cy="810486"/>
         </a:xfrm>
         <a:prstGeom prst="roundRect">
@@ -9705,7 +9196,7 @@
         </a:p>
       </dsp:txBody>
       <dsp:txXfrm>
-        <a:off x="4566133" y="3219164"/>
+        <a:off x="4566133" y="2753134"/>
         <a:ext cx="1573496" cy="763010"/>
       </dsp:txXfrm>
     </dsp:sp>
@@ -9716,7 +9207,7 @@
       </dsp:nvSpPr>
       <dsp:spPr>
         <a:xfrm>
-          <a:off x="6163367" y="3587002"/>
+          <a:off x="6163367" y="3120973"/>
           <a:ext cx="648388" cy="27333"/>
         </a:xfrm>
         <a:custGeom>
@@ -9785,7 +9276,7 @@
         </a:p>
       </dsp:txBody>
       <dsp:txXfrm>
-        <a:off x="6471352" y="3584459"/>
+        <a:off x="6471352" y="3118430"/>
         <a:ext cx="32419" cy="32419"/>
       </dsp:txXfrm>
     </dsp:sp>
@@ -9796,7 +9287,7 @@
       </dsp:nvSpPr>
       <dsp:spPr>
         <a:xfrm>
-          <a:off x="6811756" y="3195426"/>
+          <a:off x="6811756" y="2729396"/>
           <a:ext cx="1620972" cy="810486"/>
         </a:xfrm>
         <a:prstGeom prst="roundRect">
@@ -9865,7 +9356,7 @@
         </a:p>
       </dsp:txBody>
       <dsp:txXfrm>
-        <a:off x="6835494" y="3219164"/>
+        <a:off x="6835494" y="2753134"/>
         <a:ext cx="1573496" cy="763010"/>
       </dsp:txXfrm>
     </dsp:sp>
@@ -9876,7 +9367,7 @@
       </dsp:nvSpPr>
       <dsp:spPr>
         <a:xfrm>
-          <a:off x="8432729" y="3587002"/>
+          <a:off x="8432729" y="3120973"/>
           <a:ext cx="648388" cy="27333"/>
         </a:xfrm>
         <a:custGeom>
@@ -9945,7 +9436,7 @@
         </a:p>
       </dsp:txBody>
       <dsp:txXfrm>
-        <a:off x="8740713" y="3584459"/>
+        <a:off x="8740713" y="3118430"/>
         <a:ext cx="32419" cy="32419"/>
       </dsp:txXfrm>
     </dsp:sp>
@@ -9956,7 +9447,7 @@
       </dsp:nvSpPr>
       <dsp:spPr>
         <a:xfrm>
-          <a:off x="9081118" y="3195426"/>
+          <a:off x="9081118" y="2729396"/>
           <a:ext cx="1620972" cy="810486"/>
         </a:xfrm>
         <a:prstGeom prst="roundRect">
@@ -10025,7 +9516,7 @@
         </a:p>
       </dsp:txBody>
       <dsp:txXfrm>
-        <a:off x="9104856" y="3219164"/>
+        <a:off x="9104856" y="2753134"/>
         <a:ext cx="1573496" cy="763010"/>
       </dsp:txXfrm>
     </dsp:sp>
@@ -17466,7 +16957,7 @@
             <a:pPr rtl="0"/>
             <a:fld id="{D541C455-0541-42CB-85F2-EF2EB726E407}" type="datetime1">
               <a:rPr lang="fr-FR" smtClean="0"/>
-              <a:t>29/11/2022</a:t>
+              <a:t>30/11/2022</a:t>
             </a:fld>
             <a:endParaRPr lang="en-US" dirty="0"/>
           </a:p>
@@ -17636,7 +17127,7 @@
             <a:pPr rtl="0"/>
             <a:fld id="{139F4AB6-716B-4E95-AAD2-DB349D9AC9BA}" type="datetime1">
               <a:rPr lang="fr-FR" smtClean="0"/>
-              <a:t>29/11/2022</a:t>
+              <a:t>30/11/2022</a:t>
             </a:fld>
             <a:endParaRPr lang="en-US"/>
           </a:p>
@@ -18381,7 +17872,7 @@
             <a:pPr rtl="0"/>
             <a:fld id="{43B6331D-8BD5-4AF5-97EE-8FB3C79FE924}" type="datetime1">
               <a:rPr lang="fr-FR" smtClean="0"/>
-              <a:t>29/11/2022</a:t>
+              <a:t>30/11/2022</a:t>
             </a:fld>
             <a:endParaRPr lang="en-US" dirty="0"/>
           </a:p>
@@ -18587,7 +18078,7 @@
             <a:pPr rtl="0"/>
             <a:fld id="{C09D1B91-EF9C-42FB-BBE2-597FDE1B14D7}" type="datetime1">
               <a:rPr lang="fr-FR" smtClean="0"/>
-              <a:t>29/11/2022</a:t>
+              <a:t>30/11/2022</a:t>
             </a:fld>
             <a:endParaRPr lang="en-US"/>
           </a:p>
@@ -18775,7 +18266,7 @@
             <a:pPr rtl="0"/>
             <a:fld id="{2F733226-97BF-4FE9-8F44-80542C0EB53C}" type="datetime1">
               <a:rPr lang="fr-FR" smtClean="0"/>
-              <a:t>29/11/2022</a:t>
+              <a:t>30/11/2022</a:t>
             </a:fld>
             <a:endParaRPr lang="en-US"/>
           </a:p>
@@ -18949,7 +18440,7 @@
             <a:pPr rtl="0"/>
             <a:fld id="{802FE938-1586-4780-B61A-DD3B60BAB93C}" type="datetime1">
               <a:rPr lang="fr-FR" smtClean="0"/>
-              <a:t>29/11/2022</a:t>
+              <a:t>30/11/2022</a:t>
             </a:fld>
             <a:endParaRPr lang="en-US"/>
           </a:p>
@@ -19552,7 +19043,7 @@
             <a:pPr rtl="0"/>
             <a:fld id="{57CE27EF-4081-4F92-AC85-8FD255C3955B}" type="datetime1">
               <a:rPr lang="fr-FR" smtClean="0"/>
-              <a:t>29/11/2022</a:t>
+              <a:t>30/11/2022</a:t>
             </a:fld>
             <a:endParaRPr lang="en-US" dirty="0"/>
           </a:p>
@@ -19876,7 +19367,7 @@
             <a:pPr rtl="0"/>
             <a:fld id="{22E52E25-1182-4E86-836C-7D703787597C}" type="datetime1">
               <a:rPr lang="fr-FR" smtClean="0"/>
-              <a:t>29/11/2022</a:t>
+              <a:t>30/11/2022</a:t>
             </a:fld>
             <a:endParaRPr lang="en-US"/>
           </a:p>
@@ -20317,7 +19808,7 @@
             <a:pPr rtl="0"/>
             <a:fld id="{007B49E2-AD49-4B10-A213-CF194D4A25A3}" type="datetime1">
               <a:rPr lang="fr-FR" smtClean="0"/>
-              <a:t>29/11/2022</a:t>
+              <a:t>30/11/2022</a:t>
             </a:fld>
             <a:endParaRPr lang="en-US"/>
           </a:p>
@@ -20439,7 +19930,7 @@
             <a:pPr rtl="0"/>
             <a:fld id="{25FB4F25-64BB-460E-8192-B4AC51BA66FC}" type="datetime1">
               <a:rPr lang="fr-FR" smtClean="0"/>
-              <a:t>29/11/2022</a:t>
+              <a:t>30/11/2022</a:t>
             </a:fld>
             <a:endParaRPr lang="en-US"/>
           </a:p>
@@ -20537,7 +20028,7 @@
             <a:pPr rtl="0"/>
             <a:fld id="{2BD66AC7-6890-4F0E-B000-A39D822B7C00}" type="datetime1">
               <a:rPr lang="fr-FR" smtClean="0"/>
-              <a:t>29/11/2022</a:t>
+              <a:t>30/11/2022</a:t>
             </a:fld>
             <a:endParaRPr lang="en-US"/>
           </a:p>
@@ -20958,7 +20449,7 @@
             <a:pPr rtl="0"/>
             <a:fld id="{F7B0F5FB-B743-44F1-84BA-99C248DB6023}" type="datetime1">
               <a:rPr lang="fr-FR" smtClean="0"/>
-              <a:t>29/11/2022</a:t>
+              <a:t>30/11/2022</a:t>
             </a:fld>
             <a:endParaRPr lang="en-US"/>
           </a:p>
@@ -21223,7 +20714,7 @@
             <a:pPr rtl="0"/>
             <a:fld id="{C80E5F3D-7A62-48B1-A43E-C6091B37429D}" type="datetime1">
               <a:rPr lang="fr-FR" smtClean="0"/>
-              <a:t>29/11/2022</a:t>
+              <a:t>30/11/2022</a:t>
             </a:fld>
             <a:endParaRPr lang="en-US" dirty="0"/>
           </a:p>
@@ -21743,7 +21234,7 @@
             <a:pPr rtl="0"/>
             <a:fld id="{020D9D58-8984-498B-A4DA-61EAC8A72DD8}" type="datetime1">
               <a:rPr lang="fr-FR" smtClean="0"/>
-              <a:t>29/11/2022</a:t>
+              <a:t>30/11/2022</a:t>
             </a:fld>
             <a:endParaRPr lang="en-US" dirty="0"/>
           </a:p>
@@ -22564,7 +22055,7 @@
                   <a:spcPts val="600"/>
                 </a:spcAft>
               </a:pPr>
-              <a:t>29/11/2022</a:t>
+              <a:t>30/11/2022</a:t>
             </a:fld>
             <a:endParaRPr lang="en-US"/>
           </a:p>
@@ -22697,221 +22188,6 @@
           <a:p>
             <a:pPr algn="ctr" rtl="0"/>
             <a:r>
-              <a:rPr lang="fr" dirty="0"/>
-              <a:t>III. Application Test</a:t>
-            </a:r>
-            <a:br>
-              <a:rPr lang="fr" dirty="0"/>
-            </a:br>
-            <a:r>
-              <a:rPr lang="fr" sz="2800" dirty="0"/>
-              <a:t>API</a:t>
-            </a:r>
-          </a:p>
-        </p:txBody>
-      </p:sp>
-      <p:sp>
-        <p:nvSpPr>
-          <p:cNvPr id="5" name="Espace réservé du contenu 4">
-            <a:extLst>
-              <a:ext uri="{FF2B5EF4-FFF2-40B4-BE49-F238E27FC236}">
-                <a16:creationId xmlns:a16="http://schemas.microsoft.com/office/drawing/2014/main" id="{50D5CC64-09C7-336D-A70D-192E8F3AD672}"/>
-              </a:ext>
-            </a:extLst>
-          </p:cNvPr>
-          <p:cNvSpPr>
-            <a:spLocks noGrp="1"/>
-          </p:cNvSpPr>
-          <p:nvPr>
-            <p:ph idx="1"/>
-          </p:nvPr>
-        </p:nvSpPr>
-        <p:spPr/>
-        <p:txBody>
-          <a:bodyPr/>
-          <a:lstStyle/>
-          <a:p>
-            <a:r>
-              <a:rPr lang="fr-FR" dirty="0"/>
-              <a:t>Pas de </a:t>
-            </a:r>
-            <a:r>
-              <a:rPr lang="fr-FR" dirty="0" err="1"/>
-              <a:t>User_id</a:t>
-            </a:r>
-            <a:r>
-              <a:rPr lang="fr-FR" dirty="0"/>
-              <a:t> :</a:t>
-            </a:r>
-          </a:p>
-          <a:p>
-            <a:pPr lvl="1"/>
-            <a:r>
-              <a:rPr lang="en-US" dirty="0"/>
-              <a:t>"</a:t>
-            </a:r>
-            <a:r>
-              <a:rPr lang="fr-FR" dirty="0"/>
-              <a:t>http </a:t>
-            </a:r>
-            <a:r>
-              <a:rPr lang="fr-FR" dirty="0" err="1"/>
-              <a:t>response</a:t>
-            </a:r>
-            <a:r>
-              <a:rPr lang="fr-FR" dirty="0"/>
-              <a:t> </a:t>
-            </a:r>
-            <a:r>
-              <a:rPr lang="fr-FR" dirty="0" err="1"/>
-              <a:t>successful</a:t>
-            </a:r>
-            <a:r>
-              <a:rPr lang="fr-FR" dirty="0"/>
-              <a:t> : </a:t>
-            </a:r>
-            <a:r>
-              <a:rPr lang="fr-FR" dirty="0" err="1"/>
-              <a:t>please</a:t>
-            </a:r>
-            <a:r>
-              <a:rPr lang="fr-FR" dirty="0"/>
-              <a:t> </a:t>
-            </a:r>
-            <a:r>
-              <a:rPr lang="fr-FR" dirty="0" err="1"/>
-              <a:t>provide</a:t>
-            </a:r>
-            <a:r>
-              <a:rPr lang="fr-FR" dirty="0"/>
-              <a:t> a user id to </a:t>
-            </a:r>
-            <a:r>
-              <a:rPr lang="fr-FR" dirty="0" err="1"/>
-              <a:t>obtain</a:t>
-            </a:r>
-            <a:r>
-              <a:rPr lang="fr-FR" dirty="0"/>
-              <a:t> a recommandation</a:t>
-            </a:r>
-            <a:r>
-              <a:rPr lang="en-US" dirty="0"/>
-              <a:t>"</a:t>
-            </a:r>
-            <a:endParaRPr lang="fr-FR" dirty="0"/>
-          </a:p>
-          <a:p>
-            <a:r>
-              <a:rPr lang="fr-FR" dirty="0" err="1"/>
-              <a:t>User_id</a:t>
-            </a:r>
-            <a:r>
-              <a:rPr lang="fr-FR" dirty="0"/>
-              <a:t> non reconnue :</a:t>
-            </a:r>
-          </a:p>
-          <a:p>
-            <a:pPr lvl="1"/>
-            <a:r>
-              <a:rPr lang="en-US" dirty="0"/>
-              <a:t>"Found no user with this id"</a:t>
-            </a:r>
-            <a:endParaRPr lang="fr-FR" dirty="0"/>
-          </a:p>
-          <a:p>
-            <a:r>
-              <a:rPr lang="fr-FR" dirty="0" err="1"/>
-              <a:t>User_id</a:t>
-            </a:r>
-            <a:r>
-              <a:rPr lang="fr-FR" dirty="0"/>
-              <a:t> reconnue</a:t>
-            </a:r>
-          </a:p>
-          <a:p>
-            <a:pPr lvl="1"/>
-            <a:r>
-              <a:rPr lang="fr-FR" dirty="0"/>
-              <a:t>Récupération des 5 meilleurs articles et calcul de l’article moyen</a:t>
-            </a:r>
-          </a:p>
-          <a:p>
-            <a:pPr lvl="1"/>
-            <a:r>
-              <a:rPr lang="fr-FR" dirty="0"/>
-              <a:t>Calcul des similarités</a:t>
-            </a:r>
-          </a:p>
-          <a:p>
-            <a:pPr lvl="1"/>
-            <a:endParaRPr lang="fr-FR" dirty="0"/>
-          </a:p>
-          <a:p>
-            <a:pPr lvl="1"/>
-            <a:endParaRPr lang="fr-FR" dirty="0"/>
-          </a:p>
-        </p:txBody>
-      </p:sp>
-    </p:spTree>
-    <p:extLst>
-      <p:ext uri="{BB962C8B-B14F-4D97-AF65-F5344CB8AC3E}">
-        <p14:creationId xmlns:p14="http://schemas.microsoft.com/office/powerpoint/2010/main" val="1638264871"/>
-      </p:ext>
-    </p:extLst>
-  </p:cSld>
-  <p:clrMapOvr>
-    <a:masterClrMapping/>
-  </p:clrMapOvr>
-</p:sld>
-</file>
-
-<file path=ppt/slides/slide12.xml><?xml version="1.0" encoding="utf-8"?>
-<p:sld xmlns:a="http://schemas.openxmlformats.org/drawingml/2006/main" xmlns:r="http://schemas.openxmlformats.org/officeDocument/2006/relationships" xmlns:p="http://schemas.openxmlformats.org/presentationml/2006/main">
-  <p:cSld>
-    <p:spTree>
-      <p:nvGrpSpPr>
-        <p:cNvPr id="1" name=""/>
-        <p:cNvGrpSpPr/>
-        <p:nvPr/>
-      </p:nvGrpSpPr>
-      <p:grpSpPr>
-        <a:xfrm>
-          <a:off x="0" y="0"/>
-          <a:ext cx="0" cy="0"/>
-          <a:chOff x="0" y="0"/>
-          <a:chExt cx="0" cy="0"/>
-        </a:xfrm>
-      </p:grpSpPr>
-      <p:sp>
-        <p:nvSpPr>
-          <p:cNvPr id="2" name="Titre 1">
-            <a:extLst>
-              <a:ext uri="{FF2B5EF4-FFF2-40B4-BE49-F238E27FC236}">
-                <a16:creationId xmlns:a16="http://schemas.microsoft.com/office/drawing/2014/main" id="{7A4919D0-F177-4BBA-9A0B-DBA69E2ED764}"/>
-              </a:ext>
-            </a:extLst>
-          </p:cNvPr>
-          <p:cNvSpPr>
-            <a:spLocks noGrp="1"/>
-          </p:cNvSpPr>
-          <p:nvPr>
-            <p:ph type="title"/>
-          </p:nvPr>
-        </p:nvSpPr>
-        <p:spPr>
-          <a:xfrm>
-            <a:off x="1066800" y="642594"/>
-            <a:ext cx="10058400" cy="1371600"/>
-          </a:xfrm>
-        </p:spPr>
-        <p:txBody>
-          <a:bodyPr rtlCol="0">
-            <a:normAutofit/>
-          </a:bodyPr>
-          <a:lstStyle/>
-          <a:p>
-            <a:pPr algn="ctr" rtl="0"/>
-            <a:r>
               <a:rPr lang="fr"/>
               <a:t>III. Application Test</a:t>
             </a:r>
@@ -22939,7 +22215,7 @@
           <p:nvPr>
             <p:extLst>
               <p:ext uri="{D42A27DB-BD31-4B8C-83A1-F6EECF244321}">
-                <p14:modId xmlns:p14="http://schemas.microsoft.com/office/powerpoint/2010/main" val="3390817326"/>
+                <p14:modId xmlns:p14="http://schemas.microsoft.com/office/powerpoint/2010/main" val="3312812578"/>
               </p:ext>
             </p:extLst>
           </p:nvPr>
@@ -22967,7 +22243,7 @@
 </p:sld>
 </file>
 
-<file path=ppt/slides/slide13.xml><?xml version="1.0" encoding="utf-8"?>
+<file path=ppt/slides/slide12.xml><?xml version="1.0" encoding="utf-8"?>
 <p:sld xmlns:a="http://schemas.openxmlformats.org/drawingml/2006/main" xmlns:r="http://schemas.openxmlformats.org/officeDocument/2006/relationships" xmlns:p="http://schemas.openxmlformats.org/presentationml/2006/main">
   <p:cSld>
     <p:spTree>
@@ -23092,7 +22368,7 @@
                   <a:spcPts val="600"/>
                 </a:spcAft>
               </a:pPr>
-              <a:t>29/11/2022</a:t>
+              <a:t>30/11/2022</a:t>
             </a:fld>
             <a:endParaRPr lang="en-US"/>
           </a:p>
@@ -23111,7 +22387,7 @@
 </p:sld>
 </file>
 
-<file path=ppt/slides/slide14.xml><?xml version="1.0" encoding="utf-8"?>
+<file path=ppt/slides/slide13.xml><?xml version="1.0" encoding="utf-8"?>
 <p:sld xmlns:a="http://schemas.openxmlformats.org/drawingml/2006/main" xmlns:r="http://schemas.openxmlformats.org/officeDocument/2006/relationships" xmlns:p="http://schemas.openxmlformats.org/presentationml/2006/main">
   <p:cSld>
     <p:spTree>
@@ -24456,7 +23732,7 @@
                   <a:spcPts val="600"/>
                 </a:spcAft>
               </a:pPr>
-              <a:t>29/11/2022</a:t>
+              <a:t>30/11/2022</a:t>
             </a:fld>
             <a:endParaRPr lang="en-US"/>
           </a:p>
@@ -24707,7 +23983,7 @@
                   <a:spcPts val="600"/>
                 </a:spcAft>
               </a:pPr>
-              <a:t>29/11/2022</a:t>
+              <a:t>30/11/2022</a:t>
             </a:fld>
             <a:endParaRPr lang="en-US"/>
           </a:p>
@@ -26167,7 +25443,7 @@
                   <a:spcPts val="600"/>
                 </a:spcAft>
               </a:pPr>
-              <a:t>29/11/2022</a:t>
+              <a:t>30/11/2022</a:t>
             </a:fld>
             <a:endParaRPr lang="en-US"/>
           </a:p>

--- a/Presentation.pptx
+++ b/Presentation.pptx
@@ -4503,10 +4503,10 @@
         <a:lstStyle/>
         <a:p>
           <a:r>
-            <a:rPr lang="fr-FR"/>
+            <a:rPr lang="fr-FR" dirty="0"/>
             <a:t>Validation : 20% des cliques les plus récents</a:t>
           </a:r>
-          <a:endParaRPr lang="en-US"/>
+          <a:endParaRPr lang="en-US" dirty="0"/>
         </a:p>
       </dgm:t>
     </dgm:pt>
@@ -4540,10 +4540,10 @@
         <a:lstStyle/>
         <a:p>
           <a:r>
-            <a:rPr lang="fr-FR"/>
+            <a:rPr lang="fr-FR" dirty="0"/>
             <a:t>Test des modèles :</a:t>
           </a:r>
-          <a:endParaRPr lang="en-US"/>
+          <a:endParaRPr lang="en-US" dirty="0"/>
         </a:p>
       </dgm:t>
     </dgm:pt>
@@ -4577,10 +4577,10 @@
         <a:lstStyle/>
         <a:p>
           <a:r>
-            <a:rPr lang="fr-FR" sz="1700"/>
+            <a:rPr lang="fr-FR" sz="1700" dirty="0"/>
             <a:t>Recommandation de 5 articles par utilisateur</a:t>
           </a:r>
-          <a:endParaRPr lang="en-US" sz="1700"/>
+          <a:endParaRPr lang="en-US" sz="1700" dirty="0"/>
         </a:p>
       </dgm:t>
     </dgm:pt>
@@ -4614,10 +4614,10 @@
         <a:lstStyle/>
         <a:p>
           <a:r>
-            <a:rPr lang="fr-FR" sz="1700"/>
-            <a:t>Précision de la recommandation : </a:t>
+            <a:rPr lang="fr-FR" sz="1700" dirty="0"/>
+            <a:t>Précision de la recommandation :</a:t>
           </a:r>
-          <a:endParaRPr lang="en-US" sz="1700"/>
+          <a:endParaRPr lang="en-US" sz="1700" dirty="0"/>
         </a:p>
       </dgm:t>
     </dgm:pt>
@@ -4725,10 +4725,10 @@
         <a:lstStyle/>
         <a:p>
           <a:r>
-            <a:rPr lang="fr-FR"/>
-            <a:t>Ayant lus au moins 5 articles dans le jeu de validation</a:t>
+            <a:rPr lang="fr-FR" dirty="0"/>
+            <a:t>Ayant lu au moins 5 articles dans le jeu de validation</a:t>
           </a:r>
-          <a:endParaRPr lang="en-US"/>
+          <a:endParaRPr lang="en-US" dirty="0"/>
         </a:p>
       </dgm:t>
     </dgm:pt>
@@ -4763,7 +4763,7 @@
         <a:p>
           <a:r>
             <a:rPr lang="fr-FR" dirty="0"/>
-            <a:t>Ayant lus au moins 1 articles dans le jeu d’entrainement</a:t>
+            <a:t>Ayant lu au moins 1 articles dans le jeu d’entrainement</a:t>
           </a:r>
           <a:endParaRPr lang="en-US" dirty="0"/>
         </a:p>
@@ -5175,10 +5175,18 @@
         <a:lstStyle/>
         <a:p>
           <a:r>
-            <a:rPr lang="fr-FR"/>
-            <a:t>Calcul des cosine-similarities entre article moyen et articles non lus</a:t>
+            <a:rPr lang="fr-FR" dirty="0"/>
+            <a:t>Calcul des </a:t>
           </a:r>
-          <a:endParaRPr lang="en-US"/>
+          <a:r>
+            <a:rPr lang="fr-FR" dirty="0" err="1"/>
+            <a:t>cosine-similarities</a:t>
+          </a:r>
+          <a:r>
+            <a:rPr lang="fr-FR" dirty="0"/>
+            <a:t> entre article moyen et articles non lus</a:t>
+          </a:r>
+          <a:endParaRPr lang="en-US" dirty="0"/>
         </a:p>
       </dgm:t>
     </dgm:pt>
@@ -5667,10 +5675,10 @@
         <a:lstStyle/>
         <a:p>
           <a:r>
-            <a:rPr lang="fr-FR" sz="2400"/>
-            <a:t>Paiement à l’utiisation</a:t>
+            <a:rPr lang="fr-FR" sz="2400" dirty="0"/>
+            <a:t>Paiement à l’utilisation</a:t>
           </a:r>
-          <a:endParaRPr lang="en-US" sz="2400"/>
+          <a:endParaRPr lang="en-US" sz="2400" dirty="0"/>
         </a:p>
       </dgm:t>
     </dgm:pt>
@@ -5987,7 +5995,7 @@
           </a:r>
           <a:r>
             <a:rPr lang="fr-FR" dirty="0"/>
-            <a:t> non reconnue </a:t>
+            <a:t> non reconnu </a:t>
           </a:r>
         </a:p>
       </dgm:t>
@@ -6064,7 +6072,7 @@
           </a:r>
           <a:r>
             <a:rPr lang="fr-FR" dirty="0"/>
-            <a:t> reconnue</a:t>
+            <a:t> reconnu</a:t>
           </a:r>
         </a:p>
       </dgm:t>
@@ -6949,10 +6957,10 @@
             <a:buChar char="•"/>
           </a:pPr>
           <a:r>
-            <a:rPr lang="fr-FR" sz="1700" kern="1200"/>
+            <a:rPr lang="fr-FR" sz="1700" kern="1200" dirty="0"/>
             <a:t>Validation : 20% des cliques les plus récents</a:t>
           </a:r>
-          <a:endParaRPr lang="en-US" sz="1700" kern="1200"/>
+          <a:endParaRPr lang="en-US" sz="1700" kern="1200" dirty="0"/>
         </a:p>
       </dsp:txBody>
       <dsp:txXfrm>
@@ -7104,10 +7112,10 @@
             <a:buChar char="•"/>
           </a:pPr>
           <a:r>
-            <a:rPr lang="fr-FR" sz="1700" kern="1200"/>
+            <a:rPr lang="fr-FR" sz="1700" kern="1200" dirty="0"/>
             <a:t>Recommandation de 5 articles par utilisateur</a:t>
           </a:r>
-          <a:endParaRPr lang="en-US" sz="1700" kern="1200"/>
+          <a:endParaRPr lang="en-US" sz="1700" kern="1200" dirty="0"/>
         </a:p>
         <a:p>
           <a:pPr marL="171450" lvl="1" indent="-171450" algn="l" defTabSz="755650">
@@ -7123,10 +7131,10 @@
             <a:buChar char="•"/>
           </a:pPr>
           <a:r>
-            <a:rPr lang="fr-FR" sz="1700" kern="1200"/>
-            <a:t>Précision de la recommandation : </a:t>
+            <a:rPr lang="fr-FR" sz="1700" kern="1200" dirty="0"/>
+            <a:t>Précision de la recommandation :</a:t>
           </a:r>
-          <a:endParaRPr lang="en-US" sz="1700" kern="1200"/>
+          <a:endParaRPr lang="en-US" sz="1700" kern="1200" dirty="0"/>
         </a:p>
         <a:p>
           <a:pPr marL="228600" lvl="2" indent="-114300" algn="l" defTabSz="622300">
@@ -7220,10 +7228,10 @@
             <a:buNone/>
           </a:pPr>
           <a:r>
-            <a:rPr lang="fr-FR" sz="1700" kern="1200"/>
+            <a:rPr lang="fr-FR" sz="1700" kern="1200" dirty="0"/>
             <a:t>Test des modèles :</a:t>
           </a:r>
-          <a:endParaRPr lang="en-US" sz="1700" kern="1200"/>
+          <a:endParaRPr lang="en-US" sz="1700" kern="1200" dirty="0"/>
         </a:p>
       </dsp:txBody>
       <dsp:txXfrm>
@@ -7297,10 +7305,10 @@
             <a:buChar char="•"/>
           </a:pPr>
           <a:r>
-            <a:rPr lang="fr-FR" sz="1700" kern="1200"/>
-            <a:t>Ayant lus au moins 5 articles dans le jeu de validation</a:t>
+            <a:rPr lang="fr-FR" sz="1700" kern="1200" dirty="0"/>
+            <a:t>Ayant lu au moins 5 articles dans le jeu de validation</a:t>
           </a:r>
-          <a:endParaRPr lang="en-US" sz="1700" kern="1200"/>
+          <a:endParaRPr lang="en-US" sz="1700" kern="1200" dirty="0"/>
         </a:p>
         <a:p>
           <a:pPr marL="171450" lvl="1" indent="-171450" algn="l" defTabSz="755650">
@@ -7317,7 +7325,7 @@
           </a:pPr>
           <a:r>
             <a:rPr lang="fr-FR" sz="1700" kern="1200" dirty="0"/>
-            <a:t>Ayant lus au moins 1 articles dans le jeu d’entrainement</a:t>
+            <a:t>Ayant lu au moins 1 articles dans le jeu d’entrainement</a:t>
           </a:r>
           <a:endParaRPr lang="en-US" sz="1700" kern="1200" dirty="0"/>
         </a:p>
@@ -7953,10 +7961,18 @@
             <a:buNone/>
           </a:pPr>
           <a:r>
-            <a:rPr lang="fr-FR" sz="1700" kern="1200"/>
-            <a:t>Calcul des cosine-similarities entre article moyen et articles non lus</a:t>
+            <a:rPr lang="fr-FR" sz="1700" kern="1200" dirty="0"/>
+            <a:t>Calcul des </a:t>
           </a:r>
-          <a:endParaRPr lang="en-US" sz="1700" kern="1200"/>
+          <a:r>
+            <a:rPr lang="fr-FR" sz="1700" kern="1200" dirty="0" err="1"/>
+            <a:t>cosine-similarities</a:t>
+          </a:r>
+          <a:r>
+            <a:rPr lang="fr-FR" sz="1700" kern="1200" dirty="0"/>
+            <a:t> entre article moyen et articles non lus</a:t>
+          </a:r>
+          <a:endParaRPr lang="en-US" sz="1700" kern="1200" dirty="0"/>
         </a:p>
       </dsp:txBody>
       <dsp:txXfrm>
@@ -8247,10 +8263,10 @@
             <a:buChar char="•"/>
           </a:pPr>
           <a:r>
-            <a:rPr lang="fr-FR" sz="2400" kern="1200"/>
-            <a:t>Paiement à l’utiisation</a:t>
+            <a:rPr lang="fr-FR" sz="2400" kern="1200" dirty="0"/>
+            <a:t>Paiement à l’utilisation</a:t>
           </a:r>
-          <a:endParaRPr lang="en-US" sz="2400" kern="1200"/>
+          <a:endParaRPr lang="en-US" sz="2400" kern="1200" dirty="0"/>
         </a:p>
       </dsp:txBody>
       <dsp:txXfrm>
@@ -8706,7 +8722,7 @@
           </a:r>
           <a:r>
             <a:rPr lang="fr-FR" sz="1300" kern="1200" dirty="0"/>
-            <a:t> non reconnue </a:t>
+            <a:t> non reconnu </a:t>
           </a:r>
         </a:p>
       </dsp:txBody>
@@ -9031,7 +9047,7 @@
           </a:r>
           <a:r>
             <a:rPr lang="fr-FR" sz="1300" kern="1200" dirty="0"/>
-            <a:t> reconnue</a:t>
+            <a:t> reconnu</a:t>
           </a:r>
         </a:p>
       </dsp:txBody>
@@ -16957,7 +16973,7 @@
             <a:pPr rtl="0"/>
             <a:fld id="{D541C455-0541-42CB-85F2-EF2EB726E407}" type="datetime1">
               <a:rPr lang="fr-FR" smtClean="0"/>
-              <a:t>30/11/2022</a:t>
+              <a:t>02/12/2022</a:t>
             </a:fld>
             <a:endParaRPr lang="en-US" dirty="0"/>
           </a:p>
@@ -17127,7 +17143,7 @@
             <a:pPr rtl="0"/>
             <a:fld id="{139F4AB6-716B-4E95-AAD2-DB349D9AC9BA}" type="datetime1">
               <a:rPr lang="fr-FR" smtClean="0"/>
-              <a:t>30/11/2022</a:t>
+              <a:t>02/12/2022</a:t>
             </a:fld>
             <a:endParaRPr lang="en-US"/>
           </a:p>
@@ -17872,7 +17888,7 @@
             <a:pPr rtl="0"/>
             <a:fld id="{43B6331D-8BD5-4AF5-97EE-8FB3C79FE924}" type="datetime1">
               <a:rPr lang="fr-FR" smtClean="0"/>
-              <a:t>30/11/2022</a:t>
+              <a:t>02/12/2022</a:t>
             </a:fld>
             <a:endParaRPr lang="en-US" dirty="0"/>
           </a:p>
@@ -18078,7 +18094,7 @@
             <a:pPr rtl="0"/>
             <a:fld id="{C09D1B91-EF9C-42FB-BBE2-597FDE1B14D7}" type="datetime1">
               <a:rPr lang="fr-FR" smtClean="0"/>
-              <a:t>30/11/2022</a:t>
+              <a:t>02/12/2022</a:t>
             </a:fld>
             <a:endParaRPr lang="en-US"/>
           </a:p>
@@ -18266,7 +18282,7 @@
             <a:pPr rtl="0"/>
             <a:fld id="{2F733226-97BF-4FE9-8F44-80542C0EB53C}" type="datetime1">
               <a:rPr lang="fr-FR" smtClean="0"/>
-              <a:t>30/11/2022</a:t>
+              <a:t>02/12/2022</a:t>
             </a:fld>
             <a:endParaRPr lang="en-US"/>
           </a:p>
@@ -18440,7 +18456,7 @@
             <a:pPr rtl="0"/>
             <a:fld id="{802FE938-1586-4780-B61A-DD3B60BAB93C}" type="datetime1">
               <a:rPr lang="fr-FR" smtClean="0"/>
-              <a:t>30/11/2022</a:t>
+              <a:t>02/12/2022</a:t>
             </a:fld>
             <a:endParaRPr lang="en-US"/>
           </a:p>
@@ -19043,7 +19059,7 @@
             <a:pPr rtl="0"/>
             <a:fld id="{57CE27EF-4081-4F92-AC85-8FD255C3955B}" type="datetime1">
               <a:rPr lang="fr-FR" smtClean="0"/>
-              <a:t>30/11/2022</a:t>
+              <a:t>02/12/2022</a:t>
             </a:fld>
             <a:endParaRPr lang="en-US" dirty="0"/>
           </a:p>
@@ -19367,7 +19383,7 @@
             <a:pPr rtl="0"/>
             <a:fld id="{22E52E25-1182-4E86-836C-7D703787597C}" type="datetime1">
               <a:rPr lang="fr-FR" smtClean="0"/>
-              <a:t>30/11/2022</a:t>
+              <a:t>02/12/2022</a:t>
             </a:fld>
             <a:endParaRPr lang="en-US"/>
           </a:p>
@@ -19808,7 +19824,7 @@
             <a:pPr rtl="0"/>
             <a:fld id="{007B49E2-AD49-4B10-A213-CF194D4A25A3}" type="datetime1">
               <a:rPr lang="fr-FR" smtClean="0"/>
-              <a:t>30/11/2022</a:t>
+              <a:t>02/12/2022</a:t>
             </a:fld>
             <a:endParaRPr lang="en-US"/>
           </a:p>
@@ -19930,7 +19946,7 @@
             <a:pPr rtl="0"/>
             <a:fld id="{25FB4F25-64BB-460E-8192-B4AC51BA66FC}" type="datetime1">
               <a:rPr lang="fr-FR" smtClean="0"/>
-              <a:t>30/11/2022</a:t>
+              <a:t>02/12/2022</a:t>
             </a:fld>
             <a:endParaRPr lang="en-US"/>
           </a:p>
@@ -20028,7 +20044,7 @@
             <a:pPr rtl="0"/>
             <a:fld id="{2BD66AC7-6890-4F0E-B000-A39D822B7C00}" type="datetime1">
               <a:rPr lang="fr-FR" smtClean="0"/>
-              <a:t>30/11/2022</a:t>
+              <a:t>02/12/2022</a:t>
             </a:fld>
             <a:endParaRPr lang="en-US"/>
           </a:p>
@@ -20449,7 +20465,7 @@
             <a:pPr rtl="0"/>
             <a:fld id="{F7B0F5FB-B743-44F1-84BA-99C248DB6023}" type="datetime1">
               <a:rPr lang="fr-FR" smtClean="0"/>
-              <a:t>30/11/2022</a:t>
+              <a:t>02/12/2022</a:t>
             </a:fld>
             <a:endParaRPr lang="en-US"/>
           </a:p>
@@ -20714,7 +20730,7 @@
             <a:pPr rtl="0"/>
             <a:fld id="{C80E5F3D-7A62-48B1-A43E-C6091B37429D}" type="datetime1">
               <a:rPr lang="fr-FR" smtClean="0"/>
-              <a:t>30/11/2022</a:t>
+              <a:t>02/12/2022</a:t>
             </a:fld>
             <a:endParaRPr lang="en-US" dirty="0"/>
           </a:p>
@@ -21234,7 +21250,7 @@
             <a:pPr rtl="0"/>
             <a:fld id="{020D9D58-8984-498B-A4DA-61EAC8A72DD8}" type="datetime1">
               <a:rPr lang="fr-FR" smtClean="0"/>
-              <a:t>30/11/2022</a:t>
+              <a:t>02/12/2022</a:t>
             </a:fld>
             <a:endParaRPr lang="en-US" dirty="0"/>
           </a:p>
@@ -21872,7 +21888,7 @@
                   <a:schemeClr val="tx1"/>
                 </a:solidFill>
               </a:rPr>
-              <a:t>Recommendation de contenu</a:t>
+              <a:t>Recommandation de contenu</a:t>
             </a:r>
           </a:p>
         </p:txBody>
@@ -22055,7 +22071,7 @@
                   <a:spcPts val="600"/>
                 </a:spcAft>
               </a:pPr>
-              <a:t>30/11/2022</a:t>
+              <a:t>02/12/2022</a:t>
             </a:fld>
             <a:endParaRPr lang="en-US"/>
           </a:p>
@@ -22077,7 +22093,7 @@
             <p:ph idx="1"/>
             <p:extLst>
               <p:ext uri="{D42A27DB-BD31-4B8C-83A1-F6EECF244321}">
-                <p14:modId xmlns:p14="http://schemas.microsoft.com/office/powerpoint/2010/main" val="270471272"/>
+                <p14:modId xmlns:p14="http://schemas.microsoft.com/office/powerpoint/2010/main" val="1518492149"/>
               </p:ext>
             </p:extLst>
           </p:nvPr>
@@ -22215,7 +22231,7 @@
           <p:nvPr>
             <p:extLst>
               <p:ext uri="{D42A27DB-BD31-4B8C-83A1-F6EECF244321}">
-                <p14:modId xmlns:p14="http://schemas.microsoft.com/office/powerpoint/2010/main" val="3312812578"/>
+                <p14:modId xmlns:p14="http://schemas.microsoft.com/office/powerpoint/2010/main" val="705005537"/>
               </p:ext>
             </p:extLst>
           </p:nvPr>
@@ -22368,7 +22384,7 @@
                   <a:spcPts val="600"/>
                 </a:spcAft>
               </a:pPr>
-              <a:t>30/11/2022</a:t>
+              <a:t>02/12/2022</a:t>
             </a:fld>
             <a:endParaRPr lang="en-US"/>
           </a:p>
@@ -22485,8 +22501,13 @@
             <a:pPr algn="ctr"/>
             <a:r>
               <a:rPr lang="fr-FR" b="1" dirty="0"/>
-              <a:t>API Recommandation</a:t>
+              <a:t>API </a:t>
             </a:r>
+            <a:r>
+              <a:rPr lang="fr-FR" b="1" dirty="0" err="1"/>
+              <a:t>Recommendation</a:t>
+            </a:r>
+            <a:endParaRPr lang="fr-FR" b="1" dirty="0"/>
           </a:p>
           <a:p>
             <a:pPr algn="ctr"/>
@@ -22663,8 +22684,13 @@
             <a:pPr algn="ctr"/>
             <a:r>
               <a:rPr lang="fr-FR" b="1" dirty="0"/>
-              <a:t>User Recommandation</a:t>
+              <a:t>User </a:t>
             </a:r>
+            <a:r>
+              <a:rPr lang="fr-FR" b="1" dirty="0" err="1"/>
+              <a:t>Recommendation</a:t>
+            </a:r>
+            <a:endParaRPr lang="fr-FR" b="1" dirty="0"/>
           </a:p>
           <a:p>
             <a:pPr algn="ctr"/>
@@ -22775,7 +22801,7 @@
             <a:pPr algn="ctr"/>
             <a:r>
               <a:rPr lang="fr-FR" b="1" dirty="0"/>
-              <a:t>ajout d’article</a:t>
+              <a:t>Article Addition</a:t>
             </a:r>
           </a:p>
           <a:p>
@@ -23732,7 +23758,7 @@
                   <a:spcPts val="600"/>
                 </a:spcAft>
               </a:pPr>
-              <a:t>30/11/2022</a:t>
+              <a:t>02/12/2022</a:t>
             </a:fld>
             <a:endParaRPr lang="en-US"/>
           </a:p>
@@ -23983,7 +24009,7 @@
                   <a:spcPts val="600"/>
                 </a:spcAft>
               </a:pPr>
-              <a:t>30/11/2022</a:t>
+              <a:t>02/12/2022</a:t>
             </a:fld>
             <a:endParaRPr lang="en-US"/>
           </a:p>
@@ -24005,7 +24031,7 @@
             <p:ph idx="1"/>
             <p:extLst>
               <p:ext uri="{D42A27DB-BD31-4B8C-83A1-F6EECF244321}">
-                <p14:modId xmlns:p14="http://schemas.microsoft.com/office/powerpoint/2010/main" val="3584015499"/>
+                <p14:modId xmlns:p14="http://schemas.microsoft.com/office/powerpoint/2010/main" val="3305028804"/>
               </p:ext>
             </p:extLst>
           </p:nvPr>
@@ -25443,7 +25469,7 @@
                   <a:spcPts val="600"/>
                 </a:spcAft>
               </a:pPr>
-              <a:t>30/11/2022</a:t>
+              <a:t>02/12/2022</a:t>
             </a:fld>
             <a:endParaRPr lang="en-US"/>
           </a:p>
